--- a/C++.pptx
+++ b/C++.pptx
@@ -5,53 +5,54 @@
     <p:sldMasterId id="2147483658" r:id="rId4"/>
   </p:sldMasterIdLst>
   <p:notesMasterIdLst>
-    <p:notesMasterId r:id="rId46"/>
+    <p:notesMasterId r:id="rId47"/>
   </p:notesMasterIdLst>
   <p:handoutMasterIdLst>
-    <p:handoutMasterId r:id="rId47"/>
+    <p:handoutMasterId r:id="rId48"/>
   </p:handoutMasterIdLst>
   <p:sldIdLst>
     <p:sldId id="410" r:id="rId5"/>
-    <p:sldId id="411" r:id="rId6"/>
-    <p:sldId id="412" r:id="rId7"/>
+    <p:sldId id="416" r:id="rId6"/>
+    <p:sldId id="411" r:id="rId7"/>
     <p:sldId id="413" r:id="rId8"/>
-    <p:sldId id="414" r:id="rId9"/>
-    <p:sldId id="416" r:id="rId10"/>
-    <p:sldId id="415" r:id="rId11"/>
-    <p:sldId id="417" r:id="rId12"/>
-    <p:sldId id="418" r:id="rId13"/>
-    <p:sldId id="419" r:id="rId14"/>
-    <p:sldId id="420" r:id="rId15"/>
-    <p:sldId id="421" r:id="rId16"/>
-    <p:sldId id="422" r:id="rId17"/>
-    <p:sldId id="423" r:id="rId18"/>
-    <p:sldId id="424" r:id="rId19"/>
-    <p:sldId id="425" r:id="rId20"/>
-    <p:sldId id="426" r:id="rId21"/>
-    <p:sldId id="427" r:id="rId22"/>
-    <p:sldId id="428" r:id="rId23"/>
-    <p:sldId id="429" r:id="rId24"/>
-    <p:sldId id="430" r:id="rId25"/>
-    <p:sldId id="431" r:id="rId26"/>
-    <p:sldId id="432" r:id="rId27"/>
-    <p:sldId id="433" r:id="rId28"/>
-    <p:sldId id="434" r:id="rId29"/>
-    <p:sldId id="435" r:id="rId30"/>
-    <p:sldId id="436" r:id="rId31"/>
-    <p:sldId id="437" r:id="rId32"/>
-    <p:sldId id="438" r:id="rId33"/>
-    <p:sldId id="439" r:id="rId34"/>
-    <p:sldId id="440" r:id="rId35"/>
-    <p:sldId id="441" r:id="rId36"/>
-    <p:sldId id="442" r:id="rId37"/>
-    <p:sldId id="443" r:id="rId38"/>
-    <p:sldId id="444" r:id="rId39"/>
-    <p:sldId id="445" r:id="rId40"/>
-    <p:sldId id="446" r:id="rId41"/>
-    <p:sldId id="447" r:id="rId42"/>
-    <p:sldId id="448" r:id="rId43"/>
-    <p:sldId id="449" r:id="rId44"/>
-    <p:sldId id="398" r:id="rId45"/>
+    <p:sldId id="412" r:id="rId9"/>
+    <p:sldId id="414" r:id="rId10"/>
+    <p:sldId id="450" r:id="rId11"/>
+    <p:sldId id="415" r:id="rId12"/>
+    <p:sldId id="417" r:id="rId13"/>
+    <p:sldId id="418" r:id="rId14"/>
+    <p:sldId id="419" r:id="rId15"/>
+    <p:sldId id="420" r:id="rId16"/>
+    <p:sldId id="421" r:id="rId17"/>
+    <p:sldId id="422" r:id="rId18"/>
+    <p:sldId id="423" r:id="rId19"/>
+    <p:sldId id="424" r:id="rId20"/>
+    <p:sldId id="425" r:id="rId21"/>
+    <p:sldId id="426" r:id="rId22"/>
+    <p:sldId id="427" r:id="rId23"/>
+    <p:sldId id="428" r:id="rId24"/>
+    <p:sldId id="429" r:id="rId25"/>
+    <p:sldId id="430" r:id="rId26"/>
+    <p:sldId id="431" r:id="rId27"/>
+    <p:sldId id="432" r:id="rId28"/>
+    <p:sldId id="433" r:id="rId29"/>
+    <p:sldId id="434" r:id="rId30"/>
+    <p:sldId id="435" r:id="rId31"/>
+    <p:sldId id="436" r:id="rId32"/>
+    <p:sldId id="437" r:id="rId33"/>
+    <p:sldId id="438" r:id="rId34"/>
+    <p:sldId id="439" r:id="rId35"/>
+    <p:sldId id="440" r:id="rId36"/>
+    <p:sldId id="441" r:id="rId37"/>
+    <p:sldId id="442" r:id="rId38"/>
+    <p:sldId id="443" r:id="rId39"/>
+    <p:sldId id="444" r:id="rId40"/>
+    <p:sldId id="445" r:id="rId41"/>
+    <p:sldId id="446" r:id="rId42"/>
+    <p:sldId id="447" r:id="rId43"/>
+    <p:sldId id="448" r:id="rId44"/>
+    <p:sldId id="449" r:id="rId45"/>
+    <p:sldId id="398" r:id="rId46"/>
   </p:sldIdLst>
   <p:sldSz cx="12192000" cy="6858000"/>
   <p:notesSz cx="6858000" cy="9144000"/>
@@ -860,7 +861,7 @@
           <a:p>
             <a:fld id="{A89C7E07-3C67-C64C-8DA0-0404F6303970}" type="slidenum">
               <a:rPr lang="en-US" smtClean="0"/>
-              <a:t>41</a:t>
+              <a:t>42</a:t>
             </a:fld>
             <a:endParaRPr lang="en-US" dirty="0"/>
           </a:p>
@@ -9265,7 +9266,7 @@
           <p:cNvPr id="2" name="Title 1">
             <a:extLst>
               <a:ext uri="{FF2B5EF4-FFF2-40B4-BE49-F238E27FC236}">
-                <a16:creationId xmlns:a16="http://schemas.microsoft.com/office/drawing/2014/main" id="{5DD9A911-224A-3288-615C-39B686BE86C4}"/>
+                <a16:creationId xmlns:a16="http://schemas.microsoft.com/office/drawing/2014/main" id="{D81A3A62-80CB-5460-D5DC-E0952508F8C6}"/>
               </a:ext>
             </a:extLst>
           </p:cNvPr>
@@ -9283,7 +9284,7 @@
           <a:p>
             <a:r>
               <a:rPr lang="en-US" dirty="0"/>
-              <a:t>Additional information on Class</a:t>
+              <a:t>Class</a:t>
             </a:r>
           </a:p>
         </p:txBody>
@@ -9293,7 +9294,7 @@
           <p:cNvPr id="3" name="Table Placeholder 2">
             <a:extLst>
               <a:ext uri="{FF2B5EF4-FFF2-40B4-BE49-F238E27FC236}">
-                <a16:creationId xmlns:a16="http://schemas.microsoft.com/office/drawing/2014/main" id="{72A4F736-458C-4648-6607-031CDCB193E0}"/>
+                <a16:creationId xmlns:a16="http://schemas.microsoft.com/office/drawing/2014/main" id="{37EB8ED6-AF4E-1FB2-0E07-17BD250A1D13}"/>
               </a:ext>
             </a:extLst>
           </p:cNvPr>
@@ -9310,55 +9311,56 @@
           <a:lstStyle/>
           <a:p>
             <a:r>
-              <a:rPr lang="en-US" dirty="0"/>
-              <a:t>Class </a:t>
-            </a:r>
-          </a:p>
-          <a:p>
-            <a:pPr lvl="1"/>
-            <a:r>
-              <a:rPr lang="en-US" dirty="0"/>
-              <a:t>Variables   (content)</a:t>
-            </a:r>
-          </a:p>
-          <a:p>
-            <a:pPr lvl="1"/>
-            <a:r>
-              <a:rPr lang="en-US" dirty="0"/>
-              <a:t>Functions  ( operations)</a:t>
-            </a:r>
-          </a:p>
-          <a:p>
-            <a:pPr lvl="1"/>
-            <a:r>
-              <a:rPr lang="en-US" dirty="0"/>
-              <a:t>Remember data type mean content + operations.</a:t>
-            </a:r>
-          </a:p>
-          <a:p>
-            <a:r>
-              <a:rPr lang="en-US" dirty="0"/>
-              <a:t>We created a class means </a:t>
-            </a:r>
-          </a:p>
-          <a:p>
-            <a:pPr lvl="1"/>
-            <a:r>
-              <a:rPr lang="en-US" dirty="0"/>
-              <a:t>We created a data type.</a:t>
-            </a:r>
-          </a:p>
-          <a:p>
-            <a:r>
-              <a:rPr lang="en-US" dirty="0"/>
-              <a:t>Once we have a data type</a:t>
-            </a:r>
-          </a:p>
-          <a:p>
-            <a:pPr lvl="1"/>
-            <a:r>
-              <a:rPr lang="en-US" dirty="0"/>
-              <a:t>Create a variable of the data type , typically in class it means we create the object of the class.</a:t>
+              <a:rPr lang="en-US" b="1" dirty="0">
+                <a:solidFill>
+                  <a:srgbClr val="FF0000"/>
+                </a:solidFill>
+              </a:rPr>
+              <a:t>a mechanism to create a new data type in the project</a:t>
+            </a:r>
+            <a:r>
+              <a:rPr lang="en-US" dirty="0"/>
+              <a:t>.</a:t>
+            </a:r>
+          </a:p>
+          <a:p>
+            <a:r>
+              <a:rPr lang="en-US" dirty="0"/>
+              <a:t>For example we have int  which is a data type, now it has got some content  i=3 and some operations i = i *4 , here * can be considered as an operation</a:t>
+            </a:r>
+          </a:p>
+          <a:p>
+            <a:r>
+              <a:rPr lang="en-US" dirty="0" err="1"/>
+              <a:t>Similary</a:t>
+            </a:r>
+            <a:r>
+              <a:rPr lang="en-US" dirty="0"/>
+              <a:t> class is a data type which project needs to model the domain, example </a:t>
+            </a:r>
+            <a:r>
+              <a:rPr lang="en-US" dirty="0" err="1"/>
+              <a:t>MedicalDomain</a:t>
+            </a:r>
+            <a:r>
+              <a:rPr lang="en-US" dirty="0"/>
+              <a:t> can contain variables like </a:t>
+            </a:r>
+            <a:r>
+              <a:rPr lang="en-US" dirty="0" err="1"/>
+              <a:t>serialnumber</a:t>
+            </a:r>
+            <a:r>
+              <a:rPr lang="en-US" dirty="0"/>
+              <a:t>, description and </a:t>
+            </a:r>
+            <a:r>
+              <a:rPr lang="en-US" dirty="0" err="1"/>
+              <a:t>manufacterid</a:t>
+            </a:r>
+            <a:r>
+              <a:rPr lang="en-US" dirty="0"/>
+              <a:t> and functions. Look at a03classexample.cpp</a:t>
             </a:r>
           </a:p>
         </p:txBody>
@@ -9366,7 +9368,7 @@
     </p:spTree>
     <p:extLst>
       <p:ext uri="{BB962C8B-B14F-4D97-AF65-F5344CB8AC3E}">
-        <p14:creationId xmlns:p14="http://schemas.microsoft.com/office/powerpoint/2010/main" val="2378441842"/>
+        <p14:creationId xmlns:p14="http://schemas.microsoft.com/office/powerpoint/2010/main" val="51787693"/>
       </p:ext>
     </p:extLst>
   </p:cSld>
@@ -9398,7 +9400,7 @@
           <p:cNvPr id="2" name="Title 1">
             <a:extLst>
               <a:ext uri="{FF2B5EF4-FFF2-40B4-BE49-F238E27FC236}">
-                <a16:creationId xmlns:a16="http://schemas.microsoft.com/office/drawing/2014/main" id="{938944E1-C21B-3246-EFA9-D86058AB908D}"/>
+                <a16:creationId xmlns:a16="http://schemas.microsoft.com/office/drawing/2014/main" id="{5DD9A911-224A-3288-615C-39B686BE86C4}"/>
               </a:ext>
             </a:extLst>
           </p:cNvPr>
@@ -9416,7 +9418,7 @@
           <a:p>
             <a:r>
               <a:rPr lang="en-US" dirty="0"/>
-              <a:t>Additional information on class</a:t>
+              <a:t>Additional information on Class</a:t>
             </a:r>
           </a:p>
         </p:txBody>
@@ -9426,7 +9428,7 @@
           <p:cNvPr id="3" name="Table Placeholder 2">
             <a:extLst>
               <a:ext uri="{FF2B5EF4-FFF2-40B4-BE49-F238E27FC236}">
-                <a16:creationId xmlns:a16="http://schemas.microsoft.com/office/drawing/2014/main" id="{ECFE487E-25E5-E976-6B58-8DCC0656D1A6}"/>
+                <a16:creationId xmlns:a16="http://schemas.microsoft.com/office/drawing/2014/main" id="{72A4F736-458C-4648-6607-031CDCB193E0}"/>
               </a:ext>
             </a:extLst>
           </p:cNvPr>
@@ -9444,80 +9446,62 @@
           <a:p>
             <a:r>
               <a:rPr lang="en-US" dirty="0"/>
-              <a:t>Scope  specifiers in the class</a:t>
+              <a:t>Class </a:t>
             </a:r>
           </a:p>
           <a:p>
             <a:pPr lvl="1"/>
             <a:r>
               <a:rPr lang="en-US" dirty="0"/>
-              <a:t>Private</a:t>
-            </a:r>
-          </a:p>
-          <a:p>
-            <a:pPr lvl="2"/>
-            <a:r>
-              <a:rPr lang="en-US" dirty="0"/>
-              <a:t>Typically, variables will be present so that we cannot access them directly</a:t>
+              <a:t>Variables   (content)</a:t>
             </a:r>
           </a:p>
           <a:p>
             <a:pPr lvl="1"/>
             <a:r>
               <a:rPr lang="en-US" dirty="0"/>
-              <a:t>Public</a:t>
-            </a:r>
-          </a:p>
-          <a:p>
-            <a:pPr lvl="2"/>
-            <a:r>
-              <a:rPr lang="en-US" dirty="0"/>
-              <a:t>Typically, functions are present  which will access the private variables.</a:t>
-            </a:r>
-          </a:p>
-          <a:p>
-            <a:pPr lvl="2"/>
-            <a:endParaRPr lang="en-US" dirty="0"/>
+              <a:t>Functions  ( operations)</a:t>
+            </a:r>
           </a:p>
           <a:p>
             <a:pPr lvl="1"/>
             <a:r>
               <a:rPr lang="en-US" dirty="0"/>
-              <a:t>Approach </a:t>
-            </a:r>
-          </a:p>
-          <a:p>
-            <a:pPr lvl="2"/>
-            <a:r>
-              <a:rPr lang="en-US" dirty="0"/>
-              <a:t>Reach the variables thru the functions so that we don’t put junk into the variables.</a:t>
-            </a:r>
-          </a:p>
-          <a:p>
-            <a:pPr lvl="2"/>
-            <a:endParaRPr lang="en-US" dirty="0"/>
-          </a:p>
-          <a:p>
-            <a:pPr lvl="2"/>
-            <a:r>
-              <a:rPr lang="en-US" dirty="0">
-                <a:solidFill>
-                  <a:srgbClr val="FF0000"/>
-                </a:solidFill>
-              </a:rPr>
-              <a:t>Look at a03classexample.cpp</a:t>
-            </a:r>
-          </a:p>
-          <a:p>
-            <a:pPr lvl="2"/>
-            <a:endParaRPr lang="en-US" dirty="0"/>
+              <a:t>Remember data type mean content + operations.</a:t>
+            </a:r>
+          </a:p>
+          <a:p>
+            <a:r>
+              <a:rPr lang="en-US" dirty="0"/>
+              <a:t>We created a class means </a:t>
+            </a:r>
+          </a:p>
+          <a:p>
+            <a:pPr lvl="1"/>
+            <a:r>
+              <a:rPr lang="en-US" dirty="0"/>
+              <a:t>We created a data type.</a:t>
+            </a:r>
+          </a:p>
+          <a:p>
+            <a:r>
+              <a:rPr lang="en-US" dirty="0"/>
+              <a:t>Once we have a data type</a:t>
+            </a:r>
+          </a:p>
+          <a:p>
+            <a:pPr lvl="1"/>
+            <a:r>
+              <a:rPr lang="en-US" dirty="0"/>
+              <a:t>Create a variable of the data type , typically in class it means we create the object of the class.</a:t>
+            </a:r>
           </a:p>
         </p:txBody>
       </p:sp>
     </p:spTree>
     <p:extLst>
       <p:ext uri="{BB962C8B-B14F-4D97-AF65-F5344CB8AC3E}">
-        <p14:creationId xmlns:p14="http://schemas.microsoft.com/office/powerpoint/2010/main" val="4187006030"/>
+        <p14:creationId xmlns:p14="http://schemas.microsoft.com/office/powerpoint/2010/main" val="2378441842"/>
       </p:ext>
     </p:extLst>
   </p:cSld>
@@ -9549,7 +9533,7 @@
           <p:cNvPr id="2" name="Title 1">
             <a:extLst>
               <a:ext uri="{FF2B5EF4-FFF2-40B4-BE49-F238E27FC236}">
-                <a16:creationId xmlns:a16="http://schemas.microsoft.com/office/drawing/2014/main" id="{CC59BDA3-7A77-24A1-3F00-5E4BB7E83887}"/>
+                <a16:creationId xmlns:a16="http://schemas.microsoft.com/office/drawing/2014/main" id="{938944E1-C21B-3246-EFA9-D86058AB908D}"/>
               </a:ext>
             </a:extLst>
           </p:cNvPr>
@@ -9567,7 +9551,7 @@
           <a:p>
             <a:r>
               <a:rPr lang="en-US" dirty="0"/>
-              <a:t>Functions</a:t>
+              <a:t>Additional information on class</a:t>
             </a:r>
           </a:p>
         </p:txBody>
@@ -9577,7 +9561,7 @@
           <p:cNvPr id="3" name="Table Placeholder 2">
             <a:extLst>
               <a:ext uri="{FF2B5EF4-FFF2-40B4-BE49-F238E27FC236}">
-                <a16:creationId xmlns:a16="http://schemas.microsoft.com/office/drawing/2014/main" id="{5E8F630A-ED02-9AA1-336B-F7673CADB95C}"/>
+                <a16:creationId xmlns:a16="http://schemas.microsoft.com/office/drawing/2014/main" id="{ECFE487E-25E5-E976-6B58-8DCC0656D1A6}"/>
               </a:ext>
             </a:extLst>
           </p:cNvPr>
@@ -9595,61 +9579,80 @@
           <a:p>
             <a:r>
               <a:rPr lang="en-US" dirty="0"/>
-              <a:t>Basic unit of execution </a:t>
-            </a:r>
-          </a:p>
-          <a:p>
-            <a:r>
-              <a:rPr lang="en-US" dirty="0"/>
-              <a:t>Defining of function</a:t>
+              <a:t>Scope  specifiers in the class</a:t>
             </a:r>
           </a:p>
           <a:p>
             <a:pPr lvl="1"/>
             <a:r>
               <a:rPr lang="en-US" dirty="0"/>
-              <a:t>Inside a class</a:t>
+              <a:t>Private</a:t>
+            </a:r>
+          </a:p>
+          <a:p>
+            <a:pPr lvl="2"/>
+            <a:r>
+              <a:rPr lang="en-US" dirty="0"/>
+              <a:t>Typically, variables will be present so that we cannot access them directly</a:t>
             </a:r>
           </a:p>
           <a:p>
             <a:pPr lvl="1"/>
             <a:r>
               <a:rPr lang="en-US" dirty="0"/>
-              <a:t>Outside a class</a:t>
-            </a:r>
-          </a:p>
-          <a:p>
-            <a:r>
-              <a:rPr lang="en-US" dirty="0"/>
-              <a:t>Calling of function</a:t>
-            </a:r>
+              <a:t>Public</a:t>
+            </a:r>
+          </a:p>
+          <a:p>
+            <a:pPr lvl="2"/>
+            <a:r>
+              <a:rPr lang="en-US" dirty="0"/>
+              <a:t>Typically, functions are present  which will access the private variables.</a:t>
+            </a:r>
+          </a:p>
+          <a:p>
+            <a:pPr lvl="2"/>
+            <a:endParaRPr lang="en-US" dirty="0"/>
           </a:p>
           <a:p>
             <a:pPr lvl="1"/>
             <a:r>
               <a:rPr lang="en-US" dirty="0"/>
-              <a:t>Always done inside a function</a:t>
-            </a:r>
-          </a:p>
-          <a:p>
-            <a:r>
-              <a:rPr lang="en-US" dirty="0"/>
-              <a:t>Function assignment</a:t>
-            </a:r>
-          </a:p>
-          <a:p>
-            <a:pPr lvl="1"/>
-            <a:r>
-              <a:rPr lang="en-US" dirty="0"/>
-              <a:t>Using function like a variable, is not equivalent to calling of function.</a:t>
-            </a:r>
+              <a:t>Approach </a:t>
+            </a:r>
+          </a:p>
+          <a:p>
+            <a:pPr lvl="2"/>
+            <a:r>
+              <a:rPr lang="en-US" dirty="0"/>
+              <a:t>Reach the variables thru the functions so that we don’t put junk into the variables.</a:t>
+            </a:r>
+          </a:p>
+          <a:p>
+            <a:pPr lvl="2"/>
+            <a:endParaRPr lang="en-US" dirty="0"/>
+          </a:p>
+          <a:p>
+            <a:pPr lvl="2"/>
+            <a:r>
+              <a:rPr lang="en-US" dirty="0">
+                <a:solidFill>
+                  <a:srgbClr val="FF0000"/>
+                </a:solidFill>
+              </a:rPr>
+              <a:t>Look at a03classexample.cpp</a:t>
+            </a:r>
+          </a:p>
+          <a:p>
+            <a:pPr lvl="2"/>
+            <a:endParaRPr lang="en-US" dirty="0"/>
           </a:p>
         </p:txBody>
       </p:sp>
     </p:spTree>
     <p:extLst>
       <p:ext uri="{BB962C8B-B14F-4D97-AF65-F5344CB8AC3E}">
-        <p14:creationId xmlns:p14="http://schemas.microsoft.com/office/powerpoint/2010/main" val="4181887068"/>
+        <p14:creationId xmlns:p14="http://schemas.microsoft.com/office/powerpoint/2010/main" val="4187006030"/>
       </p:ext>
     </p:extLst>
   </p:cSld>
@@ -9681,7 +9684,7 @@
           <p:cNvPr id="2" name="Title 1">
             <a:extLst>
               <a:ext uri="{FF2B5EF4-FFF2-40B4-BE49-F238E27FC236}">
-                <a16:creationId xmlns:a16="http://schemas.microsoft.com/office/drawing/2014/main" id="{FC3A365F-0C16-C438-D689-A5A150821537}"/>
+                <a16:creationId xmlns:a16="http://schemas.microsoft.com/office/drawing/2014/main" id="{CC59BDA3-7A77-24A1-3F00-5E4BB7E83887}"/>
               </a:ext>
             </a:extLst>
           </p:cNvPr>
@@ -9709,7 +9712,7 @@
           <p:cNvPr id="3" name="Table Placeholder 2">
             <a:extLst>
               <a:ext uri="{FF2B5EF4-FFF2-40B4-BE49-F238E27FC236}">
-                <a16:creationId xmlns:a16="http://schemas.microsoft.com/office/drawing/2014/main" id="{F1BCE371-775E-3CE8-3961-987AD244B7CF}"/>
+                <a16:creationId xmlns:a16="http://schemas.microsoft.com/office/drawing/2014/main" id="{5E8F630A-ED02-9AA1-336B-F7673CADB95C}"/>
               </a:ext>
             </a:extLst>
           </p:cNvPr>
@@ -9727,63 +9730,53 @@
           <a:p>
             <a:r>
               <a:rPr lang="en-US" dirty="0"/>
-              <a:t>Function definition</a:t>
+              <a:t>Basic unit of execution </a:t>
+            </a:r>
+          </a:p>
+          <a:p>
+            <a:r>
+              <a:rPr lang="en-US" dirty="0"/>
+              <a:t>Defining of function</a:t>
             </a:r>
           </a:p>
           <a:p>
             <a:pPr lvl="1"/>
             <a:r>
               <a:rPr lang="en-US" dirty="0"/>
-              <a:t>Think who is going to call it.</a:t>
-            </a:r>
-          </a:p>
-          <a:p>
-            <a:pPr lvl="2"/>
-            <a:r>
-              <a:rPr lang="en-US" dirty="0"/>
-              <a:t>It could be person</a:t>
-            </a:r>
-          </a:p>
-          <a:p>
-            <a:pPr lvl="2"/>
-            <a:r>
-              <a:rPr lang="en-US" dirty="0"/>
-              <a:t>It could be system, example main function is not called by person, it is called by system..</a:t>
+              <a:t>Inside a class</a:t>
             </a:r>
           </a:p>
           <a:p>
             <a:pPr lvl="1"/>
             <a:r>
               <a:rPr lang="en-US" dirty="0"/>
-              <a:t>Focus on input what does it mean</a:t>
+              <a:t>Outside a class</a:t>
+            </a:r>
+          </a:p>
+          <a:p>
+            <a:r>
+              <a:rPr lang="en-US" dirty="0"/>
+              <a:t>Calling of function</a:t>
             </a:r>
           </a:p>
           <a:p>
             <a:pPr lvl="1"/>
             <a:r>
               <a:rPr lang="en-US" dirty="0"/>
-              <a:t>Focus on output what does it do</a:t>
+              <a:t>Always done inside a function</a:t>
+            </a:r>
+          </a:p>
+          <a:p>
+            <a:r>
+              <a:rPr lang="en-US" dirty="0"/>
+              <a:t>Function assignment</a:t>
             </a:r>
           </a:p>
           <a:p>
             <a:pPr lvl="1"/>
             <a:r>
               <a:rPr lang="en-US" dirty="0"/>
-              <a:t>How does caller come to know</a:t>
-            </a:r>
-          </a:p>
-          <a:p>
-            <a:pPr lvl="2"/>
-            <a:r>
-              <a:rPr lang="en-US" dirty="0"/>
-              <a:t>Function succeeded or function failed.</a:t>
-            </a:r>
-          </a:p>
-          <a:p>
-            <a:pPr lvl="2"/>
-            <a:r>
-              <a:rPr lang="en-US" dirty="0"/>
-              <a:t>Key part  of good design eventually.</a:t>
+              <a:t>Using function like a variable, is not equivalent to calling of function.</a:t>
             </a:r>
           </a:p>
         </p:txBody>
@@ -9791,7 +9784,7 @@
     </p:spTree>
     <p:extLst>
       <p:ext uri="{BB962C8B-B14F-4D97-AF65-F5344CB8AC3E}">
-        <p14:creationId xmlns:p14="http://schemas.microsoft.com/office/powerpoint/2010/main" val="4190138787"/>
+        <p14:creationId xmlns:p14="http://schemas.microsoft.com/office/powerpoint/2010/main" val="4181887068"/>
       </p:ext>
     </p:extLst>
   </p:cSld>
@@ -9823,7 +9816,7 @@
           <p:cNvPr id="2" name="Title 1">
             <a:extLst>
               <a:ext uri="{FF2B5EF4-FFF2-40B4-BE49-F238E27FC236}">
-                <a16:creationId xmlns:a16="http://schemas.microsoft.com/office/drawing/2014/main" id="{F67E1612-6546-7BB9-2CFF-2B0AD43C6DC6}"/>
+                <a16:creationId xmlns:a16="http://schemas.microsoft.com/office/drawing/2014/main" id="{FC3A365F-0C16-C438-D689-A5A150821537}"/>
               </a:ext>
             </a:extLst>
           </p:cNvPr>
@@ -9841,7 +9834,7 @@
           <a:p>
             <a:r>
               <a:rPr lang="en-US" dirty="0"/>
-              <a:t>Function </a:t>
+              <a:t>Functions</a:t>
             </a:r>
           </a:p>
         </p:txBody>
@@ -9851,7 +9844,7 @@
           <p:cNvPr id="3" name="Table Placeholder 2">
             <a:extLst>
               <a:ext uri="{FF2B5EF4-FFF2-40B4-BE49-F238E27FC236}">
-                <a16:creationId xmlns:a16="http://schemas.microsoft.com/office/drawing/2014/main" id="{BE6738BD-B8F9-0DE2-83D6-825148FFC8FD}"/>
+                <a16:creationId xmlns:a16="http://schemas.microsoft.com/office/drawing/2014/main" id="{F1BCE371-775E-3CE8-3961-987AD244B7CF}"/>
               </a:ext>
             </a:extLst>
           </p:cNvPr>
@@ -9869,49 +9862,63 @@
           <a:p>
             <a:r>
               <a:rPr lang="en-US" dirty="0"/>
-              <a:t>Calling of function</a:t>
+              <a:t>Function definition</a:t>
             </a:r>
           </a:p>
           <a:p>
             <a:pPr lvl="1"/>
             <a:r>
               <a:rPr lang="en-US" dirty="0"/>
-              <a:t>Open documentation and understand the function in terms of</a:t>
+              <a:t>Think who is going to call it.</a:t>
             </a:r>
           </a:p>
           <a:p>
             <a:pPr lvl="2"/>
             <a:r>
               <a:rPr lang="en-US" dirty="0"/>
-              <a:t>What it does</a:t>
+              <a:t>It could be person</a:t>
             </a:r>
           </a:p>
           <a:p>
             <a:pPr lvl="2"/>
             <a:r>
               <a:rPr lang="en-US" dirty="0"/>
-              <a:t>What does input indicate</a:t>
+              <a:t>It could be system, example main function is not called by person, it is called by system..</a:t>
+            </a:r>
+          </a:p>
+          <a:p>
+            <a:pPr lvl="1"/>
+            <a:r>
+              <a:rPr lang="en-US" dirty="0"/>
+              <a:t>Focus on input what does it mean</a:t>
+            </a:r>
+          </a:p>
+          <a:p>
+            <a:pPr lvl="1"/>
+            <a:r>
+              <a:rPr lang="en-US" dirty="0"/>
+              <a:t>Focus on output what does it do</a:t>
+            </a:r>
+          </a:p>
+          <a:p>
+            <a:pPr lvl="1"/>
+            <a:r>
+              <a:rPr lang="en-US" dirty="0"/>
+              <a:t>How does caller come to know</a:t>
             </a:r>
           </a:p>
           <a:p>
             <a:pPr lvl="2"/>
             <a:r>
               <a:rPr lang="en-US" dirty="0"/>
-              <a:t>What does it return</a:t>
+              <a:t>Function succeeded or function failed.</a:t>
             </a:r>
           </a:p>
           <a:p>
             <a:pPr lvl="2"/>
             <a:r>
               <a:rPr lang="en-US" dirty="0"/>
-              <a:t>How do you know failure or success.</a:t>
-            </a:r>
-          </a:p>
-          <a:p>
-            <a:pPr lvl="2"/>
-            <a:r>
-              <a:rPr lang="en-US" dirty="0"/>
-              <a:t>We don’t need to know how the function does its job but what it does we should know.</a:t>
+              <a:t>Key part  of good design eventually.</a:t>
             </a:r>
           </a:p>
         </p:txBody>
@@ -9919,7 +9926,7 @@
     </p:spTree>
     <p:extLst>
       <p:ext uri="{BB962C8B-B14F-4D97-AF65-F5344CB8AC3E}">
-        <p14:creationId xmlns:p14="http://schemas.microsoft.com/office/powerpoint/2010/main" val="2906992743"/>
+        <p14:creationId xmlns:p14="http://schemas.microsoft.com/office/powerpoint/2010/main" val="4190138787"/>
       </p:ext>
     </p:extLst>
   </p:cSld>
@@ -9951,7 +9958,7 @@
           <p:cNvPr id="2" name="Title 1">
             <a:extLst>
               <a:ext uri="{FF2B5EF4-FFF2-40B4-BE49-F238E27FC236}">
-                <a16:creationId xmlns:a16="http://schemas.microsoft.com/office/drawing/2014/main" id="{D3E56D33-4005-3287-2CE4-CA4A58C28DE5}"/>
+                <a16:creationId xmlns:a16="http://schemas.microsoft.com/office/drawing/2014/main" id="{F67E1612-6546-7BB9-2CFF-2B0AD43C6DC6}"/>
               </a:ext>
             </a:extLst>
           </p:cNvPr>
@@ -9969,7 +9976,7 @@
           <a:p>
             <a:r>
               <a:rPr lang="en-US" dirty="0"/>
-              <a:t>Function overloading</a:t>
+              <a:t>Function </a:t>
             </a:r>
           </a:p>
         </p:txBody>
@@ -9979,7 +9986,7 @@
           <p:cNvPr id="3" name="Table Placeholder 2">
             <a:extLst>
               <a:ext uri="{FF2B5EF4-FFF2-40B4-BE49-F238E27FC236}">
-                <a16:creationId xmlns:a16="http://schemas.microsoft.com/office/drawing/2014/main" id="{D0561A26-B466-5936-A356-FBB84AA4E305}"/>
+                <a16:creationId xmlns:a16="http://schemas.microsoft.com/office/drawing/2014/main" id="{BE6738BD-B8F9-0DE2-83D6-825148FFC8FD}"/>
               </a:ext>
             </a:extLst>
           </p:cNvPr>
@@ -9997,20 +10004,49 @@
           <a:p>
             <a:r>
               <a:rPr lang="en-US" dirty="0"/>
-              <a:t>Multiple functions with same name but input arguments must change</a:t>
-            </a:r>
-          </a:p>
-          <a:p>
-            <a:r>
-              <a:rPr lang="en-US" dirty="0"/>
-              <a:t>If we create ambiguity, then compiler will let us know we should resolve.</a:t>
+              <a:t>Calling of function</a:t>
             </a:r>
           </a:p>
           <a:p>
             <a:pPr lvl="1"/>
             <a:r>
               <a:rPr lang="en-US" dirty="0"/>
-              <a:t>Look at a04overloading.cpp</a:t>
+              <a:t>Open documentation and understand the function in terms of</a:t>
+            </a:r>
+          </a:p>
+          <a:p>
+            <a:pPr lvl="2"/>
+            <a:r>
+              <a:rPr lang="en-US" dirty="0"/>
+              <a:t>What it does</a:t>
+            </a:r>
+          </a:p>
+          <a:p>
+            <a:pPr lvl="2"/>
+            <a:r>
+              <a:rPr lang="en-US" dirty="0"/>
+              <a:t>What does input indicate</a:t>
+            </a:r>
+          </a:p>
+          <a:p>
+            <a:pPr lvl="2"/>
+            <a:r>
+              <a:rPr lang="en-US" dirty="0"/>
+              <a:t>What does it return</a:t>
+            </a:r>
+          </a:p>
+          <a:p>
+            <a:pPr lvl="2"/>
+            <a:r>
+              <a:rPr lang="en-US" dirty="0"/>
+              <a:t>How do you know failure or success.</a:t>
+            </a:r>
+          </a:p>
+          <a:p>
+            <a:pPr lvl="2"/>
+            <a:r>
+              <a:rPr lang="en-US" dirty="0"/>
+              <a:t>We don’t need to know how the function does its job but what it does we should know.</a:t>
             </a:r>
           </a:p>
         </p:txBody>
@@ -10018,7 +10054,7 @@
     </p:spTree>
     <p:extLst>
       <p:ext uri="{BB962C8B-B14F-4D97-AF65-F5344CB8AC3E}">
-        <p14:creationId xmlns:p14="http://schemas.microsoft.com/office/powerpoint/2010/main" val="23565183"/>
+        <p14:creationId xmlns:p14="http://schemas.microsoft.com/office/powerpoint/2010/main" val="2906992743"/>
       </p:ext>
     </p:extLst>
   </p:cSld>
@@ -10050,7 +10086,7 @@
           <p:cNvPr id="2" name="Title 1">
             <a:extLst>
               <a:ext uri="{FF2B5EF4-FFF2-40B4-BE49-F238E27FC236}">
-                <a16:creationId xmlns:a16="http://schemas.microsoft.com/office/drawing/2014/main" id="{34BC3AC3-2109-890B-F3D8-B66E32959BAF}"/>
+                <a16:creationId xmlns:a16="http://schemas.microsoft.com/office/drawing/2014/main" id="{D3E56D33-4005-3287-2CE4-CA4A58C28DE5}"/>
               </a:ext>
             </a:extLst>
           </p:cNvPr>
@@ -10068,7 +10104,7 @@
           <a:p>
             <a:r>
               <a:rPr lang="en-US" dirty="0"/>
-              <a:t>Default arguments</a:t>
+              <a:t>Function overloading</a:t>
             </a:r>
           </a:p>
         </p:txBody>
@@ -10078,7 +10114,7 @@
           <p:cNvPr id="3" name="Table Placeholder 2">
             <a:extLst>
               <a:ext uri="{FF2B5EF4-FFF2-40B4-BE49-F238E27FC236}">
-                <a16:creationId xmlns:a16="http://schemas.microsoft.com/office/drawing/2014/main" id="{F4BDE7FE-98C6-028A-0FE3-D5758CC54CBA}"/>
+                <a16:creationId xmlns:a16="http://schemas.microsoft.com/office/drawing/2014/main" id="{D0561A26-B466-5936-A356-FBB84AA4E305}"/>
               </a:ext>
             </a:extLst>
           </p:cNvPr>
@@ -10096,31 +10132,20 @@
           <a:p>
             <a:r>
               <a:rPr lang="en-US" dirty="0"/>
-              <a:t>Function input arguments is given a default value.</a:t>
-            </a:r>
-          </a:p>
-          <a:p>
-            <a:r>
-              <a:rPr lang="en-US" dirty="0"/>
-              <a:t>During function call, if input argument is given, that value is taken</a:t>
-            </a:r>
-          </a:p>
-          <a:p>
-            <a:r>
-              <a:rPr lang="en-US" dirty="0"/>
-              <a:t>If input argument is not given , default value is assumed.</a:t>
-            </a:r>
-          </a:p>
-          <a:p>
-            <a:r>
-              <a:rPr lang="en-US" dirty="0"/>
-              <a:t>Ensure no ambiguity when used with overloading , </a:t>
-            </a:r>
-          </a:p>
-          <a:p>
-            <a:r>
-              <a:rPr lang="en-US" dirty="0"/>
-              <a:t>look at a19defaultargument.cpp file</a:t>
+              <a:t>Multiple functions with same name but input arguments must change</a:t>
+            </a:r>
+          </a:p>
+          <a:p>
+            <a:r>
+              <a:rPr lang="en-US" dirty="0"/>
+              <a:t>If we create ambiguity, then compiler will let us know we should resolve.</a:t>
+            </a:r>
+          </a:p>
+          <a:p>
+            <a:pPr lvl="1"/>
+            <a:r>
+              <a:rPr lang="en-US" dirty="0"/>
+              <a:t>Look at a04overloading.cpp</a:t>
             </a:r>
           </a:p>
         </p:txBody>
@@ -10128,7 +10153,7 @@
     </p:spTree>
     <p:extLst>
       <p:ext uri="{BB962C8B-B14F-4D97-AF65-F5344CB8AC3E}">
-        <p14:creationId xmlns:p14="http://schemas.microsoft.com/office/powerpoint/2010/main" val="4268749212"/>
+        <p14:creationId xmlns:p14="http://schemas.microsoft.com/office/powerpoint/2010/main" val="23565183"/>
       </p:ext>
     </p:extLst>
   </p:cSld>
@@ -10160,7 +10185,7 @@
           <p:cNvPr id="2" name="Title 1">
             <a:extLst>
               <a:ext uri="{FF2B5EF4-FFF2-40B4-BE49-F238E27FC236}">
-                <a16:creationId xmlns:a16="http://schemas.microsoft.com/office/drawing/2014/main" id="{4EBC27DE-D5BD-CD78-3309-F3A6AB5BB845}"/>
+                <a16:creationId xmlns:a16="http://schemas.microsoft.com/office/drawing/2014/main" id="{34BC3AC3-2109-890B-F3D8-B66E32959BAF}"/>
               </a:ext>
             </a:extLst>
           </p:cNvPr>
@@ -10178,7 +10203,7 @@
           <a:p>
             <a:r>
               <a:rPr lang="en-US" dirty="0"/>
-              <a:t>Variables in c++</a:t>
+              <a:t>Default arguments</a:t>
             </a:r>
           </a:p>
         </p:txBody>
@@ -10188,7 +10213,7 @@
           <p:cNvPr id="3" name="Table Placeholder 2">
             <a:extLst>
               <a:ext uri="{FF2B5EF4-FFF2-40B4-BE49-F238E27FC236}">
-                <a16:creationId xmlns:a16="http://schemas.microsoft.com/office/drawing/2014/main" id="{7509B159-E570-CF1F-3C46-AB5B33A42531}"/>
+                <a16:creationId xmlns:a16="http://schemas.microsoft.com/office/drawing/2014/main" id="{F4BDE7FE-98C6-028A-0FE3-D5758CC54CBA}"/>
               </a:ext>
             </a:extLst>
           </p:cNvPr>
@@ -10206,58 +10231,39 @@
           <a:p>
             <a:r>
               <a:rPr lang="en-US" dirty="0"/>
-              <a:t>Basic data types int, float available.</a:t>
-            </a:r>
-          </a:p>
-          <a:p>
-            <a:r>
-              <a:rPr lang="en-US" dirty="0"/>
-              <a:t>Data type can be inferred by the compiler auto.</a:t>
-            </a:r>
-          </a:p>
-          <a:p>
-            <a:r>
-              <a:rPr lang="en-US" dirty="0"/>
-              <a:t>Class types inbuilt and programmer created ones exist.</a:t>
-            </a:r>
-          </a:p>
-          <a:p>
-            <a:r>
-              <a:rPr lang="en-US" dirty="0"/>
-              <a:t>Variables categories can be</a:t>
-            </a:r>
-          </a:p>
-          <a:p>
-            <a:pPr lvl="1"/>
-            <a:r>
-              <a:rPr lang="en-US" dirty="0"/>
-              <a:t>Non pointer, non reference types</a:t>
-            </a:r>
-          </a:p>
-          <a:p>
-            <a:pPr lvl="1"/>
-            <a:r>
-              <a:rPr lang="en-US" dirty="0"/>
-              <a:t>Pointer type variables</a:t>
-            </a:r>
-          </a:p>
-          <a:p>
-            <a:pPr lvl="1"/>
-            <a:r>
-              <a:rPr lang="en-US" dirty="0"/>
-              <a:t>Reference type variables.</a:t>
-            </a:r>
-          </a:p>
-          <a:p>
-            <a:pPr lvl="1"/>
-            <a:endParaRPr lang="en-US" dirty="0"/>
+              <a:t>Function input arguments is given a default value.</a:t>
+            </a:r>
+          </a:p>
+          <a:p>
+            <a:r>
+              <a:rPr lang="en-US" dirty="0"/>
+              <a:t>During function call, if input argument is given, that value is taken</a:t>
+            </a:r>
+          </a:p>
+          <a:p>
+            <a:r>
+              <a:rPr lang="en-US" dirty="0"/>
+              <a:t>If input argument is not given , default value is assumed.</a:t>
+            </a:r>
+          </a:p>
+          <a:p>
+            <a:r>
+              <a:rPr lang="en-US" dirty="0"/>
+              <a:t>Ensure no ambiguity when used with overloading , </a:t>
+            </a:r>
+          </a:p>
+          <a:p>
+            <a:r>
+              <a:rPr lang="en-US" dirty="0"/>
+              <a:t>look at a19defaultargument.cpp file</a:t>
+            </a:r>
           </a:p>
         </p:txBody>
       </p:sp>
     </p:spTree>
     <p:extLst>
       <p:ext uri="{BB962C8B-B14F-4D97-AF65-F5344CB8AC3E}">
-        <p14:creationId xmlns:p14="http://schemas.microsoft.com/office/powerpoint/2010/main" val="1465691247"/>
+        <p14:creationId xmlns:p14="http://schemas.microsoft.com/office/powerpoint/2010/main" val="4268749212"/>
       </p:ext>
     </p:extLst>
   </p:cSld>
@@ -10289,7 +10295,7 @@
           <p:cNvPr id="2" name="Title 1">
             <a:extLst>
               <a:ext uri="{FF2B5EF4-FFF2-40B4-BE49-F238E27FC236}">
-                <a16:creationId xmlns:a16="http://schemas.microsoft.com/office/drawing/2014/main" id="{44C96714-CE6C-6A0D-2C30-E222C8876B4A}"/>
+                <a16:creationId xmlns:a16="http://schemas.microsoft.com/office/drawing/2014/main" id="{4EBC27DE-D5BD-CD78-3309-F3A6AB5BB845}"/>
               </a:ext>
             </a:extLst>
           </p:cNvPr>
@@ -10307,7 +10313,7 @@
           <a:p>
             <a:r>
               <a:rPr lang="en-US" dirty="0"/>
-              <a:t>Non pointer type, non reference type</a:t>
+              <a:t>Variables in c++</a:t>
             </a:r>
           </a:p>
         </p:txBody>
@@ -10317,7 +10323,7 @@
           <p:cNvPr id="3" name="Table Placeholder 2">
             <a:extLst>
               <a:ext uri="{FF2B5EF4-FFF2-40B4-BE49-F238E27FC236}">
-                <a16:creationId xmlns:a16="http://schemas.microsoft.com/office/drawing/2014/main" id="{92C580C9-1E82-ECAB-F7EE-E458DDE5690A}"/>
+                <a16:creationId xmlns:a16="http://schemas.microsoft.com/office/drawing/2014/main" id="{7509B159-E570-CF1F-3C46-AB5B33A42531}"/>
               </a:ext>
             </a:extLst>
           </p:cNvPr>
@@ -10335,58 +10341,58 @@
           <a:p>
             <a:r>
               <a:rPr lang="en-US" dirty="0"/>
-              <a:t>X i;</a:t>
-            </a:r>
-          </a:p>
-          <a:p>
-            <a:r>
-              <a:rPr lang="en-US" dirty="0"/>
-              <a:t>Here x is the data type and  i is the variable name.</a:t>
-            </a:r>
-          </a:p>
-          <a:p>
-            <a:r>
-              <a:rPr lang="en-US" dirty="0"/>
-              <a:t>Example	</a:t>
+              <a:t>Basic data types int, float available.</a:t>
+            </a:r>
+          </a:p>
+          <a:p>
+            <a:r>
+              <a:rPr lang="en-US" dirty="0"/>
+              <a:t>Data type can be inferred by the compiler auto.</a:t>
+            </a:r>
+          </a:p>
+          <a:p>
+            <a:r>
+              <a:rPr lang="en-US" dirty="0"/>
+              <a:t>Class types inbuilt and programmer created ones exist.</a:t>
+            </a:r>
+          </a:p>
+          <a:p>
+            <a:r>
+              <a:rPr lang="en-US" dirty="0"/>
+              <a:t>Variables categories can be</a:t>
             </a:r>
           </a:p>
           <a:p>
             <a:pPr lvl="1"/>
             <a:r>
               <a:rPr lang="en-US" dirty="0"/>
-              <a:t>Int I</a:t>
+              <a:t>Non pointer, non reference types</a:t>
             </a:r>
           </a:p>
           <a:p>
             <a:pPr lvl="1"/>
             <a:r>
               <a:rPr lang="en-US" dirty="0"/>
-              <a:t>Bool x</a:t>
+              <a:t>Pointer type variables</a:t>
             </a:r>
           </a:p>
           <a:p>
             <a:pPr lvl="1"/>
             <a:r>
-              <a:rPr lang="en-US" dirty="0" err="1"/>
-              <a:t>MedicalDevice</a:t>
-            </a:r>
-            <a:r>
-              <a:rPr lang="en-US" dirty="0"/>
-              <a:t> device;</a:t>
-            </a:r>
-          </a:p>
-          <a:p>
-            <a:r>
-              <a:rPr lang="en-US" dirty="0"/>
-              <a:t>We pass it to a function or return from the function usually a copy is created.</a:t>
-            </a:r>
+              <a:rPr lang="en-US" dirty="0"/>
+              <a:t>Reference type variables.</a:t>
+            </a:r>
+          </a:p>
+          <a:p>
+            <a:pPr lvl="1"/>
+            <a:endParaRPr lang="en-US" dirty="0"/>
           </a:p>
         </p:txBody>
       </p:sp>
     </p:spTree>
     <p:extLst>
       <p:ext uri="{BB962C8B-B14F-4D97-AF65-F5344CB8AC3E}">
-        <p14:creationId xmlns:p14="http://schemas.microsoft.com/office/powerpoint/2010/main" val="1149408063"/>
+        <p14:creationId xmlns:p14="http://schemas.microsoft.com/office/powerpoint/2010/main" val="1465691247"/>
       </p:ext>
     </p:extLst>
   </p:cSld>
@@ -10418,7 +10424,7 @@
           <p:cNvPr id="2" name="Title 1">
             <a:extLst>
               <a:ext uri="{FF2B5EF4-FFF2-40B4-BE49-F238E27FC236}">
-                <a16:creationId xmlns:a16="http://schemas.microsoft.com/office/drawing/2014/main" id="{C800DCD1-29E7-C6C5-9485-CE1407E86F9E}"/>
+                <a16:creationId xmlns:a16="http://schemas.microsoft.com/office/drawing/2014/main" id="{44C96714-CE6C-6A0D-2C30-E222C8876B4A}"/>
               </a:ext>
             </a:extLst>
           </p:cNvPr>
@@ -10436,7 +10442,7 @@
           <a:p>
             <a:r>
               <a:rPr lang="en-US" dirty="0"/>
-              <a:t>Pointer type</a:t>
+              <a:t>Non pointer type, non reference type</a:t>
             </a:r>
           </a:p>
         </p:txBody>
@@ -10446,7 +10452,7 @@
           <p:cNvPr id="3" name="Table Placeholder 2">
             <a:extLst>
               <a:ext uri="{FF2B5EF4-FFF2-40B4-BE49-F238E27FC236}">
-                <a16:creationId xmlns:a16="http://schemas.microsoft.com/office/drawing/2014/main" id="{050A98EC-75CA-EF25-0658-308C2FCE5988}"/>
+                <a16:creationId xmlns:a16="http://schemas.microsoft.com/office/drawing/2014/main" id="{92C580C9-1E82-ECAB-F7EE-E458DDE5690A}"/>
               </a:ext>
             </a:extLst>
           </p:cNvPr>
@@ -10464,48 +10470,50 @@
           <a:p>
             <a:r>
               <a:rPr lang="en-US" dirty="0"/>
-              <a:t>X* y , Here *indicates it is a pointer and X is  the data type and y is name of the variable.</a:t>
-            </a:r>
-          </a:p>
-          <a:p>
-            <a:r>
-              <a:rPr lang="en-US" dirty="0"/>
-              <a:t>key things</a:t>
+              <a:t>X i;</a:t>
+            </a:r>
+          </a:p>
+          <a:p>
+            <a:r>
+              <a:rPr lang="en-US" dirty="0"/>
+              <a:t>Here x is the data type and  i is the variable name.</a:t>
+            </a:r>
+          </a:p>
+          <a:p>
+            <a:r>
+              <a:rPr lang="en-US" dirty="0"/>
+              <a:t>Example	</a:t>
             </a:r>
           </a:p>
           <a:p>
             <a:pPr lvl="1"/>
             <a:r>
               <a:rPr lang="en-US" dirty="0"/>
-              <a:t>Creation of pointer.</a:t>
+              <a:t>Int I</a:t>
             </a:r>
           </a:p>
           <a:p>
             <a:pPr lvl="1"/>
             <a:r>
               <a:rPr lang="en-US" dirty="0"/>
-              <a:t>The pointer will point to some variable.</a:t>
+              <a:t>Bool x</a:t>
             </a:r>
           </a:p>
           <a:p>
             <a:pPr lvl="1"/>
             <a:r>
-              <a:rPr lang="en-US" dirty="0"/>
-              <a:t>Operate the pointer</a:t>
-            </a:r>
-          </a:p>
-          <a:p>
-            <a:pPr lvl="2"/>
-            <a:r>
-              <a:rPr lang="en-US" dirty="0"/>
-              <a:t>Are we operating on the pointer</a:t>
-            </a:r>
-          </a:p>
-          <a:p>
-            <a:pPr lvl="2"/>
-            <a:r>
-              <a:rPr lang="en-US" dirty="0"/>
-              <a:t>Are we operating on what the pointer points to.  </a:t>
+              <a:rPr lang="en-US" dirty="0" err="1"/>
+              <a:t>MedicalDevice</a:t>
+            </a:r>
+            <a:r>
+              <a:rPr lang="en-US" dirty="0"/>
+              <a:t> device;</a:t>
+            </a:r>
+          </a:p>
+          <a:p>
+            <a:r>
+              <a:rPr lang="en-US" dirty="0"/>
+              <a:t>We pass it to a function or return from the function usually a copy is created.</a:t>
             </a:r>
           </a:p>
         </p:txBody>
@@ -10513,7 +10521,7 @@
     </p:spTree>
     <p:extLst>
       <p:ext uri="{BB962C8B-B14F-4D97-AF65-F5344CB8AC3E}">
-        <p14:creationId xmlns:p14="http://schemas.microsoft.com/office/powerpoint/2010/main" val="3795379660"/>
+        <p14:creationId xmlns:p14="http://schemas.microsoft.com/office/powerpoint/2010/main" val="1149408063"/>
       </p:ext>
     </p:extLst>
   </p:cSld>
@@ -10545,7 +10553,7 @@
           <p:cNvPr id="2" name="Title 1">
             <a:extLst>
               <a:ext uri="{FF2B5EF4-FFF2-40B4-BE49-F238E27FC236}">
-                <a16:creationId xmlns:a16="http://schemas.microsoft.com/office/drawing/2014/main" id="{3C16AD1D-4C43-AE39-324D-5A5649D0B3C7}"/>
+                <a16:creationId xmlns:a16="http://schemas.microsoft.com/office/drawing/2014/main" id="{83B192DD-B312-7039-5BAD-3A5F74C95BD2}"/>
               </a:ext>
             </a:extLst>
           </p:cNvPr>
@@ -10563,7 +10571,7 @@
           <a:p>
             <a:r>
               <a:rPr lang="en-US" dirty="0"/>
-              <a:t>Why c++</a:t>
+              <a:t>Location of code</a:t>
             </a:r>
           </a:p>
         </p:txBody>
@@ -10573,7 +10581,7 @@
           <p:cNvPr id="3" name="Table Placeholder 2">
             <a:extLst>
               <a:ext uri="{FF2B5EF4-FFF2-40B4-BE49-F238E27FC236}">
-                <a16:creationId xmlns:a16="http://schemas.microsoft.com/office/drawing/2014/main" id="{86316C78-7F58-65DC-DF89-DB7806E0DA01}"/>
+                <a16:creationId xmlns:a16="http://schemas.microsoft.com/office/drawing/2014/main" id="{DD907C7E-ABED-E2A2-007F-3E44F7AFC862}"/>
               </a:ext>
             </a:extLst>
           </p:cNvPr>
@@ -10590,20 +10598,31 @@
           <a:lstStyle/>
           <a:p>
             <a:r>
-              <a:rPr lang="en-US" dirty="0"/>
-              <a:t>Ability to talk with os directly</a:t>
-            </a:r>
-          </a:p>
-          <a:p>
-            <a:r>
-              <a:rPr lang="en-US" dirty="0"/>
-              <a:t>Support from various companies, most important open source</a:t>
-            </a:r>
-          </a:p>
-          <a:p>
-            <a:r>
-              <a:rPr lang="en-US" dirty="0"/>
-              <a:t>Compatible with C .</a:t>
+              <a:rPr lang="en-US" dirty="0">
+                <a:hlinkClick r:id="rId2"/>
+              </a:rPr>
+              <a:t>https://github.com/noteonbg/cplusMay24.git</a:t>
+            </a:r>
+            <a:endParaRPr lang="en-US" dirty="0"/>
+          </a:p>
+          <a:p>
+            <a:pPr lvl="1"/>
+            <a:r>
+              <a:rPr lang="en-US" dirty="0"/>
+              <a:t>Contains a file called c++notes.txt go thru it.</a:t>
+            </a:r>
+          </a:p>
+          <a:p>
+            <a:r>
+              <a:rPr lang="en-US" dirty="0"/>
+              <a:t>Some reference pdfs</a:t>
+            </a:r>
+          </a:p>
+          <a:p>
+            <a:pPr lvl="1"/>
+            <a:r>
+              <a:rPr lang="en-US" dirty="0"/>
+              <a:t>https://github.com/federico-busato/Modern-CPP-Programming.git</a:t>
             </a:r>
           </a:p>
         </p:txBody>
@@ -10611,7 +10630,7 @@
     </p:spTree>
     <p:extLst>
       <p:ext uri="{BB962C8B-B14F-4D97-AF65-F5344CB8AC3E}">
-        <p14:creationId xmlns:p14="http://schemas.microsoft.com/office/powerpoint/2010/main" val="3133059124"/>
+        <p14:creationId xmlns:p14="http://schemas.microsoft.com/office/powerpoint/2010/main" val="2697250256"/>
       </p:ext>
     </p:extLst>
   </p:cSld>
@@ -10643,7 +10662,7 @@
           <p:cNvPr id="2" name="Title 1">
             <a:extLst>
               <a:ext uri="{FF2B5EF4-FFF2-40B4-BE49-F238E27FC236}">
-                <a16:creationId xmlns:a16="http://schemas.microsoft.com/office/drawing/2014/main" id="{F27EB155-4B42-0952-95B5-85C9022EE8C1}"/>
+                <a16:creationId xmlns:a16="http://schemas.microsoft.com/office/drawing/2014/main" id="{C800DCD1-29E7-C6C5-9485-CE1407E86F9E}"/>
               </a:ext>
             </a:extLst>
           </p:cNvPr>
@@ -10661,7 +10680,7 @@
           <a:p>
             <a:r>
               <a:rPr lang="en-US" dirty="0"/>
-              <a:t>Pointer need</a:t>
+              <a:t>Pointer type</a:t>
             </a:r>
           </a:p>
         </p:txBody>
@@ -10671,7 +10690,7 @@
           <p:cNvPr id="3" name="Table Placeholder 2">
             <a:extLst>
               <a:ext uri="{FF2B5EF4-FFF2-40B4-BE49-F238E27FC236}">
-                <a16:creationId xmlns:a16="http://schemas.microsoft.com/office/drawing/2014/main" id="{17F232E2-D104-990F-D600-3C9A53EA860A}"/>
+                <a16:creationId xmlns:a16="http://schemas.microsoft.com/office/drawing/2014/main" id="{050A98EC-75CA-EF25-0658-308C2FCE5988}"/>
               </a:ext>
             </a:extLst>
           </p:cNvPr>
@@ -10689,40 +10708,48 @@
           <a:p>
             <a:r>
               <a:rPr lang="en-US" dirty="0"/>
-              <a:t>To avoid making copies of variable.</a:t>
-            </a:r>
-          </a:p>
-          <a:p>
-            <a:r>
-              <a:rPr lang="en-US" dirty="0"/>
-              <a:t>Dynamic allocation</a:t>
+              <a:t>X* y , Here *indicates it is a pointer and X is  the data type and y is name of the variable.</a:t>
+            </a:r>
+          </a:p>
+          <a:p>
+            <a:r>
+              <a:rPr lang="en-US" dirty="0"/>
+              <a:t>key things</a:t>
             </a:r>
           </a:p>
           <a:p>
             <a:pPr lvl="1"/>
             <a:r>
               <a:rPr lang="en-US" dirty="0"/>
-              <a:t>Programmer decides at runtime to allocate memory (Heap usage)</a:t>
+              <a:t>Creation of pointer.</a:t>
             </a:r>
           </a:p>
           <a:p>
             <a:pPr lvl="1"/>
             <a:r>
               <a:rPr lang="en-US" dirty="0"/>
-              <a:t>Look at a05passbypointer.cpp</a:t>
+              <a:t>The pointer will point to some variable.</a:t>
             </a:r>
           </a:p>
           <a:p>
             <a:pPr lvl="1"/>
             <a:r>
               <a:rPr lang="en-US" dirty="0"/>
-              <a:t>Typically, pointer creation and operation done by person X and assignment done by person Y.</a:t>
-            </a:r>
-          </a:p>
-          <a:p>
-            <a:r>
-              <a:rPr lang="en-US" dirty="0"/>
-              <a:t>In C++ we use pointers most of times only for dynamic allocation.</a:t>
+              <a:t>Operate the pointer</a:t>
+            </a:r>
+          </a:p>
+          <a:p>
+            <a:pPr lvl="2"/>
+            <a:r>
+              <a:rPr lang="en-US" dirty="0"/>
+              <a:t>Are we operating on the pointer</a:t>
+            </a:r>
+          </a:p>
+          <a:p>
+            <a:pPr lvl="2"/>
+            <a:r>
+              <a:rPr lang="en-US" dirty="0"/>
+              <a:t>Are we operating on what the pointer points to.  </a:t>
             </a:r>
           </a:p>
         </p:txBody>
@@ -10730,7 +10757,7 @@
     </p:spTree>
     <p:extLst>
       <p:ext uri="{BB962C8B-B14F-4D97-AF65-F5344CB8AC3E}">
-        <p14:creationId xmlns:p14="http://schemas.microsoft.com/office/powerpoint/2010/main" val="1643583330"/>
+        <p14:creationId xmlns:p14="http://schemas.microsoft.com/office/powerpoint/2010/main" val="3795379660"/>
       </p:ext>
     </p:extLst>
   </p:cSld>
@@ -10762,7 +10789,7 @@
           <p:cNvPr id="2" name="Title 1">
             <a:extLst>
               <a:ext uri="{FF2B5EF4-FFF2-40B4-BE49-F238E27FC236}">
-                <a16:creationId xmlns:a16="http://schemas.microsoft.com/office/drawing/2014/main" id="{3B5F8026-2250-AAFF-D267-EBCF86765E39}"/>
+                <a16:creationId xmlns:a16="http://schemas.microsoft.com/office/drawing/2014/main" id="{F27EB155-4B42-0952-95B5-85C9022EE8C1}"/>
               </a:ext>
             </a:extLst>
           </p:cNvPr>
@@ -10780,7 +10807,7 @@
           <a:p>
             <a:r>
               <a:rPr lang="en-US" dirty="0"/>
-              <a:t>Reference</a:t>
+              <a:t>Pointer need</a:t>
             </a:r>
           </a:p>
         </p:txBody>
@@ -10790,7 +10817,7 @@
           <p:cNvPr id="3" name="Table Placeholder 2">
             <a:extLst>
               <a:ext uri="{FF2B5EF4-FFF2-40B4-BE49-F238E27FC236}">
-                <a16:creationId xmlns:a16="http://schemas.microsoft.com/office/drawing/2014/main" id="{0D74E24C-CB45-352B-9ADE-F8D7D6CCDCD5}"/>
+                <a16:creationId xmlns:a16="http://schemas.microsoft.com/office/drawing/2014/main" id="{17F232E2-D104-990F-D600-3C9A53EA860A}"/>
               </a:ext>
             </a:extLst>
           </p:cNvPr>
@@ -10808,65 +10835,40 @@
           <a:p>
             <a:r>
               <a:rPr lang="en-US" dirty="0"/>
-              <a:t>X&amp; y  here &amp; indicates reference X indicates data type , y is the variable name.</a:t>
+              <a:t>To avoid making copies of variable.</a:t>
+            </a:r>
+          </a:p>
+          <a:p>
+            <a:r>
+              <a:rPr lang="en-US" dirty="0"/>
+              <a:t>Dynamic allocation</a:t>
             </a:r>
           </a:p>
           <a:p>
             <a:pPr lvl="1"/>
             <a:r>
               <a:rPr lang="en-US" dirty="0"/>
-              <a:t>Used to create alias for a variable.</a:t>
+              <a:t>Programmer decides at runtime to allocate memory (Heap usage)</a:t>
             </a:r>
           </a:p>
           <a:p>
             <a:pPr lvl="1"/>
             <a:r>
               <a:rPr lang="en-US" dirty="0"/>
-              <a:t>Two use a reference</a:t>
-            </a:r>
-          </a:p>
-          <a:p>
-            <a:pPr lvl="2"/>
-            <a:r>
-              <a:rPr lang="en-US" dirty="0"/>
-              <a:t>We must have an existing variable.</a:t>
-            </a:r>
-          </a:p>
-          <a:p>
-            <a:pPr lvl="2"/>
-            <a:r>
-              <a:rPr lang="en-US" dirty="0"/>
-              <a:t>We must assign the reference at time of creation</a:t>
-            </a:r>
-          </a:p>
-          <a:p>
-            <a:pPr lvl="2"/>
-            <a:r>
-              <a:rPr lang="en-US" dirty="0"/>
-              <a:t>Look at a06passbyrefernce.cpp</a:t>
-            </a:r>
-          </a:p>
-          <a:p>
-            <a:pPr lvl="2"/>
-            <a:endParaRPr lang="en-US" dirty="0"/>
-          </a:p>
-          <a:p>
-            <a:pPr lvl="2"/>
-            <a:endParaRPr lang="en-US" dirty="0">
-              <a:solidFill>
-                <a:srgbClr val="FF0000"/>
-              </a:solidFill>
-            </a:endParaRPr>
-          </a:p>
-          <a:p>
-            <a:pPr lvl="2"/>
-            <a:r>
-              <a:rPr lang="en-US" dirty="0">
-                <a:solidFill>
-                  <a:srgbClr val="FF0000"/>
-                </a:solidFill>
-              </a:rPr>
-              <a:t>There is a called R value references we will see later on</a:t>
+              <a:t>Look at a05passbypointer.cpp</a:t>
+            </a:r>
+          </a:p>
+          <a:p>
+            <a:pPr lvl="1"/>
+            <a:r>
+              <a:rPr lang="en-US" dirty="0"/>
+              <a:t>Typically, pointer creation and operation done by person X and assignment done by person Y.</a:t>
+            </a:r>
+          </a:p>
+          <a:p>
+            <a:r>
+              <a:rPr lang="en-US" dirty="0"/>
+              <a:t>In C++ we use pointers most of times only for dynamic allocation.</a:t>
             </a:r>
           </a:p>
         </p:txBody>
@@ -10874,7 +10876,7 @@
     </p:spTree>
     <p:extLst>
       <p:ext uri="{BB962C8B-B14F-4D97-AF65-F5344CB8AC3E}">
-        <p14:creationId xmlns:p14="http://schemas.microsoft.com/office/powerpoint/2010/main" val="4105876767"/>
+        <p14:creationId xmlns:p14="http://schemas.microsoft.com/office/powerpoint/2010/main" val="1643583330"/>
       </p:ext>
     </p:extLst>
   </p:cSld>
@@ -10906,7 +10908,7 @@
           <p:cNvPr id="2" name="Title 1">
             <a:extLst>
               <a:ext uri="{FF2B5EF4-FFF2-40B4-BE49-F238E27FC236}">
-                <a16:creationId xmlns:a16="http://schemas.microsoft.com/office/drawing/2014/main" id="{8033E9A3-F538-028A-B49C-76AEA775E660}"/>
+                <a16:creationId xmlns:a16="http://schemas.microsoft.com/office/drawing/2014/main" id="{3B5F8026-2250-AAFF-D267-EBCF86765E39}"/>
               </a:ext>
             </a:extLst>
           </p:cNvPr>
@@ -10924,7 +10926,7 @@
           <a:p>
             <a:r>
               <a:rPr lang="en-US" dirty="0"/>
-              <a:t>Array </a:t>
+              <a:t>Reference</a:t>
             </a:r>
           </a:p>
         </p:txBody>
@@ -10934,7 +10936,7 @@
           <p:cNvPr id="3" name="Table Placeholder 2">
             <a:extLst>
               <a:ext uri="{FF2B5EF4-FFF2-40B4-BE49-F238E27FC236}">
-                <a16:creationId xmlns:a16="http://schemas.microsoft.com/office/drawing/2014/main" id="{F874BF9D-E232-DD7E-9A30-B7FA166B6C26}"/>
+                <a16:creationId xmlns:a16="http://schemas.microsoft.com/office/drawing/2014/main" id="{0D74E24C-CB45-352B-9ADE-F8D7D6CCDCD5}"/>
               </a:ext>
             </a:extLst>
           </p:cNvPr>
@@ -10952,78 +10954,65 @@
           <a:p>
             <a:r>
               <a:rPr lang="en-US" dirty="0"/>
-              <a:t>X y[size]</a:t>
+              <a:t>X&amp; y  here &amp; indicates reference X indicates data type , y is the variable name.</a:t>
             </a:r>
           </a:p>
           <a:p>
             <a:pPr lvl="1"/>
             <a:r>
               <a:rPr lang="en-US" dirty="0"/>
-              <a:t>Here x indicates data type and y indicates </a:t>
-            </a:r>
-            <a:r>
-              <a:rPr lang="en-US" dirty="0" err="1"/>
-              <a:t>variablename</a:t>
-            </a:r>
-            <a:r>
-              <a:rPr lang="en-US" dirty="0"/>
-              <a:t>.</a:t>
+              <a:t>Used to create alias for a variable.</a:t>
             </a:r>
           </a:p>
           <a:p>
             <a:pPr lvl="1"/>
             <a:r>
               <a:rPr lang="en-US" dirty="0"/>
-              <a:t>Array</a:t>
+              <a:t>Two use a reference</a:t>
             </a:r>
           </a:p>
           <a:p>
             <a:pPr lvl="2"/>
             <a:r>
               <a:rPr lang="en-US" dirty="0"/>
-              <a:t>Group of things </a:t>
+              <a:t>We must have an existing variable.</a:t>
             </a:r>
           </a:p>
           <a:p>
             <a:pPr lvl="2"/>
             <a:r>
               <a:rPr lang="en-US" dirty="0"/>
-              <a:t>Fixed size</a:t>
+              <a:t>We must assign the reference at time of creation</a:t>
             </a:r>
           </a:p>
           <a:p>
             <a:pPr lvl="2"/>
             <a:r>
               <a:rPr lang="en-US" dirty="0"/>
-              <a:t>Continuous memory allocation.</a:t>
+              <a:t>Look at a06passbyrefernce.cpp</a:t>
             </a:r>
           </a:p>
           <a:p>
             <a:pPr lvl="2"/>
-            <a:r>
-              <a:rPr lang="en-US" dirty="0"/>
-              <a:t>We can use subscript to access individual element.</a:t>
-            </a:r>
+            <a:endParaRPr lang="en-US" dirty="0"/>
           </a:p>
           <a:p>
             <a:pPr lvl="2"/>
-            <a:r>
-              <a:rPr lang="en-US" dirty="0"/>
-              <a:t>Array name is pointer.</a:t>
-            </a:r>
+            <a:endParaRPr lang="en-US" dirty="0">
+              <a:solidFill>
+                <a:srgbClr val="FF0000"/>
+              </a:solidFill>
+            </a:endParaRPr>
           </a:p>
           <a:p>
             <a:pPr lvl="2"/>
             <a:r>
-              <a:rPr lang="en-US" dirty="0"/>
-              <a:t>To use , we must know the name of the array and size of the array.</a:t>
-            </a:r>
-          </a:p>
-          <a:p>
-            <a:pPr lvl="3"/>
-            <a:r>
-              <a:rPr lang="en-US" dirty="0"/>
-              <a:t>Look at a07array.cpp</a:t>
+              <a:rPr lang="en-US" dirty="0">
+                <a:solidFill>
+                  <a:srgbClr val="FF0000"/>
+                </a:solidFill>
+              </a:rPr>
+              <a:t>There is a called R value references we will see later on</a:t>
             </a:r>
           </a:p>
         </p:txBody>
@@ -11031,7 +11020,7 @@
     </p:spTree>
     <p:extLst>
       <p:ext uri="{BB962C8B-B14F-4D97-AF65-F5344CB8AC3E}">
-        <p14:creationId xmlns:p14="http://schemas.microsoft.com/office/powerpoint/2010/main" val="672729989"/>
+        <p14:creationId xmlns:p14="http://schemas.microsoft.com/office/powerpoint/2010/main" val="4105876767"/>
       </p:ext>
     </p:extLst>
   </p:cSld>
@@ -11063,7 +11052,7 @@
           <p:cNvPr id="2" name="Title 1">
             <a:extLst>
               <a:ext uri="{FF2B5EF4-FFF2-40B4-BE49-F238E27FC236}">
-                <a16:creationId xmlns:a16="http://schemas.microsoft.com/office/drawing/2014/main" id="{940860DF-F7B8-B68D-0713-6637CEC3E754}"/>
+                <a16:creationId xmlns:a16="http://schemas.microsoft.com/office/drawing/2014/main" id="{8033E9A3-F538-028A-B49C-76AEA775E660}"/>
               </a:ext>
             </a:extLst>
           </p:cNvPr>
@@ -11081,7 +11070,7 @@
           <a:p>
             <a:r>
               <a:rPr lang="en-US" dirty="0"/>
-              <a:t>Constructor</a:t>
+              <a:t>Array </a:t>
             </a:r>
           </a:p>
         </p:txBody>
@@ -11091,7 +11080,7 @@
           <p:cNvPr id="3" name="Table Placeholder 2">
             <a:extLst>
               <a:ext uri="{FF2B5EF4-FFF2-40B4-BE49-F238E27FC236}">
-                <a16:creationId xmlns:a16="http://schemas.microsoft.com/office/drawing/2014/main" id="{FAB85079-53F2-F1AE-F89A-1D57F608E211}"/>
+                <a16:creationId xmlns:a16="http://schemas.microsoft.com/office/drawing/2014/main" id="{F874BF9D-E232-DD7E-9A30-B7FA166B6C26}"/>
               </a:ext>
             </a:extLst>
           </p:cNvPr>
@@ -11109,11 +11098,18 @@
           <a:p>
             <a:r>
               <a:rPr lang="en-US" dirty="0"/>
-              <a:t>Syntax, function name in the class same as </a:t>
+              <a:t>X y[size]</a:t>
+            </a:r>
+          </a:p>
+          <a:p>
+            <a:pPr lvl="1"/>
+            <a:r>
+              <a:rPr lang="en-US" dirty="0"/>
+              <a:t>Here x indicates data type and y indicates </a:t>
             </a:r>
             <a:r>
               <a:rPr lang="en-US" dirty="0" err="1"/>
-              <a:t>classname</a:t>
+              <a:t>variablename</a:t>
             </a:r>
             <a:r>
               <a:rPr lang="en-US" dirty="0"/>
@@ -11121,35 +11117,59 @@
             </a:r>
           </a:p>
           <a:p>
-            <a:r>
-              <a:rPr lang="en-US" dirty="0"/>
-              <a:t>It is a function that gets implicitly called when object gets created</a:t>
-            </a:r>
-          </a:p>
-          <a:p>
-            <a:r>
-              <a:rPr lang="en-US" dirty="0"/>
-              <a:t>Can be overloaded. Which gets called depends on what we pass as input arguments during object creation</a:t>
-            </a:r>
-          </a:p>
-          <a:p>
-            <a:r>
-              <a:rPr lang="en-US" dirty="0"/>
-              <a:t>Person X is creating the class, Person Y is using the class , by constructor Person X can enforce how to create </a:t>
-            </a:r>
-            <a:r>
-              <a:rPr lang="en-US" dirty="0" err="1"/>
-              <a:t>oject</a:t>
-            </a:r>
-            <a:r>
-              <a:rPr lang="en-US" dirty="0"/>
-              <a:t> on person Y </a:t>
-            </a:r>
-          </a:p>
-          <a:p>
-            <a:r>
-              <a:rPr lang="en-US" dirty="0"/>
-              <a:t>look at a12constructoranddestructor.cpp</a:t>
+            <a:pPr lvl="1"/>
+            <a:r>
+              <a:rPr lang="en-US" dirty="0"/>
+              <a:t>Array</a:t>
+            </a:r>
+          </a:p>
+          <a:p>
+            <a:pPr lvl="2"/>
+            <a:r>
+              <a:rPr lang="en-US" dirty="0"/>
+              <a:t>Group of things </a:t>
+            </a:r>
+          </a:p>
+          <a:p>
+            <a:pPr lvl="2"/>
+            <a:r>
+              <a:rPr lang="en-US" dirty="0"/>
+              <a:t>Fixed size</a:t>
+            </a:r>
+          </a:p>
+          <a:p>
+            <a:pPr lvl="2"/>
+            <a:r>
+              <a:rPr lang="en-US" dirty="0"/>
+              <a:t>Continuous memory allocation.</a:t>
+            </a:r>
+          </a:p>
+          <a:p>
+            <a:pPr lvl="2"/>
+            <a:r>
+              <a:rPr lang="en-US" dirty="0"/>
+              <a:t>We can use subscript to access individual element.</a:t>
+            </a:r>
+          </a:p>
+          <a:p>
+            <a:pPr lvl="2"/>
+            <a:r>
+              <a:rPr lang="en-US" dirty="0"/>
+              <a:t>Array name is pointer.</a:t>
+            </a:r>
+          </a:p>
+          <a:p>
+            <a:pPr lvl="2"/>
+            <a:r>
+              <a:rPr lang="en-US" dirty="0"/>
+              <a:t>To use , we must know the name of the array and size of the array.</a:t>
+            </a:r>
+          </a:p>
+          <a:p>
+            <a:pPr lvl="3"/>
+            <a:r>
+              <a:rPr lang="en-US" dirty="0"/>
+              <a:t>Look at a07array.cpp</a:t>
             </a:r>
           </a:p>
         </p:txBody>
@@ -11157,7 +11177,7 @@
     </p:spTree>
     <p:extLst>
       <p:ext uri="{BB962C8B-B14F-4D97-AF65-F5344CB8AC3E}">
-        <p14:creationId xmlns:p14="http://schemas.microsoft.com/office/powerpoint/2010/main" val="2998619543"/>
+        <p14:creationId xmlns:p14="http://schemas.microsoft.com/office/powerpoint/2010/main" val="672729989"/>
       </p:ext>
     </p:extLst>
   </p:cSld>
@@ -11189,7 +11209,7 @@
           <p:cNvPr id="2" name="Title 1">
             <a:extLst>
               <a:ext uri="{FF2B5EF4-FFF2-40B4-BE49-F238E27FC236}">
-                <a16:creationId xmlns:a16="http://schemas.microsoft.com/office/drawing/2014/main" id="{F52AD8FF-6169-8654-B440-E0778C046CCA}"/>
+                <a16:creationId xmlns:a16="http://schemas.microsoft.com/office/drawing/2014/main" id="{940860DF-F7B8-B68D-0713-6637CEC3E754}"/>
               </a:ext>
             </a:extLst>
           </p:cNvPr>
@@ -11207,7 +11227,7 @@
           <a:p>
             <a:r>
               <a:rPr lang="en-US" dirty="0"/>
-              <a:t>Destructor in the class</a:t>
+              <a:t>Constructor</a:t>
             </a:r>
           </a:p>
         </p:txBody>
@@ -11217,7 +11237,7 @@
           <p:cNvPr id="3" name="Table Placeholder 2">
             <a:extLst>
               <a:ext uri="{FF2B5EF4-FFF2-40B4-BE49-F238E27FC236}">
-                <a16:creationId xmlns:a16="http://schemas.microsoft.com/office/drawing/2014/main" id="{AF36EA06-90B3-32A4-1520-81EC9CD9ADC4}"/>
+                <a16:creationId xmlns:a16="http://schemas.microsoft.com/office/drawing/2014/main" id="{FAB85079-53F2-F1AE-F89A-1D57F608E211}"/>
               </a:ext>
             </a:extLst>
           </p:cNvPr>
@@ -11235,7 +11255,7 @@
           <a:p>
             <a:r>
               <a:rPr lang="en-US" dirty="0"/>
-              <a:t>Function with name ~</a:t>
+              <a:t>Syntax, function name in the class same as </a:t>
             </a:r>
             <a:r>
               <a:rPr lang="en-US" dirty="0" err="1"/>
@@ -11249,19 +11269,33 @@
           <a:p>
             <a:r>
               <a:rPr lang="en-US" dirty="0"/>
-              <a:t>Gets called when object is removed from memory</a:t>
-            </a:r>
-          </a:p>
-          <a:p>
-            <a:r>
-              <a:rPr lang="en-US" dirty="0"/>
-              <a:t>Can only be one.</a:t>
-            </a:r>
-          </a:p>
-          <a:p>
-            <a:r>
-              <a:rPr lang="en-US" dirty="0"/>
-              <a:t>Look at a12constructoranddestructor.cpp</a:t>
+              <a:t>It is a function that gets implicitly called when object gets created</a:t>
+            </a:r>
+          </a:p>
+          <a:p>
+            <a:r>
+              <a:rPr lang="en-US" dirty="0"/>
+              <a:t>Can be overloaded. Which gets called depends on what we pass as input arguments during object creation</a:t>
+            </a:r>
+          </a:p>
+          <a:p>
+            <a:r>
+              <a:rPr lang="en-US" dirty="0"/>
+              <a:t>Person X is creating the class, Person Y is using the class , by constructor Person X can enforce how to create </a:t>
+            </a:r>
+            <a:r>
+              <a:rPr lang="en-US" dirty="0" err="1"/>
+              <a:t>oject</a:t>
+            </a:r>
+            <a:r>
+              <a:rPr lang="en-US" dirty="0"/>
+              <a:t> on person Y </a:t>
+            </a:r>
+          </a:p>
+          <a:p>
+            <a:r>
+              <a:rPr lang="en-US" dirty="0"/>
+              <a:t>look at a12constructoranddestructor.cpp</a:t>
             </a:r>
           </a:p>
         </p:txBody>
@@ -11269,7 +11303,7 @@
     </p:spTree>
     <p:extLst>
       <p:ext uri="{BB962C8B-B14F-4D97-AF65-F5344CB8AC3E}">
-        <p14:creationId xmlns:p14="http://schemas.microsoft.com/office/powerpoint/2010/main" val="2952999605"/>
+        <p14:creationId xmlns:p14="http://schemas.microsoft.com/office/powerpoint/2010/main" val="2998619543"/>
       </p:ext>
     </p:extLst>
   </p:cSld>
@@ -11301,7 +11335,7 @@
           <p:cNvPr id="2" name="Title 1">
             <a:extLst>
               <a:ext uri="{FF2B5EF4-FFF2-40B4-BE49-F238E27FC236}">
-                <a16:creationId xmlns:a16="http://schemas.microsoft.com/office/drawing/2014/main" id="{65683C68-FA28-DF18-5C53-D52B853D654C}"/>
+                <a16:creationId xmlns:a16="http://schemas.microsoft.com/office/drawing/2014/main" id="{F52AD8FF-6169-8654-B440-E0778C046CCA}"/>
               </a:ext>
             </a:extLst>
           </p:cNvPr>
@@ -11319,7 +11353,7 @@
           <a:p>
             <a:r>
               <a:rPr lang="en-US" dirty="0"/>
-              <a:t>This pointer.</a:t>
+              <a:t>Destructor in the class</a:t>
             </a:r>
           </a:p>
         </p:txBody>
@@ -11329,7 +11363,7 @@
           <p:cNvPr id="3" name="Table Placeholder 2">
             <a:extLst>
               <a:ext uri="{FF2B5EF4-FFF2-40B4-BE49-F238E27FC236}">
-                <a16:creationId xmlns:a16="http://schemas.microsoft.com/office/drawing/2014/main" id="{8F7C0FA4-3602-41F1-1F16-2335556E26C9}"/>
+                <a16:creationId xmlns:a16="http://schemas.microsoft.com/office/drawing/2014/main" id="{AF36EA06-90B3-32A4-1520-81EC9CD9ADC4}"/>
               </a:ext>
             </a:extLst>
           </p:cNvPr>
@@ -11347,59 +11381,41 @@
           <a:p>
             <a:r>
               <a:rPr lang="en-US" dirty="0"/>
-              <a:t>See functions inside class, if you see them with the word static missing this means these are non static functions.</a:t>
-            </a:r>
-          </a:p>
-          <a:p>
-            <a:r>
-              <a:rPr lang="en-US" dirty="0"/>
-              <a:t>You need an object to access non static functions</a:t>
-            </a:r>
-          </a:p>
-          <a:p>
-            <a:r>
-              <a:rPr lang="en-US" dirty="0"/>
-              <a:t>Inside the non static function</a:t>
-            </a:r>
-          </a:p>
-          <a:p>
-            <a:pPr lvl="1"/>
-            <a:r>
-              <a:rPr lang="en-US" dirty="0"/>
-              <a:t>Implicit pointer gets created called this.</a:t>
-            </a:r>
-          </a:p>
-          <a:p>
-            <a:pPr lvl="1"/>
-            <a:r>
-              <a:rPr lang="en-US" dirty="0"/>
-              <a:t>It will point to calling object.</a:t>
-            </a:r>
-          </a:p>
-          <a:p>
-            <a:pPr lvl="1"/>
-            <a:r>
-              <a:rPr lang="en-US" dirty="0"/>
-              <a:t>This is local, outside the non static function it wont exist.</a:t>
-            </a:r>
-          </a:p>
-          <a:p>
-            <a:pPr lvl="1"/>
-            <a:r>
-              <a:rPr lang="en-US" dirty="0"/>
-              <a:t>Used at method chaining, look at a10thispointer.cpp</a:t>
-            </a:r>
-          </a:p>
-          <a:p>
-            <a:pPr lvl="1"/>
-            <a:endParaRPr lang="en-US" dirty="0"/>
+              <a:t>Function with name ~</a:t>
+            </a:r>
+            <a:r>
+              <a:rPr lang="en-US" dirty="0" err="1"/>
+              <a:t>classname</a:t>
+            </a:r>
+            <a:r>
+              <a:rPr lang="en-US" dirty="0"/>
+              <a:t>.</a:t>
+            </a:r>
+          </a:p>
+          <a:p>
+            <a:r>
+              <a:rPr lang="en-US" dirty="0"/>
+              <a:t>Gets called when object is removed from memory</a:t>
+            </a:r>
+          </a:p>
+          <a:p>
+            <a:r>
+              <a:rPr lang="en-US" dirty="0"/>
+              <a:t>Can only be one.</a:t>
+            </a:r>
+          </a:p>
+          <a:p>
+            <a:r>
+              <a:rPr lang="en-US" dirty="0"/>
+              <a:t>Look at a12constructoranddestructor.cpp</a:t>
+            </a:r>
           </a:p>
         </p:txBody>
       </p:sp>
     </p:spTree>
     <p:extLst>
       <p:ext uri="{BB962C8B-B14F-4D97-AF65-F5344CB8AC3E}">
-        <p14:creationId xmlns:p14="http://schemas.microsoft.com/office/powerpoint/2010/main" val="3364519517"/>
+        <p14:creationId xmlns:p14="http://schemas.microsoft.com/office/powerpoint/2010/main" val="2952999605"/>
       </p:ext>
     </p:extLst>
   </p:cSld>
@@ -11431,7 +11447,7 @@
           <p:cNvPr id="2" name="Title 1">
             <a:extLst>
               <a:ext uri="{FF2B5EF4-FFF2-40B4-BE49-F238E27FC236}">
-                <a16:creationId xmlns:a16="http://schemas.microsoft.com/office/drawing/2014/main" id="{58E6B838-8B78-22CF-9DDC-FA4D4C7C5FAF}"/>
+                <a16:creationId xmlns:a16="http://schemas.microsoft.com/office/drawing/2014/main" id="{65683C68-FA28-DF18-5C53-D52B853D654C}"/>
               </a:ext>
             </a:extLst>
           </p:cNvPr>
@@ -11449,7 +11465,7 @@
           <a:p>
             <a:r>
               <a:rPr lang="en-US" dirty="0"/>
-              <a:t>Friend Functions</a:t>
+              <a:t>This pointer.</a:t>
             </a:r>
           </a:p>
         </p:txBody>
@@ -11459,7 +11475,7 @@
           <p:cNvPr id="3" name="Table Placeholder 2">
             <a:extLst>
               <a:ext uri="{FF2B5EF4-FFF2-40B4-BE49-F238E27FC236}">
-                <a16:creationId xmlns:a16="http://schemas.microsoft.com/office/drawing/2014/main" id="{FBFBD948-5086-2DB4-2F91-1BA47CF1945E}"/>
+                <a16:creationId xmlns:a16="http://schemas.microsoft.com/office/drawing/2014/main" id="{8F7C0FA4-3602-41F1-1F16-2335556E26C9}"/>
               </a:ext>
             </a:extLst>
           </p:cNvPr>
@@ -11477,40 +11493,51 @@
           <a:p>
             <a:r>
               <a:rPr lang="en-US" dirty="0"/>
-              <a:t>We have a class called X</a:t>
-            </a:r>
-          </a:p>
-          <a:p>
-            <a:r>
-              <a:rPr lang="en-US" dirty="0"/>
-              <a:t>The class X has to tell that a function f1 will be its friend.</a:t>
-            </a:r>
-          </a:p>
-          <a:p>
-            <a:r>
-              <a:rPr lang="en-US" dirty="0"/>
-              <a:t>F1 function is defined outside the class.</a:t>
-            </a:r>
-          </a:p>
-          <a:p>
-            <a:r>
-              <a:rPr lang="en-US" dirty="0"/>
-              <a:t>This function now can access all sections of the class, including private</a:t>
-            </a:r>
-          </a:p>
-          <a:p>
-            <a:r>
-              <a:rPr lang="en-US" dirty="0"/>
-              <a:t>It is called without an object</a:t>
-            </a:r>
-          </a:p>
-          <a:p>
-            <a:r>
-              <a:rPr lang="en-US" dirty="0"/>
-              <a:t>Friend function does not have access to “this” pointer. Look at  a23friend.cpp</a:t>
-            </a:r>
-          </a:p>
-          <a:p>
+              <a:t>See functions inside class, if you see them with the word static missing this means these are non static functions.</a:t>
+            </a:r>
+          </a:p>
+          <a:p>
+            <a:r>
+              <a:rPr lang="en-US" dirty="0"/>
+              <a:t>You need an object to access non static functions</a:t>
+            </a:r>
+          </a:p>
+          <a:p>
+            <a:r>
+              <a:rPr lang="en-US" dirty="0"/>
+              <a:t>Inside the non static function</a:t>
+            </a:r>
+          </a:p>
+          <a:p>
+            <a:pPr lvl="1"/>
+            <a:r>
+              <a:rPr lang="en-US" dirty="0"/>
+              <a:t>Implicit pointer gets created called this.</a:t>
+            </a:r>
+          </a:p>
+          <a:p>
+            <a:pPr lvl="1"/>
+            <a:r>
+              <a:rPr lang="en-US" dirty="0"/>
+              <a:t>It will point to calling object.</a:t>
+            </a:r>
+          </a:p>
+          <a:p>
+            <a:pPr lvl="1"/>
+            <a:r>
+              <a:rPr lang="en-US" dirty="0"/>
+              <a:t>This is local, outside the non static function it wont exist.</a:t>
+            </a:r>
+          </a:p>
+          <a:p>
+            <a:pPr lvl="1"/>
+            <a:r>
+              <a:rPr lang="en-US" dirty="0"/>
+              <a:t>Used at method chaining, look at a10thispointer.cpp</a:t>
+            </a:r>
+          </a:p>
+          <a:p>
+            <a:pPr lvl="1"/>
             <a:endParaRPr lang="en-US" dirty="0"/>
           </a:p>
         </p:txBody>
@@ -11518,7 +11545,7 @@
     </p:spTree>
     <p:extLst>
       <p:ext uri="{BB962C8B-B14F-4D97-AF65-F5344CB8AC3E}">
-        <p14:creationId xmlns:p14="http://schemas.microsoft.com/office/powerpoint/2010/main" val="2288602050"/>
+        <p14:creationId xmlns:p14="http://schemas.microsoft.com/office/powerpoint/2010/main" val="3364519517"/>
       </p:ext>
     </p:extLst>
   </p:cSld>
@@ -11550,7 +11577,7 @@
           <p:cNvPr id="2" name="Title 1">
             <a:extLst>
               <a:ext uri="{FF2B5EF4-FFF2-40B4-BE49-F238E27FC236}">
-                <a16:creationId xmlns:a16="http://schemas.microsoft.com/office/drawing/2014/main" id="{64965196-18C0-5A3D-89A2-4C26A5C7D5C5}"/>
+                <a16:creationId xmlns:a16="http://schemas.microsoft.com/office/drawing/2014/main" id="{58E6B838-8B78-22CF-9DDC-FA4D4C7C5FAF}"/>
               </a:ext>
             </a:extLst>
           </p:cNvPr>
@@ -11568,7 +11595,7 @@
           <a:p>
             <a:r>
               <a:rPr lang="en-US" dirty="0"/>
-              <a:t>Operator overloading.</a:t>
+              <a:t>Friend Functions</a:t>
             </a:r>
           </a:p>
         </p:txBody>
@@ -11578,7 +11605,7 @@
           <p:cNvPr id="3" name="Table Placeholder 2">
             <a:extLst>
               <a:ext uri="{FF2B5EF4-FFF2-40B4-BE49-F238E27FC236}">
-                <a16:creationId xmlns:a16="http://schemas.microsoft.com/office/drawing/2014/main" id="{607EBD8A-5FD5-26C3-9F4A-BC3A085B8025}"/>
+                <a16:creationId xmlns:a16="http://schemas.microsoft.com/office/drawing/2014/main" id="{FBFBD948-5086-2DB4-2F91-1BA47CF1945E}"/>
               </a:ext>
             </a:extLst>
           </p:cNvPr>
@@ -11602,33 +11629,42 @@
           <a:p>
             <a:r>
               <a:rPr lang="en-US" dirty="0"/>
-              <a:t>We us say Y is an object of class X</a:t>
-            </a:r>
-          </a:p>
-          <a:p>
-            <a:r>
-              <a:rPr lang="en-US" dirty="0"/>
-              <a:t>We are using some operator with the object example  y &gt;2, now compiler will not know how to deal  y, because X is a datatype created by us.</a:t>
-            </a:r>
-          </a:p>
-          <a:p>
-            <a:r>
-              <a:rPr lang="en-US" dirty="0"/>
-              <a:t>We have to teach it by writing a function</a:t>
-            </a:r>
-          </a:p>
-          <a:p>
-            <a:r>
-              <a:rPr lang="en-US" dirty="0"/>
-              <a:t>Function name will be starting with operator…</a:t>
-            </a:r>
+              <a:t>The class X has to tell that a function f1 will be its friend.</a:t>
+            </a:r>
+          </a:p>
+          <a:p>
+            <a:r>
+              <a:rPr lang="en-US" dirty="0"/>
+              <a:t>F1 function is defined outside the class.</a:t>
+            </a:r>
+          </a:p>
+          <a:p>
+            <a:r>
+              <a:rPr lang="en-US" dirty="0"/>
+              <a:t>This function now can access all sections of the class, including private</a:t>
+            </a:r>
+          </a:p>
+          <a:p>
+            <a:r>
+              <a:rPr lang="en-US" dirty="0"/>
+              <a:t>It is called without an object</a:t>
+            </a:r>
+          </a:p>
+          <a:p>
+            <a:r>
+              <a:rPr lang="en-US" dirty="0"/>
+              <a:t>Friend function does not have access to “this” pointer. Look at  a23friend.cpp</a:t>
+            </a:r>
+          </a:p>
+          <a:p>
+            <a:endParaRPr lang="en-US" dirty="0"/>
           </a:p>
         </p:txBody>
       </p:sp>
     </p:spTree>
     <p:extLst>
       <p:ext uri="{BB962C8B-B14F-4D97-AF65-F5344CB8AC3E}">
-        <p14:creationId xmlns:p14="http://schemas.microsoft.com/office/powerpoint/2010/main" val="1375754358"/>
+        <p14:creationId xmlns:p14="http://schemas.microsoft.com/office/powerpoint/2010/main" val="2288602050"/>
       </p:ext>
     </p:extLst>
   </p:cSld>
@@ -11660,7 +11696,7 @@
           <p:cNvPr id="2" name="Title 1">
             <a:extLst>
               <a:ext uri="{FF2B5EF4-FFF2-40B4-BE49-F238E27FC236}">
-                <a16:creationId xmlns:a16="http://schemas.microsoft.com/office/drawing/2014/main" id="{05ED227A-50FF-A615-0495-9D533EC2A599}"/>
+                <a16:creationId xmlns:a16="http://schemas.microsoft.com/office/drawing/2014/main" id="{64965196-18C0-5A3D-89A2-4C26A5C7D5C5}"/>
               </a:ext>
             </a:extLst>
           </p:cNvPr>
@@ -11678,7 +11714,7 @@
           <a:p>
             <a:r>
               <a:rPr lang="en-US" dirty="0"/>
-              <a:t>Operator overloading</a:t>
+              <a:t>Operator overloading.</a:t>
             </a:r>
           </a:p>
         </p:txBody>
@@ -11688,7 +11724,7 @@
           <p:cNvPr id="3" name="Table Placeholder 2">
             <a:extLst>
               <a:ext uri="{FF2B5EF4-FFF2-40B4-BE49-F238E27FC236}">
-                <a16:creationId xmlns:a16="http://schemas.microsoft.com/office/drawing/2014/main" id="{0A1C50D9-5287-B5B0-4CE5-AACC7C2CA957}"/>
+                <a16:creationId xmlns:a16="http://schemas.microsoft.com/office/drawing/2014/main" id="{607EBD8A-5FD5-26C3-9F4A-BC3A085B8025}"/>
               </a:ext>
             </a:extLst>
           </p:cNvPr>
@@ -11706,40 +11742,31 @@
           <a:p>
             <a:r>
               <a:rPr lang="en-US" dirty="0"/>
-              <a:t>In the function we have to tell what needs to happen when operator is used with object of our class.</a:t>
-            </a:r>
-          </a:p>
-          <a:p>
-            <a:r>
-              <a:rPr lang="en-US" dirty="0"/>
-              <a:t>Function can be written typically</a:t>
-            </a:r>
-          </a:p>
-          <a:p>
-            <a:pPr lvl="1"/>
-            <a:r>
-              <a:rPr lang="en-US" dirty="0"/>
-              <a:t>Inside the class</a:t>
-            </a:r>
-          </a:p>
-          <a:p>
-            <a:pPr lvl="1"/>
-            <a:r>
-              <a:rPr lang="en-US" dirty="0"/>
-              <a:t>Outside the class.</a:t>
-            </a:r>
-          </a:p>
-          <a:p>
-            <a:r>
-              <a:rPr lang="en-US" dirty="0"/>
-              <a:t>For some operators like = , (), function has to be written inside the class only.. </a:t>
-            </a:r>
-          </a:p>
-          <a:p>
-            <a:pPr lvl="1"/>
-            <a:r>
-              <a:rPr lang="en-US" dirty="0"/>
-              <a:t>Look at a27operatoroverloading.cpp </a:t>
+              <a:t>We have a class called X</a:t>
+            </a:r>
+          </a:p>
+          <a:p>
+            <a:r>
+              <a:rPr lang="en-US" dirty="0"/>
+              <a:t>We us say Y is an object of class X</a:t>
+            </a:r>
+          </a:p>
+          <a:p>
+            <a:r>
+              <a:rPr lang="en-US" dirty="0"/>
+              <a:t>We are using some operator with the object example  y &gt;2, now compiler will not know how to deal  y, because X is a datatype created by us.</a:t>
+            </a:r>
+          </a:p>
+          <a:p>
+            <a:r>
+              <a:rPr lang="en-US" dirty="0"/>
+              <a:t>We have to teach it by writing a function</a:t>
+            </a:r>
+          </a:p>
+          <a:p>
+            <a:r>
+              <a:rPr lang="en-US" dirty="0"/>
+              <a:t>Function name will be starting with operator…</a:t>
             </a:r>
           </a:p>
         </p:txBody>
@@ -11747,7 +11774,7 @@
     </p:spTree>
     <p:extLst>
       <p:ext uri="{BB962C8B-B14F-4D97-AF65-F5344CB8AC3E}">
-        <p14:creationId xmlns:p14="http://schemas.microsoft.com/office/powerpoint/2010/main" val="143090550"/>
+        <p14:creationId xmlns:p14="http://schemas.microsoft.com/office/powerpoint/2010/main" val="1375754358"/>
       </p:ext>
     </p:extLst>
   </p:cSld>
@@ -11779,7 +11806,7 @@
           <p:cNvPr id="2" name="Title 1">
             <a:extLst>
               <a:ext uri="{FF2B5EF4-FFF2-40B4-BE49-F238E27FC236}">
-                <a16:creationId xmlns:a16="http://schemas.microsoft.com/office/drawing/2014/main" id="{79516D4B-91B6-7CEF-1F49-A8E91DE7FD97}"/>
+                <a16:creationId xmlns:a16="http://schemas.microsoft.com/office/drawing/2014/main" id="{05ED227A-50FF-A615-0495-9D533EC2A599}"/>
               </a:ext>
             </a:extLst>
           </p:cNvPr>
@@ -11797,7 +11824,7 @@
           <a:p>
             <a:r>
               <a:rPr lang="en-US" dirty="0"/>
-              <a:t>Need for Inheritance</a:t>
+              <a:t>Operator overloading</a:t>
             </a:r>
           </a:p>
         </p:txBody>
@@ -11807,7 +11834,7 @@
           <p:cNvPr id="3" name="Table Placeholder 2">
             <a:extLst>
               <a:ext uri="{FF2B5EF4-FFF2-40B4-BE49-F238E27FC236}">
-                <a16:creationId xmlns:a16="http://schemas.microsoft.com/office/drawing/2014/main" id="{F3F3DAEE-DC65-7F57-25D4-B33E53E4F91D}"/>
+                <a16:creationId xmlns:a16="http://schemas.microsoft.com/office/drawing/2014/main" id="{0A1C50D9-5287-B5B0-4CE5-AACC7C2CA957}"/>
               </a:ext>
             </a:extLst>
           </p:cNvPr>
@@ -11825,48 +11852,40 @@
           <a:p>
             <a:r>
               <a:rPr lang="en-US" dirty="0"/>
-              <a:t>Hierarchy creation</a:t>
+              <a:t>In the function we have to tell what needs to happen when operator is used with object of our class.</a:t>
+            </a:r>
+          </a:p>
+          <a:p>
+            <a:r>
+              <a:rPr lang="en-US" dirty="0"/>
+              <a:t>Function can be written typically</a:t>
             </a:r>
           </a:p>
           <a:p>
             <a:pPr lvl="1"/>
             <a:r>
               <a:rPr lang="en-US" dirty="0"/>
-              <a:t>Generalization</a:t>
+              <a:t>Inside the class</a:t>
             </a:r>
           </a:p>
           <a:p>
             <a:pPr lvl="1"/>
             <a:r>
               <a:rPr lang="en-US" dirty="0"/>
-              <a:t>Runtime polymorphism.</a:t>
-            </a:r>
-          </a:p>
-          <a:p>
-            <a:r>
-              <a:rPr lang="en-US" dirty="0"/>
-              <a:t>Terminologies</a:t>
+              <a:t>Outside the class.</a:t>
+            </a:r>
+          </a:p>
+          <a:p>
+            <a:r>
+              <a:rPr lang="en-US" dirty="0"/>
+              <a:t>For some operators like = , (), function has to be written inside the class only.. </a:t>
             </a:r>
           </a:p>
           <a:p>
             <a:pPr lvl="1"/>
             <a:r>
               <a:rPr lang="en-US" dirty="0"/>
-              <a:t>Base class</a:t>
-            </a:r>
-          </a:p>
-          <a:p>
-            <a:pPr lvl="1"/>
-            <a:r>
-              <a:rPr lang="en-US" dirty="0"/>
-              <a:t>Derived Class</a:t>
-            </a:r>
-          </a:p>
-          <a:p>
-            <a:pPr lvl="1"/>
-            <a:r>
-              <a:rPr lang="en-US" dirty="0"/>
-              <a:t>Immediate Base class, Immediate Derived class.</a:t>
+              <a:t>Look at a27operatoroverloading.cpp </a:t>
             </a:r>
           </a:p>
         </p:txBody>
@@ -11874,7 +11893,7 @@
     </p:spTree>
     <p:extLst>
       <p:ext uri="{BB962C8B-B14F-4D97-AF65-F5344CB8AC3E}">
-        <p14:creationId xmlns:p14="http://schemas.microsoft.com/office/powerpoint/2010/main" val="1367400194"/>
+        <p14:creationId xmlns:p14="http://schemas.microsoft.com/office/powerpoint/2010/main" val="143090550"/>
       </p:ext>
     </p:extLst>
   </p:cSld>
@@ -11906,7 +11925,7 @@
           <p:cNvPr id="2" name="Title 1">
             <a:extLst>
               <a:ext uri="{FF2B5EF4-FFF2-40B4-BE49-F238E27FC236}">
-                <a16:creationId xmlns:a16="http://schemas.microsoft.com/office/drawing/2014/main" id="{9DB6A9A4-E775-9F31-B5CF-C7C37A8D7CED}"/>
+                <a16:creationId xmlns:a16="http://schemas.microsoft.com/office/drawing/2014/main" id="{3C16AD1D-4C43-AE39-324D-5A5649D0B3C7}"/>
               </a:ext>
             </a:extLst>
           </p:cNvPr>
@@ -11924,7 +11943,7 @@
           <a:p>
             <a:r>
               <a:rPr lang="en-US" dirty="0"/>
-              <a:t>How to use c++</a:t>
+              <a:t>Why c++</a:t>
             </a:r>
           </a:p>
         </p:txBody>
@@ -11934,7 +11953,7 @@
           <p:cNvPr id="3" name="Table Placeholder 2">
             <a:extLst>
               <a:ext uri="{FF2B5EF4-FFF2-40B4-BE49-F238E27FC236}">
-                <a16:creationId xmlns:a16="http://schemas.microsoft.com/office/drawing/2014/main" id="{BBF659DF-EC02-C2C5-D30B-DF663A70EA1D}"/>
+                <a16:creationId xmlns:a16="http://schemas.microsoft.com/office/drawing/2014/main" id="{86316C78-7F58-65DC-DF89-DB7806E0DA01}"/>
               </a:ext>
             </a:extLst>
           </p:cNvPr>
@@ -11952,21 +11971,19 @@
           <a:p>
             <a:r>
               <a:rPr lang="en-US" dirty="0"/>
-              <a:t>C plus some extra features  like references, overloading, templates, </a:t>
-            </a:r>
-          </a:p>
-          <a:p>
-            <a:r>
-              <a:rPr lang="en-US" dirty="0"/>
-              <a:t>Object </a:t>
-            </a:r>
-            <a:r>
-              <a:rPr lang="en-US" dirty="0" err="1"/>
-              <a:t>Orientedness</a:t>
-            </a:r>
-            <a:r>
-              <a:rPr lang="en-US" dirty="0"/>
-              <a:t> </a:t>
+              <a:t>Ability to talk with os directly</a:t>
+            </a:r>
+          </a:p>
+          <a:p>
+            <a:r>
+              <a:rPr lang="en-US" dirty="0"/>
+              <a:t>Support from various companies, most important open source</a:t>
+            </a:r>
+          </a:p>
+          <a:p>
+            <a:r>
+              <a:rPr lang="en-US" dirty="0"/>
+              <a:t>Compatible with C .</a:t>
             </a:r>
           </a:p>
         </p:txBody>
@@ -11974,7 +11991,7 @@
     </p:spTree>
     <p:extLst>
       <p:ext uri="{BB962C8B-B14F-4D97-AF65-F5344CB8AC3E}">
-        <p14:creationId xmlns:p14="http://schemas.microsoft.com/office/powerpoint/2010/main" val="766457360"/>
+        <p14:creationId xmlns:p14="http://schemas.microsoft.com/office/powerpoint/2010/main" val="3133059124"/>
       </p:ext>
     </p:extLst>
   </p:cSld>
@@ -12006,7 +12023,7 @@
           <p:cNvPr id="2" name="Title 1">
             <a:extLst>
               <a:ext uri="{FF2B5EF4-FFF2-40B4-BE49-F238E27FC236}">
-                <a16:creationId xmlns:a16="http://schemas.microsoft.com/office/drawing/2014/main" id="{6FA9FEB7-01E7-D262-E572-2E57BF57CBE7}"/>
+                <a16:creationId xmlns:a16="http://schemas.microsoft.com/office/drawing/2014/main" id="{79516D4B-91B6-7CEF-1F49-A8E91DE7FD97}"/>
               </a:ext>
             </a:extLst>
           </p:cNvPr>
@@ -12024,7 +12041,7 @@
           <a:p>
             <a:r>
               <a:rPr lang="en-US" dirty="0"/>
-              <a:t>Inheritance</a:t>
+              <a:t>Need for Inheritance</a:t>
             </a:r>
           </a:p>
         </p:txBody>
@@ -12034,7 +12051,7 @@
           <p:cNvPr id="3" name="Table Placeholder 2">
             <a:extLst>
               <a:ext uri="{FF2B5EF4-FFF2-40B4-BE49-F238E27FC236}">
-                <a16:creationId xmlns:a16="http://schemas.microsoft.com/office/drawing/2014/main" id="{E09665D7-37D1-A7AF-5BDF-81E6C731B06D}"/>
+                <a16:creationId xmlns:a16="http://schemas.microsoft.com/office/drawing/2014/main" id="{F3F3DAEE-DC65-7F57-25D4-B33E53E4F91D}"/>
               </a:ext>
             </a:extLst>
           </p:cNvPr>
@@ -12052,62 +12069,56 @@
           <a:p>
             <a:r>
               <a:rPr lang="en-US" dirty="0"/>
-              <a:t>Usually test it by writing  “is a “ between Derived class and Base class example, if we have base class as </a:t>
-            </a:r>
-            <a:r>
-              <a:rPr lang="en-US" dirty="0" err="1"/>
-              <a:t>MedicalDevice</a:t>
-            </a:r>
-            <a:r>
-              <a:rPr lang="en-US" dirty="0"/>
-              <a:t> and derived class as </a:t>
-            </a:r>
-            <a:r>
-              <a:rPr lang="en-US" dirty="0" err="1"/>
-              <a:t>DiagnosticDevice</a:t>
-            </a:r>
-            <a:r>
-              <a:rPr lang="en-US" dirty="0"/>
-              <a:t>   , check “</a:t>
-            </a:r>
-            <a:r>
-              <a:rPr lang="en-US" dirty="0" err="1"/>
-              <a:t>DiagnosticDevice</a:t>
-            </a:r>
-            <a:r>
-              <a:rPr lang="en-US" dirty="0"/>
-              <a:t> is a </a:t>
-            </a:r>
-            <a:r>
-              <a:rPr lang="en-US" dirty="0" err="1"/>
-              <a:t>MedicalDEvice</a:t>
-            </a:r>
-            <a:r>
-              <a:rPr lang="en-US" dirty="0"/>
-              <a:t>”</a:t>
-            </a:r>
-          </a:p>
-          <a:p>
-            <a:r>
-              <a:rPr lang="en-US" dirty="0"/>
-              <a:t>We usually create objects of derived class.</a:t>
-            </a:r>
-          </a:p>
-          <a:p>
-            <a:r>
-              <a:rPr lang="en-US" dirty="0"/>
-              <a:t>Derived class object can access functions of base class and derived class</a:t>
-            </a:r>
-          </a:p>
-          <a:p>
-            <a:endParaRPr lang="en-US" dirty="0"/>
+              <a:t>Hierarchy creation</a:t>
+            </a:r>
+          </a:p>
+          <a:p>
+            <a:pPr lvl="1"/>
+            <a:r>
+              <a:rPr lang="en-US" dirty="0"/>
+              <a:t>Generalization</a:t>
+            </a:r>
+          </a:p>
+          <a:p>
+            <a:pPr lvl="1"/>
+            <a:r>
+              <a:rPr lang="en-US" dirty="0"/>
+              <a:t>Runtime polymorphism.</a:t>
+            </a:r>
+          </a:p>
+          <a:p>
+            <a:r>
+              <a:rPr lang="en-US" dirty="0"/>
+              <a:t>Terminologies</a:t>
+            </a:r>
+          </a:p>
+          <a:p>
+            <a:pPr lvl="1"/>
+            <a:r>
+              <a:rPr lang="en-US" dirty="0"/>
+              <a:t>Base class</a:t>
+            </a:r>
+          </a:p>
+          <a:p>
+            <a:pPr lvl="1"/>
+            <a:r>
+              <a:rPr lang="en-US" dirty="0"/>
+              <a:t>Derived Class</a:t>
+            </a:r>
+          </a:p>
+          <a:p>
+            <a:pPr lvl="1"/>
+            <a:r>
+              <a:rPr lang="en-US" dirty="0"/>
+              <a:t>Immediate Base class, Immediate Derived class.</a:t>
+            </a:r>
           </a:p>
         </p:txBody>
       </p:sp>
     </p:spTree>
     <p:extLst>
       <p:ext uri="{BB962C8B-B14F-4D97-AF65-F5344CB8AC3E}">
-        <p14:creationId xmlns:p14="http://schemas.microsoft.com/office/powerpoint/2010/main" val="2349661912"/>
+        <p14:creationId xmlns:p14="http://schemas.microsoft.com/office/powerpoint/2010/main" val="1367400194"/>
       </p:ext>
     </p:extLst>
   </p:cSld>
@@ -12139,7 +12150,7 @@
           <p:cNvPr id="2" name="Title 1">
             <a:extLst>
               <a:ext uri="{FF2B5EF4-FFF2-40B4-BE49-F238E27FC236}">
-                <a16:creationId xmlns:a16="http://schemas.microsoft.com/office/drawing/2014/main" id="{FF8AD495-0B39-DF95-7E79-7846618B3A7E}"/>
+                <a16:creationId xmlns:a16="http://schemas.microsoft.com/office/drawing/2014/main" id="{6FA9FEB7-01E7-D262-E572-2E57BF57CBE7}"/>
               </a:ext>
             </a:extLst>
           </p:cNvPr>
@@ -12157,7 +12168,7 @@
           <a:p>
             <a:r>
               <a:rPr lang="en-US" dirty="0"/>
-              <a:t>Inheritance benefit 1</a:t>
+              <a:t>Inheritance</a:t>
             </a:r>
           </a:p>
         </p:txBody>
@@ -12167,7 +12178,7 @@
           <p:cNvPr id="3" name="Table Placeholder 2">
             <a:extLst>
               <a:ext uri="{FF2B5EF4-FFF2-40B4-BE49-F238E27FC236}">
-                <a16:creationId xmlns:a16="http://schemas.microsoft.com/office/drawing/2014/main" id="{A3BAEB07-DBCA-ADA8-1C24-990791AD6A34}"/>
+                <a16:creationId xmlns:a16="http://schemas.microsoft.com/office/drawing/2014/main" id="{E09665D7-37D1-A7AF-5BDF-81E6C731B06D}"/>
               </a:ext>
             </a:extLst>
           </p:cNvPr>
@@ -12185,29 +12196,54 @@
           <a:p>
             <a:r>
               <a:rPr lang="en-US" dirty="0"/>
-              <a:t>Add a feature to the base class</a:t>
-            </a:r>
-          </a:p>
-          <a:p>
-            <a:r>
-              <a:rPr lang="en-US" dirty="0"/>
-              <a:t>No need to make any changes in the derived class.</a:t>
-            </a:r>
-          </a:p>
-          <a:p>
-            <a:r>
-              <a:rPr lang="en-US" dirty="0"/>
-              <a:t>All objects of derived class now can access feature added in the base class </a:t>
-            </a:r>
-          </a:p>
-          <a:p>
-            <a:r>
-              <a:rPr lang="en-US" dirty="0"/>
-              <a:t>Look at a33inheritance.cpp</a:t>
-            </a:r>
-          </a:p>
-          <a:p>
-            <a:pPr lvl="1"/>
+              <a:t>Usually test it by writing  “is a “ between Derived class and Base class example, if we have base class as </a:t>
+            </a:r>
+            <a:r>
+              <a:rPr lang="en-US" dirty="0" err="1"/>
+              <a:t>MedicalDevice</a:t>
+            </a:r>
+            <a:r>
+              <a:rPr lang="en-US" dirty="0"/>
+              <a:t> and derived class as </a:t>
+            </a:r>
+            <a:r>
+              <a:rPr lang="en-US" dirty="0" err="1"/>
+              <a:t>DiagnosticDevice</a:t>
+            </a:r>
+            <a:r>
+              <a:rPr lang="en-US" dirty="0"/>
+              <a:t>   , check “</a:t>
+            </a:r>
+            <a:r>
+              <a:rPr lang="en-US" dirty="0" err="1"/>
+              <a:t>DiagnosticDevice</a:t>
+            </a:r>
+            <a:r>
+              <a:rPr lang="en-US" dirty="0"/>
+              <a:t> is a </a:t>
+            </a:r>
+            <a:r>
+              <a:rPr lang="en-US" dirty="0" err="1"/>
+              <a:t>MedicalDEvice</a:t>
+            </a:r>
+            <a:r>
+              <a:rPr lang="en-US" dirty="0"/>
+              <a:t>”</a:t>
+            </a:r>
+          </a:p>
+          <a:p>
+            <a:r>
+              <a:rPr lang="en-US" dirty="0"/>
+              <a:t>We usually create objects of derived class.</a:t>
+            </a:r>
+          </a:p>
+          <a:p>
+            <a:r>
+              <a:rPr lang="en-US" dirty="0"/>
+              <a:t>Derived class object can access functions of base class and derived class</a:t>
+            </a:r>
+          </a:p>
+          <a:p>
             <a:endParaRPr lang="en-US" dirty="0"/>
           </a:p>
         </p:txBody>
@@ -12215,7 +12251,7 @@
     </p:spTree>
     <p:extLst>
       <p:ext uri="{BB962C8B-B14F-4D97-AF65-F5344CB8AC3E}">
-        <p14:creationId xmlns:p14="http://schemas.microsoft.com/office/powerpoint/2010/main" val="3520001741"/>
+        <p14:creationId xmlns:p14="http://schemas.microsoft.com/office/powerpoint/2010/main" val="2349661912"/>
       </p:ext>
     </p:extLst>
   </p:cSld>
@@ -12247,7 +12283,7 @@
           <p:cNvPr id="2" name="Title 1">
             <a:extLst>
               <a:ext uri="{FF2B5EF4-FFF2-40B4-BE49-F238E27FC236}">
-                <a16:creationId xmlns:a16="http://schemas.microsoft.com/office/drawing/2014/main" id="{9DE8D980-6A01-45D9-9560-0F9C4385E4F8}"/>
+                <a16:creationId xmlns:a16="http://schemas.microsoft.com/office/drawing/2014/main" id="{FF8AD495-0B39-DF95-7E79-7846618B3A7E}"/>
               </a:ext>
             </a:extLst>
           </p:cNvPr>
@@ -12265,7 +12301,7 @@
           <a:p>
             <a:r>
               <a:rPr lang="en-US" dirty="0"/>
-              <a:t>Inheritance benefit 2</a:t>
+              <a:t>Inheritance benefit 1</a:t>
             </a:r>
           </a:p>
         </p:txBody>
@@ -12275,7 +12311,7 @@
           <p:cNvPr id="3" name="Table Placeholder 2">
             <a:extLst>
               <a:ext uri="{FF2B5EF4-FFF2-40B4-BE49-F238E27FC236}">
-                <a16:creationId xmlns:a16="http://schemas.microsoft.com/office/drawing/2014/main" id="{56990725-0458-6BB5-C5EA-DFF411AFA2C7}"/>
+                <a16:creationId xmlns:a16="http://schemas.microsoft.com/office/drawing/2014/main" id="{A3BAEB07-DBCA-ADA8-1C24-990791AD6A34}"/>
               </a:ext>
             </a:extLst>
           </p:cNvPr>
@@ -12293,62 +12329,37 @@
           <a:p>
             <a:r>
               <a:rPr lang="en-US" dirty="0"/>
-              <a:t>Runtime Polymorphism.</a:t>
+              <a:t>Add a feature to the base class</a:t>
+            </a:r>
+          </a:p>
+          <a:p>
+            <a:r>
+              <a:rPr lang="en-US" dirty="0"/>
+              <a:t>No need to make any changes in the derived class.</a:t>
+            </a:r>
+          </a:p>
+          <a:p>
+            <a:r>
+              <a:rPr lang="en-US" dirty="0"/>
+              <a:t>All objects of derived class now can access feature added in the base class </a:t>
+            </a:r>
+          </a:p>
+          <a:p>
+            <a:r>
+              <a:rPr lang="en-US" dirty="0"/>
+              <a:t>Look at a33inheritance.cpp</a:t>
             </a:r>
           </a:p>
           <a:p>
             <a:pPr lvl="1"/>
-            <a:r>
-              <a:rPr lang="en-US" dirty="0" err="1"/>
-              <a:t>Behaviour</a:t>
-            </a:r>
-            <a:r>
-              <a:rPr lang="en-US" dirty="0"/>
-              <a:t> depending on context, example when we say copy in Windows operating system, meaning of copy will change depending on whether you are in notepad, calculator or file explorer.</a:t>
-            </a:r>
-          </a:p>
-          <a:p>
-            <a:pPr lvl="1"/>
-            <a:r>
-              <a:rPr lang="en-US" dirty="0"/>
-              <a:t>Copy in notepad copies text</a:t>
-            </a:r>
-          </a:p>
-          <a:p>
-            <a:pPr lvl="1"/>
-            <a:r>
-              <a:rPr lang="en-US" dirty="0"/>
-              <a:t>Copy in calculator copies result</a:t>
-            </a:r>
-          </a:p>
-          <a:p>
-            <a:pPr lvl="1"/>
-            <a:r>
-              <a:rPr lang="en-US" dirty="0"/>
-              <a:t>Copy in file explorer copies file.</a:t>
-            </a:r>
-          </a:p>
-          <a:p>
-            <a:pPr lvl="1"/>
-            <a:r>
-              <a:rPr lang="en-US" dirty="0"/>
-              <a:t>Implementation possible because of overriding + </a:t>
-            </a:r>
-            <a:r>
-              <a:rPr lang="en-US" dirty="0" err="1"/>
-              <a:t>substitutablity</a:t>
-            </a:r>
-            <a:r>
-              <a:rPr lang="en-US" dirty="0"/>
-              <a:t> </a:t>
-            </a:r>
+            <a:endParaRPr lang="en-US" dirty="0"/>
           </a:p>
         </p:txBody>
       </p:sp>
     </p:spTree>
     <p:extLst>
       <p:ext uri="{BB962C8B-B14F-4D97-AF65-F5344CB8AC3E}">
-        <p14:creationId xmlns:p14="http://schemas.microsoft.com/office/powerpoint/2010/main" val="1620764332"/>
+        <p14:creationId xmlns:p14="http://schemas.microsoft.com/office/powerpoint/2010/main" val="3520001741"/>
       </p:ext>
     </p:extLst>
   </p:cSld>
@@ -12380,7 +12391,7 @@
           <p:cNvPr id="2" name="Title 1">
             <a:extLst>
               <a:ext uri="{FF2B5EF4-FFF2-40B4-BE49-F238E27FC236}">
-                <a16:creationId xmlns:a16="http://schemas.microsoft.com/office/drawing/2014/main" id="{DE6BB008-4595-153D-9425-C9EA9F1C1E11}"/>
+                <a16:creationId xmlns:a16="http://schemas.microsoft.com/office/drawing/2014/main" id="{9DE8D980-6A01-45D9-9560-0F9C4385E4F8}"/>
               </a:ext>
             </a:extLst>
           </p:cNvPr>
@@ -12398,7 +12409,7 @@
           <a:p>
             <a:r>
               <a:rPr lang="en-US" dirty="0"/>
-              <a:t>Overriding</a:t>
+              <a:t>Inheritance benefit 2</a:t>
             </a:r>
           </a:p>
         </p:txBody>
@@ -12408,7 +12419,7 @@
           <p:cNvPr id="3" name="Table Placeholder 2">
             <a:extLst>
               <a:ext uri="{FF2B5EF4-FFF2-40B4-BE49-F238E27FC236}">
-                <a16:creationId xmlns:a16="http://schemas.microsoft.com/office/drawing/2014/main" id="{2C7FF021-4A75-67DA-2647-704D348A72EE}"/>
+                <a16:creationId xmlns:a16="http://schemas.microsoft.com/office/drawing/2014/main" id="{56990725-0458-6BB5-C5EA-DFF411AFA2C7}"/>
               </a:ext>
             </a:extLst>
           </p:cNvPr>
@@ -12426,31 +12437,54 @@
           <a:p>
             <a:r>
               <a:rPr lang="en-US" dirty="0"/>
-              <a:t>Function of base class is not acceptable to derived class object</a:t>
-            </a:r>
-          </a:p>
-          <a:p>
-            <a:r>
-              <a:rPr lang="en-US" dirty="0"/>
-              <a:t>Base class owner also feels that this function needs adaptation according to different derived classes</a:t>
-            </a:r>
-          </a:p>
-          <a:p>
-            <a:r>
-              <a:rPr lang="en-US" dirty="0"/>
-              <a:t>So base class owner makes the function as virtual.</a:t>
-            </a:r>
-          </a:p>
-          <a:p>
-            <a:r>
-              <a:rPr lang="en-US" dirty="0"/>
-              <a:t>Derived class writes the same function with new definition.</a:t>
-            </a:r>
-          </a:p>
-          <a:p>
-            <a:r>
-              <a:rPr lang="en-US" dirty="0"/>
-              <a:t>Typically Derived class object will now not be able to access the base class function.</a:t>
+              <a:t>Runtime Polymorphism.</a:t>
+            </a:r>
+          </a:p>
+          <a:p>
+            <a:pPr lvl="1"/>
+            <a:r>
+              <a:rPr lang="en-US" dirty="0" err="1"/>
+              <a:t>Behaviour</a:t>
+            </a:r>
+            <a:r>
+              <a:rPr lang="en-US" dirty="0"/>
+              <a:t> depending on context, example when we say copy in Windows operating system, meaning of copy will change depending on whether you are in notepad, calculator or file explorer.</a:t>
+            </a:r>
+          </a:p>
+          <a:p>
+            <a:pPr lvl="1"/>
+            <a:r>
+              <a:rPr lang="en-US" dirty="0"/>
+              <a:t>Copy in notepad copies text</a:t>
+            </a:r>
+          </a:p>
+          <a:p>
+            <a:pPr lvl="1"/>
+            <a:r>
+              <a:rPr lang="en-US" dirty="0"/>
+              <a:t>Copy in calculator copies result</a:t>
+            </a:r>
+          </a:p>
+          <a:p>
+            <a:pPr lvl="1"/>
+            <a:r>
+              <a:rPr lang="en-US" dirty="0"/>
+              <a:t>Copy in file explorer copies file.</a:t>
+            </a:r>
+          </a:p>
+          <a:p>
+            <a:pPr lvl="1"/>
+            <a:r>
+              <a:rPr lang="en-US" dirty="0"/>
+              <a:t>Implementation possible because of overriding + </a:t>
+            </a:r>
+            <a:r>
+              <a:rPr lang="en-US" dirty="0" err="1"/>
+              <a:t>substitutablity</a:t>
+            </a:r>
+            <a:r>
+              <a:rPr lang="en-US" dirty="0"/>
+              <a:t> </a:t>
             </a:r>
           </a:p>
         </p:txBody>
@@ -12458,7 +12492,7 @@
     </p:spTree>
     <p:extLst>
       <p:ext uri="{BB962C8B-B14F-4D97-AF65-F5344CB8AC3E}">
-        <p14:creationId xmlns:p14="http://schemas.microsoft.com/office/powerpoint/2010/main" val="877763790"/>
+        <p14:creationId xmlns:p14="http://schemas.microsoft.com/office/powerpoint/2010/main" val="1620764332"/>
       </p:ext>
     </p:extLst>
   </p:cSld>
@@ -12490,7 +12524,7 @@
           <p:cNvPr id="2" name="Title 1">
             <a:extLst>
               <a:ext uri="{FF2B5EF4-FFF2-40B4-BE49-F238E27FC236}">
-                <a16:creationId xmlns:a16="http://schemas.microsoft.com/office/drawing/2014/main" id="{4774BF51-2010-8240-8FA0-AD38947F564E}"/>
+                <a16:creationId xmlns:a16="http://schemas.microsoft.com/office/drawing/2014/main" id="{DE6BB008-4595-153D-9425-C9EA9F1C1E11}"/>
               </a:ext>
             </a:extLst>
           </p:cNvPr>
@@ -12508,7 +12542,7 @@
           <a:p>
             <a:r>
               <a:rPr lang="en-US" dirty="0"/>
-              <a:t>Substitutability</a:t>
+              <a:t>Overriding</a:t>
             </a:r>
           </a:p>
         </p:txBody>
@@ -12518,7 +12552,7 @@
           <p:cNvPr id="3" name="Table Placeholder 2">
             <a:extLst>
               <a:ext uri="{FF2B5EF4-FFF2-40B4-BE49-F238E27FC236}">
-                <a16:creationId xmlns:a16="http://schemas.microsoft.com/office/drawing/2014/main" id="{649068D1-7CC0-2E6F-1E57-8CAA64D72905}"/>
+                <a16:creationId xmlns:a16="http://schemas.microsoft.com/office/drawing/2014/main" id="{2C7FF021-4A75-67DA-2647-704D348A72EE}"/>
               </a:ext>
             </a:extLst>
           </p:cNvPr>
@@ -12536,91 +12570,31 @@
           <a:p>
             <a:r>
               <a:rPr lang="en-US" dirty="0"/>
-              <a:t>Base class pointer can be assigned with any object of the hierarchy</a:t>
-            </a:r>
-          </a:p>
-          <a:p>
-            <a:r>
-              <a:rPr lang="en-US" dirty="0"/>
-              <a:t>Base class </a:t>
-            </a:r>
-            <a:r>
-              <a:rPr lang="en-US" dirty="0" err="1"/>
-              <a:t>ptr</a:t>
-            </a:r>
-            <a:r>
-              <a:rPr lang="en-US" dirty="0"/>
-              <a:t> =new </a:t>
-            </a:r>
-            <a:r>
-              <a:rPr lang="en-US" dirty="0" err="1"/>
-              <a:t>DerivedclassObject</a:t>
-            </a:r>
-            <a:r>
-              <a:rPr lang="en-US" dirty="0"/>
-              <a:t>, possible.</a:t>
-            </a:r>
-          </a:p>
-          <a:p>
-            <a:r>
-              <a:rPr lang="en-US" dirty="0"/>
-              <a:t>Suppose we have </a:t>
-            </a:r>
-            <a:r>
-              <a:rPr lang="en-US" dirty="0" err="1"/>
-              <a:t>MedicalDevice</a:t>
-            </a:r>
-            <a:r>
-              <a:rPr lang="en-US" dirty="0"/>
-              <a:t>, </a:t>
-            </a:r>
-            <a:r>
-              <a:rPr lang="en-US" dirty="0" err="1"/>
-              <a:t>TherupeticDevice</a:t>
-            </a:r>
-            <a:r>
-              <a:rPr lang="en-US" dirty="0"/>
-              <a:t> and </a:t>
-            </a:r>
-            <a:r>
-              <a:rPr lang="en-US" dirty="0" err="1"/>
-              <a:t>DiagnosticDevice</a:t>
-            </a:r>
-            <a:r>
-              <a:rPr lang="en-US" dirty="0"/>
-              <a:t>, as derived classes, it is possible to </a:t>
-            </a:r>
-            <a:r>
-              <a:rPr lang="en-US" dirty="0" err="1"/>
-              <a:t>assing</a:t>
-            </a:r>
-            <a:r>
-              <a:rPr lang="en-US" dirty="0"/>
-              <a:t>  </a:t>
-            </a:r>
-            <a:r>
-              <a:rPr lang="en-US" dirty="0" err="1"/>
-              <a:t>MedicalDevice</a:t>
-            </a:r>
-            <a:r>
-              <a:rPr lang="en-US" dirty="0"/>
-              <a:t> *x =new </a:t>
-            </a:r>
-            <a:r>
-              <a:rPr lang="en-US" dirty="0" err="1"/>
-              <a:t>TherupeticDevice</a:t>
-            </a:r>
-            <a:r>
-              <a:rPr lang="en-US" dirty="0"/>
-              <a:t> or new </a:t>
-            </a:r>
-            <a:r>
-              <a:rPr lang="en-US" dirty="0" err="1"/>
-              <a:t>DiagnosticDevice</a:t>
-            </a:r>
-            <a:r>
-              <a:rPr lang="en-US" dirty="0"/>
-              <a:t>                       </a:t>
+              <a:t>Function of base class is not acceptable to derived class object</a:t>
+            </a:r>
+          </a:p>
+          <a:p>
+            <a:r>
+              <a:rPr lang="en-US" dirty="0"/>
+              <a:t>Base class owner also feels that this function needs adaptation according to different derived classes</a:t>
+            </a:r>
+          </a:p>
+          <a:p>
+            <a:r>
+              <a:rPr lang="en-US" dirty="0"/>
+              <a:t>So base class owner makes the function as virtual.</a:t>
+            </a:r>
+          </a:p>
+          <a:p>
+            <a:r>
+              <a:rPr lang="en-US" dirty="0"/>
+              <a:t>Derived class writes the same function with new definition.</a:t>
+            </a:r>
+          </a:p>
+          <a:p>
+            <a:r>
+              <a:rPr lang="en-US" dirty="0"/>
+              <a:t>Typically Derived class object will now not be able to access the base class function.</a:t>
             </a:r>
           </a:p>
         </p:txBody>
@@ -12628,7 +12602,7 @@
     </p:spTree>
     <p:extLst>
       <p:ext uri="{BB962C8B-B14F-4D97-AF65-F5344CB8AC3E}">
-        <p14:creationId xmlns:p14="http://schemas.microsoft.com/office/powerpoint/2010/main" val="872138406"/>
+        <p14:creationId xmlns:p14="http://schemas.microsoft.com/office/powerpoint/2010/main" val="877763790"/>
       </p:ext>
     </p:extLst>
   </p:cSld>
@@ -12660,7 +12634,7 @@
           <p:cNvPr id="2" name="Title 1">
             <a:extLst>
               <a:ext uri="{FF2B5EF4-FFF2-40B4-BE49-F238E27FC236}">
-                <a16:creationId xmlns:a16="http://schemas.microsoft.com/office/drawing/2014/main" id="{AA750999-3A0B-A488-3336-1ECE8B4B9CB8}"/>
+                <a16:creationId xmlns:a16="http://schemas.microsoft.com/office/drawing/2014/main" id="{4774BF51-2010-8240-8FA0-AD38947F564E}"/>
               </a:ext>
             </a:extLst>
           </p:cNvPr>
@@ -12678,7 +12652,7 @@
           <a:p>
             <a:r>
               <a:rPr lang="en-US" dirty="0"/>
-              <a:t>Runtime polymorphism is </a:t>
+              <a:t>Substitutability</a:t>
             </a:r>
           </a:p>
         </p:txBody>
@@ -12688,7 +12662,7 @@
           <p:cNvPr id="3" name="Table Placeholder 2">
             <a:extLst>
               <a:ext uri="{FF2B5EF4-FFF2-40B4-BE49-F238E27FC236}">
-                <a16:creationId xmlns:a16="http://schemas.microsoft.com/office/drawing/2014/main" id="{47982EFF-DF49-0EDD-4120-A6D19E2F03AF}"/>
+                <a16:creationId xmlns:a16="http://schemas.microsoft.com/office/drawing/2014/main" id="{649068D1-7CC0-2E6F-1E57-8CAA64D72905}"/>
               </a:ext>
             </a:extLst>
           </p:cNvPr>
@@ -12706,26 +12680,91 @@
           <a:p>
             <a:r>
               <a:rPr lang="en-US" dirty="0"/>
-              <a:t>Virtual function or overridden function call</a:t>
-            </a:r>
-          </a:p>
-          <a:p>
-            <a:r>
-              <a:rPr lang="en-US" dirty="0"/>
-              <a:t>By using base class pointer.</a:t>
-            </a:r>
-          </a:p>
-          <a:p>
-            <a:r>
-              <a:rPr lang="en-US" dirty="0"/>
-              <a:t>Which function gets called depends on which object is assigned to my base class pointer.</a:t>
-            </a:r>
-          </a:p>
-          <a:p>
-            <a:pPr lvl="1"/>
-            <a:r>
-              <a:rPr lang="en-US" dirty="0"/>
-              <a:t>Look at a33inheritance.cpp</a:t>
+              <a:t>Base class pointer can be assigned with any object of the hierarchy</a:t>
+            </a:r>
+          </a:p>
+          <a:p>
+            <a:r>
+              <a:rPr lang="en-US" dirty="0"/>
+              <a:t>Base class </a:t>
+            </a:r>
+            <a:r>
+              <a:rPr lang="en-US" dirty="0" err="1"/>
+              <a:t>ptr</a:t>
+            </a:r>
+            <a:r>
+              <a:rPr lang="en-US" dirty="0"/>
+              <a:t> =new </a:t>
+            </a:r>
+            <a:r>
+              <a:rPr lang="en-US" dirty="0" err="1"/>
+              <a:t>DerivedclassObject</a:t>
+            </a:r>
+            <a:r>
+              <a:rPr lang="en-US" dirty="0"/>
+              <a:t>, possible.</a:t>
+            </a:r>
+          </a:p>
+          <a:p>
+            <a:r>
+              <a:rPr lang="en-US" dirty="0"/>
+              <a:t>Suppose we have </a:t>
+            </a:r>
+            <a:r>
+              <a:rPr lang="en-US" dirty="0" err="1"/>
+              <a:t>MedicalDevice</a:t>
+            </a:r>
+            <a:r>
+              <a:rPr lang="en-US" dirty="0"/>
+              <a:t>, </a:t>
+            </a:r>
+            <a:r>
+              <a:rPr lang="en-US" dirty="0" err="1"/>
+              <a:t>TherupeticDevice</a:t>
+            </a:r>
+            <a:r>
+              <a:rPr lang="en-US" dirty="0"/>
+              <a:t> and </a:t>
+            </a:r>
+            <a:r>
+              <a:rPr lang="en-US" dirty="0" err="1"/>
+              <a:t>DiagnosticDevice</a:t>
+            </a:r>
+            <a:r>
+              <a:rPr lang="en-US" dirty="0"/>
+              <a:t>, as derived classes, it is possible to </a:t>
+            </a:r>
+            <a:r>
+              <a:rPr lang="en-US" dirty="0" err="1"/>
+              <a:t>assing</a:t>
+            </a:r>
+            <a:r>
+              <a:rPr lang="en-US" dirty="0"/>
+              <a:t>  </a:t>
+            </a:r>
+            <a:r>
+              <a:rPr lang="en-US" dirty="0" err="1"/>
+              <a:t>MedicalDevice</a:t>
+            </a:r>
+            <a:r>
+              <a:rPr lang="en-US" dirty="0"/>
+              <a:t> *x =new </a:t>
+            </a:r>
+            <a:r>
+              <a:rPr lang="en-US" dirty="0" err="1"/>
+              <a:t>TherupeticDevice</a:t>
+            </a:r>
+            <a:r>
+              <a:rPr lang="en-US" dirty="0"/>
+              <a:t> or new </a:t>
+            </a:r>
+            <a:r>
+              <a:rPr lang="en-US" dirty="0" err="1"/>
+              <a:t>DiagnosticDevice</a:t>
+            </a:r>
+            <a:r>
+              <a:rPr lang="en-US" dirty="0"/>
+              <a:t>                       </a:t>
             </a:r>
           </a:p>
         </p:txBody>
@@ -12733,7 +12772,7 @@
     </p:spTree>
     <p:extLst>
       <p:ext uri="{BB962C8B-B14F-4D97-AF65-F5344CB8AC3E}">
-        <p14:creationId xmlns:p14="http://schemas.microsoft.com/office/powerpoint/2010/main" val="3009447903"/>
+        <p14:creationId xmlns:p14="http://schemas.microsoft.com/office/powerpoint/2010/main" val="872138406"/>
       </p:ext>
     </p:extLst>
   </p:cSld>
@@ -12765,7 +12804,7 @@
           <p:cNvPr id="2" name="Title 1">
             <a:extLst>
               <a:ext uri="{FF2B5EF4-FFF2-40B4-BE49-F238E27FC236}">
-                <a16:creationId xmlns:a16="http://schemas.microsoft.com/office/drawing/2014/main" id="{D6A12F97-3C7D-B373-9416-B6E422CA559D}"/>
+                <a16:creationId xmlns:a16="http://schemas.microsoft.com/office/drawing/2014/main" id="{AA750999-3A0B-A488-3336-1ECE8B4B9CB8}"/>
               </a:ext>
             </a:extLst>
           </p:cNvPr>
@@ -12783,13 +12822,8 @@
           <a:p>
             <a:r>
               <a:rPr lang="en-US" dirty="0"/>
-              <a:t>RTTI  -- </a:t>
-            </a:r>
-            <a:r>
-              <a:rPr lang="en-US" dirty="0" err="1"/>
-              <a:t>DynamicCast</a:t>
-            </a:r>
-            <a:endParaRPr lang="en-US" dirty="0"/>
+              <a:t>Runtime polymorphism is </a:t>
+            </a:r>
           </a:p>
         </p:txBody>
       </p:sp>
@@ -12798,7 +12832,7 @@
           <p:cNvPr id="3" name="Table Placeholder 2">
             <a:extLst>
               <a:ext uri="{FF2B5EF4-FFF2-40B4-BE49-F238E27FC236}">
-                <a16:creationId xmlns:a16="http://schemas.microsoft.com/office/drawing/2014/main" id="{3A1105B6-698F-8EB0-D0D7-C84A75FA636D}"/>
+                <a16:creationId xmlns:a16="http://schemas.microsoft.com/office/drawing/2014/main" id="{47982EFF-DF49-0EDD-4120-A6D19E2F03AF}"/>
               </a:ext>
             </a:extLst>
           </p:cNvPr>
@@ -12814,67 +12848,36 @@
           <a:bodyPr/>
           <a:lstStyle/>
           <a:p>
-            <a:pPr marL="457200" indent="-457200"/>
-            <a:r>
-              <a:rPr lang="en-US" dirty="0"/>
-              <a:t>During runtime polymorphism we have a base class pointer</a:t>
-            </a:r>
-          </a:p>
-          <a:p>
-            <a:pPr marL="457200" indent="-457200"/>
-            <a:r>
-              <a:rPr lang="en-US" dirty="0"/>
-              <a:t>Using this we cannot call exclusive functions of the derived class.</a:t>
-            </a:r>
-          </a:p>
-          <a:p>
-            <a:pPr marL="457200" indent="-457200"/>
-            <a:r>
-              <a:rPr lang="en-US" dirty="0"/>
-              <a:t>Need to typecast base pointer to derived class pointer.</a:t>
-            </a:r>
-          </a:p>
-          <a:p>
-            <a:pPr marL="457200" indent="-457200"/>
-            <a:r>
-              <a:rPr lang="en-US" dirty="0"/>
-              <a:t>But we don’t know what type of object base class pointer points to hence need to check.</a:t>
-            </a:r>
-          </a:p>
-          <a:p>
-            <a:pPr marL="457200" indent="-457200"/>
-            <a:r>
-              <a:rPr lang="en-US" dirty="0"/>
-              <a:t>Doing this is called RTTI, mechanism is </a:t>
-            </a:r>
-            <a:r>
-              <a:rPr lang="en-US" dirty="0" err="1"/>
-              <a:t>dynamic_cast</a:t>
-            </a:r>
-            <a:r>
-              <a:rPr lang="en-US" dirty="0"/>
-              <a:t> in c++</a:t>
-            </a:r>
-          </a:p>
-          <a:p>
-            <a:pPr marL="457200" indent="-457200"/>
+            <a:r>
+              <a:rPr lang="en-US" dirty="0"/>
+              <a:t>Virtual function or overridden function call</a:t>
+            </a:r>
+          </a:p>
+          <a:p>
+            <a:r>
+              <a:rPr lang="en-US" dirty="0"/>
+              <a:t>By using base class pointer.</a:t>
+            </a:r>
+          </a:p>
+          <a:p>
+            <a:r>
+              <a:rPr lang="en-US" dirty="0"/>
+              <a:t>Which function gets called depends on which object is assigned to my base class pointer.</a:t>
+            </a:r>
+          </a:p>
+          <a:p>
+            <a:pPr lvl="1"/>
             <a:r>
               <a:rPr lang="en-US" dirty="0"/>
               <a:t>Look at a33inheritance.cpp</a:t>
             </a:r>
-          </a:p>
-          <a:p>
-            <a:pPr marL="0" indent="0">
-              <a:buNone/>
-            </a:pPr>
-            <a:endParaRPr lang="en-US" dirty="0"/>
           </a:p>
         </p:txBody>
       </p:sp>
     </p:spTree>
     <p:extLst>
       <p:ext uri="{BB962C8B-B14F-4D97-AF65-F5344CB8AC3E}">
-        <p14:creationId xmlns:p14="http://schemas.microsoft.com/office/powerpoint/2010/main" val="1029407423"/>
+        <p14:creationId xmlns:p14="http://schemas.microsoft.com/office/powerpoint/2010/main" val="3009447903"/>
       </p:ext>
     </p:extLst>
   </p:cSld>
@@ -12906,7 +12909,7 @@
           <p:cNvPr id="2" name="Title 1">
             <a:extLst>
               <a:ext uri="{FF2B5EF4-FFF2-40B4-BE49-F238E27FC236}">
-                <a16:creationId xmlns:a16="http://schemas.microsoft.com/office/drawing/2014/main" id="{0517AC65-BF03-C9E9-B9E1-A81782EF9A20}"/>
+                <a16:creationId xmlns:a16="http://schemas.microsoft.com/office/drawing/2014/main" id="{D6A12F97-3C7D-B373-9416-B6E422CA559D}"/>
               </a:ext>
             </a:extLst>
           </p:cNvPr>
@@ -12924,8 +12927,13 @@
           <a:p>
             <a:r>
               <a:rPr lang="en-US" dirty="0"/>
-              <a:t>Functions in inheritance</a:t>
-            </a:r>
+              <a:t>RTTI  -- </a:t>
+            </a:r>
+            <a:r>
+              <a:rPr lang="en-US" dirty="0" err="1"/>
+              <a:t>DynamicCast</a:t>
+            </a:r>
+            <a:endParaRPr lang="en-US" dirty="0"/>
           </a:p>
         </p:txBody>
       </p:sp>
@@ -12934,7 +12942,7 @@
           <p:cNvPr id="3" name="Table Placeholder 2">
             <a:extLst>
               <a:ext uri="{FF2B5EF4-FFF2-40B4-BE49-F238E27FC236}">
-                <a16:creationId xmlns:a16="http://schemas.microsoft.com/office/drawing/2014/main" id="{E3250942-2BCD-E68B-E4AD-3B42859DCE0D}"/>
+                <a16:creationId xmlns:a16="http://schemas.microsoft.com/office/drawing/2014/main" id="{3A1105B6-698F-8EB0-D0D7-C84A75FA636D}"/>
               </a:ext>
             </a:extLst>
           </p:cNvPr>
@@ -12950,50 +12958,67 @@
           <a:bodyPr/>
           <a:lstStyle/>
           <a:p>
-            <a:r>
-              <a:rPr lang="en-US" dirty="0"/>
-              <a:t>Non virtual function</a:t>
-            </a:r>
-          </a:p>
-          <a:p>
-            <a:pPr lvl="1"/>
-            <a:r>
-              <a:rPr lang="en-US" dirty="0"/>
-              <a:t>Should not be overridden</a:t>
-            </a:r>
-          </a:p>
-          <a:p>
-            <a:r>
-              <a:rPr lang="en-US" dirty="0"/>
-              <a:t>Virtual function</a:t>
-            </a:r>
-          </a:p>
-          <a:p>
-            <a:pPr lvl="1"/>
-            <a:r>
-              <a:rPr lang="en-US" dirty="0"/>
-              <a:t>May be overridden</a:t>
-            </a:r>
-          </a:p>
-          <a:p>
-            <a:r>
-              <a:rPr lang="en-US" dirty="0"/>
-              <a:t>Pure virtual function</a:t>
-            </a:r>
-          </a:p>
-          <a:p>
-            <a:pPr lvl="1"/>
-            <a:r>
-              <a:rPr lang="en-US" dirty="0"/>
-              <a:t>Must be overridden</a:t>
-            </a:r>
+            <a:pPr marL="457200" indent="-457200"/>
+            <a:r>
+              <a:rPr lang="en-US" dirty="0"/>
+              <a:t>During runtime polymorphism we have a base class pointer</a:t>
+            </a:r>
+          </a:p>
+          <a:p>
+            <a:pPr marL="457200" indent="-457200"/>
+            <a:r>
+              <a:rPr lang="en-US" dirty="0"/>
+              <a:t>Using this we cannot call exclusive functions of the derived class.</a:t>
+            </a:r>
+          </a:p>
+          <a:p>
+            <a:pPr marL="457200" indent="-457200"/>
+            <a:r>
+              <a:rPr lang="en-US" dirty="0"/>
+              <a:t>Need to typecast base pointer to derived class pointer.</a:t>
+            </a:r>
+          </a:p>
+          <a:p>
+            <a:pPr marL="457200" indent="-457200"/>
+            <a:r>
+              <a:rPr lang="en-US" dirty="0"/>
+              <a:t>But we don’t know what type of object base class pointer points to hence need to check.</a:t>
+            </a:r>
+          </a:p>
+          <a:p>
+            <a:pPr marL="457200" indent="-457200"/>
+            <a:r>
+              <a:rPr lang="en-US" dirty="0"/>
+              <a:t>Doing this is called RTTI, mechanism is </a:t>
+            </a:r>
+            <a:r>
+              <a:rPr lang="en-US" dirty="0" err="1"/>
+              <a:t>dynamic_cast</a:t>
+            </a:r>
+            <a:r>
+              <a:rPr lang="en-US" dirty="0"/>
+              <a:t> in c++</a:t>
+            </a:r>
+          </a:p>
+          <a:p>
+            <a:pPr marL="457200" indent="-457200"/>
+            <a:r>
+              <a:rPr lang="en-US" dirty="0"/>
+              <a:t>Look at a33inheritance.cpp</a:t>
+            </a:r>
+          </a:p>
+          <a:p>
+            <a:pPr marL="0" indent="0">
+              <a:buNone/>
+            </a:pPr>
+            <a:endParaRPr lang="en-US" dirty="0"/>
           </a:p>
         </p:txBody>
       </p:sp>
     </p:spTree>
     <p:extLst>
       <p:ext uri="{BB962C8B-B14F-4D97-AF65-F5344CB8AC3E}">
-        <p14:creationId xmlns:p14="http://schemas.microsoft.com/office/powerpoint/2010/main" val="788232516"/>
+        <p14:creationId xmlns:p14="http://schemas.microsoft.com/office/powerpoint/2010/main" val="1029407423"/>
       </p:ext>
     </p:extLst>
   </p:cSld>
@@ -13025,7 +13050,7 @@
           <p:cNvPr id="2" name="Title 1">
             <a:extLst>
               <a:ext uri="{FF2B5EF4-FFF2-40B4-BE49-F238E27FC236}">
-                <a16:creationId xmlns:a16="http://schemas.microsoft.com/office/drawing/2014/main" id="{43F8485B-34E3-B0AB-D718-400CFFCFC22A}"/>
+                <a16:creationId xmlns:a16="http://schemas.microsoft.com/office/drawing/2014/main" id="{0517AC65-BF03-C9E9-B9E1-A81782EF9A20}"/>
               </a:ext>
             </a:extLst>
           </p:cNvPr>
@@ -13043,15 +13068,7 @@
           <a:p>
             <a:r>
               <a:rPr lang="en-US" dirty="0"/>
-              <a:t>Constructor </a:t>
-            </a:r>
-            <a:r>
-              <a:rPr lang="en-US" dirty="0" err="1"/>
-              <a:t>behaviour</a:t>
-            </a:r>
-            <a:r>
-              <a:rPr lang="en-US" dirty="0"/>
-              <a:t> during inheritance</a:t>
+              <a:t>Functions in inheritance</a:t>
             </a:r>
           </a:p>
         </p:txBody>
@@ -13061,7 +13078,7 @@
           <p:cNvPr id="3" name="Table Placeholder 2">
             <a:extLst>
               <a:ext uri="{FF2B5EF4-FFF2-40B4-BE49-F238E27FC236}">
-                <a16:creationId xmlns:a16="http://schemas.microsoft.com/office/drawing/2014/main" id="{3DD6128D-4358-7AC1-070F-4C1A69D2C806}"/>
+                <a16:creationId xmlns:a16="http://schemas.microsoft.com/office/drawing/2014/main" id="{E3250942-2BCD-E68B-E4AD-3B42859DCE0D}"/>
               </a:ext>
             </a:extLst>
           </p:cNvPr>
@@ -13079,36 +13096,40 @@
           <a:p>
             <a:r>
               <a:rPr lang="en-US" dirty="0"/>
-              <a:t>Derived class object is getting created then</a:t>
+              <a:t>Non virtual function</a:t>
             </a:r>
           </a:p>
           <a:p>
             <a:pPr lvl="1"/>
             <a:r>
               <a:rPr lang="en-US" dirty="0"/>
-              <a:t>Call of base class constructor</a:t>
+              <a:t>Should not be overridden</a:t>
+            </a:r>
+          </a:p>
+          <a:p>
+            <a:r>
+              <a:rPr lang="en-US" dirty="0"/>
+              <a:t>Virtual function</a:t>
             </a:r>
           </a:p>
           <a:p>
             <a:pPr lvl="1"/>
             <a:r>
               <a:rPr lang="en-US" dirty="0"/>
-              <a:t>Call of derived class constructor</a:t>
+              <a:t>May be overridden</a:t>
+            </a:r>
+          </a:p>
+          <a:p>
+            <a:r>
+              <a:rPr lang="en-US" dirty="0"/>
+              <a:t>Pure virtual function</a:t>
             </a:r>
           </a:p>
           <a:p>
             <a:pPr lvl="1"/>
             <a:r>
               <a:rPr lang="en-US" dirty="0"/>
-              <a:t>If the base class has got some parametrized constructor we need to call it </a:t>
-            </a:r>
-            <a:r>
-              <a:rPr lang="en-US" dirty="0" err="1"/>
-              <a:t>explicity</a:t>
-            </a:r>
-            <a:r>
-              <a:rPr lang="en-US" dirty="0"/>
-              <a:t> in the derived class constructor.</a:t>
+              <a:t>Must be overridden</a:t>
             </a:r>
           </a:p>
         </p:txBody>
@@ -13116,7 +13137,7 @@
     </p:spTree>
     <p:extLst>
       <p:ext uri="{BB962C8B-B14F-4D97-AF65-F5344CB8AC3E}">
-        <p14:creationId xmlns:p14="http://schemas.microsoft.com/office/powerpoint/2010/main" val="2919546028"/>
+        <p14:creationId xmlns:p14="http://schemas.microsoft.com/office/powerpoint/2010/main" val="788232516"/>
       </p:ext>
     </p:extLst>
   </p:cSld>
@@ -13148,7 +13169,7 @@
           <p:cNvPr id="2" name="Title 1">
             <a:extLst>
               <a:ext uri="{FF2B5EF4-FFF2-40B4-BE49-F238E27FC236}">
-                <a16:creationId xmlns:a16="http://schemas.microsoft.com/office/drawing/2014/main" id="{DC29B955-C0B2-7D24-10E0-5DC4875D3F1F}"/>
+                <a16:creationId xmlns:a16="http://schemas.microsoft.com/office/drawing/2014/main" id="{43F8485B-34E3-B0AB-D718-400CFFCFC22A}"/>
               </a:ext>
             </a:extLst>
           </p:cNvPr>
@@ -13166,13 +13187,16 @@
           <a:p>
             <a:r>
               <a:rPr lang="en-US" dirty="0"/>
-              <a:t>Destructor </a:t>
+              <a:t>Constructor </a:t>
             </a:r>
             <a:r>
               <a:rPr lang="en-US" dirty="0" err="1"/>
               <a:t>behaviour</a:t>
             </a:r>
-            <a:endParaRPr lang="en-US" dirty="0"/>
+            <a:r>
+              <a:rPr lang="en-US" dirty="0"/>
+              <a:t> during inheritance</a:t>
+            </a:r>
           </a:p>
         </p:txBody>
       </p:sp>
@@ -13181,7 +13205,7 @@
           <p:cNvPr id="3" name="Table Placeholder 2">
             <a:extLst>
               <a:ext uri="{FF2B5EF4-FFF2-40B4-BE49-F238E27FC236}">
-                <a16:creationId xmlns:a16="http://schemas.microsoft.com/office/drawing/2014/main" id="{9D0B5359-09ED-15FE-436B-5E94E3F61693}"/>
+                <a16:creationId xmlns:a16="http://schemas.microsoft.com/office/drawing/2014/main" id="{3DD6128D-4358-7AC1-070F-4C1A69D2C806}"/>
               </a:ext>
             </a:extLst>
           </p:cNvPr>
@@ -13199,35 +13223,36 @@
           <a:p>
             <a:r>
               <a:rPr lang="en-US" dirty="0"/>
-              <a:t>When derived class object is removed from memory</a:t>
+              <a:t>Derived class object is getting created then</a:t>
             </a:r>
           </a:p>
           <a:p>
             <a:pPr lvl="1"/>
             <a:r>
               <a:rPr lang="en-US" dirty="0"/>
-              <a:t>Destructor of derived class</a:t>
+              <a:t>Call of base class constructor</a:t>
             </a:r>
           </a:p>
           <a:p>
             <a:pPr lvl="1"/>
             <a:r>
               <a:rPr lang="en-US" dirty="0"/>
-              <a:t>Destructor of base class.</a:t>
+              <a:t>Call of derived class constructor</a:t>
             </a:r>
           </a:p>
           <a:p>
             <a:pPr lvl="1"/>
             <a:r>
               <a:rPr lang="en-US" dirty="0"/>
-              <a:t>If your pointer is of type base class, during runtime polymorphism</a:t>
-            </a:r>
-          </a:p>
-          <a:p>
-            <a:pPr lvl="2"/>
-            <a:r>
-              <a:rPr lang="en-US" dirty="0"/>
-              <a:t>Ensure base class destructor is made virtual, else derived class destructor will not get called.</a:t>
+              <a:t>If the base class has got some parametrized constructor we need to call it </a:t>
+            </a:r>
+            <a:r>
+              <a:rPr lang="en-US" dirty="0" err="1"/>
+              <a:t>explicity</a:t>
+            </a:r>
+            <a:r>
+              <a:rPr lang="en-US" dirty="0"/>
+              <a:t> in the derived class constructor.</a:t>
             </a:r>
           </a:p>
         </p:txBody>
@@ -13235,7 +13260,7 @@
     </p:spTree>
     <p:extLst>
       <p:ext uri="{BB962C8B-B14F-4D97-AF65-F5344CB8AC3E}">
-        <p14:creationId xmlns:p14="http://schemas.microsoft.com/office/powerpoint/2010/main" val="196415511"/>
+        <p14:creationId xmlns:p14="http://schemas.microsoft.com/office/powerpoint/2010/main" val="2919546028"/>
       </p:ext>
     </p:extLst>
   </p:cSld>
@@ -13365,6 +13390,125 @@
           <p:cNvPr id="2" name="Title 1">
             <a:extLst>
               <a:ext uri="{FF2B5EF4-FFF2-40B4-BE49-F238E27FC236}">
+                <a16:creationId xmlns:a16="http://schemas.microsoft.com/office/drawing/2014/main" id="{DC29B955-C0B2-7D24-10E0-5DC4875D3F1F}"/>
+              </a:ext>
+            </a:extLst>
+          </p:cNvPr>
+          <p:cNvSpPr>
+            <a:spLocks noGrp="1"/>
+          </p:cNvSpPr>
+          <p:nvPr>
+            <p:ph type="title"/>
+          </p:nvPr>
+        </p:nvSpPr>
+        <p:spPr/>
+        <p:txBody>
+          <a:bodyPr/>
+          <a:lstStyle/>
+          <a:p>
+            <a:r>
+              <a:rPr lang="en-US" dirty="0"/>
+              <a:t>Destructor </a:t>
+            </a:r>
+            <a:r>
+              <a:rPr lang="en-US" dirty="0" err="1"/>
+              <a:t>behaviour</a:t>
+            </a:r>
+            <a:endParaRPr lang="en-US" dirty="0"/>
+          </a:p>
+        </p:txBody>
+      </p:sp>
+      <p:sp>
+        <p:nvSpPr>
+          <p:cNvPr id="3" name="Table Placeholder 2">
+            <a:extLst>
+              <a:ext uri="{FF2B5EF4-FFF2-40B4-BE49-F238E27FC236}">
+                <a16:creationId xmlns:a16="http://schemas.microsoft.com/office/drawing/2014/main" id="{9D0B5359-09ED-15FE-436B-5E94E3F61693}"/>
+              </a:ext>
+            </a:extLst>
+          </p:cNvPr>
+          <p:cNvSpPr>
+            <a:spLocks noGrp="1"/>
+          </p:cNvSpPr>
+          <p:nvPr>
+            <p:ph type="tbl" sz="quarter" idx="10"/>
+          </p:nvPr>
+        </p:nvSpPr>
+        <p:spPr/>
+        <p:txBody>
+          <a:bodyPr/>
+          <a:lstStyle/>
+          <a:p>
+            <a:r>
+              <a:rPr lang="en-US" dirty="0"/>
+              <a:t>When derived class object is removed from memory</a:t>
+            </a:r>
+          </a:p>
+          <a:p>
+            <a:pPr lvl="1"/>
+            <a:r>
+              <a:rPr lang="en-US" dirty="0"/>
+              <a:t>Destructor of derived class</a:t>
+            </a:r>
+          </a:p>
+          <a:p>
+            <a:pPr lvl="1"/>
+            <a:r>
+              <a:rPr lang="en-US" dirty="0"/>
+              <a:t>Destructor of base class.</a:t>
+            </a:r>
+          </a:p>
+          <a:p>
+            <a:pPr lvl="1"/>
+            <a:r>
+              <a:rPr lang="en-US" dirty="0"/>
+              <a:t>If your pointer is of type base class, during runtime polymorphism</a:t>
+            </a:r>
+          </a:p>
+          <a:p>
+            <a:pPr lvl="2"/>
+            <a:r>
+              <a:rPr lang="en-US" dirty="0"/>
+              <a:t>Ensure base class destructor is made virtual, else derived class destructor will not get called.</a:t>
+            </a:r>
+          </a:p>
+        </p:txBody>
+      </p:sp>
+    </p:spTree>
+    <p:extLst>
+      <p:ext uri="{BB962C8B-B14F-4D97-AF65-F5344CB8AC3E}">
+        <p14:creationId xmlns:p14="http://schemas.microsoft.com/office/powerpoint/2010/main" val="196415511"/>
+      </p:ext>
+    </p:extLst>
+  </p:cSld>
+  <p:clrMapOvr>
+    <a:masterClrMapping/>
+  </p:clrMapOvr>
+</p:sld>
+</file>
+
+<file path=ppt/slides/slide41.xml><?xml version="1.0" encoding="utf-8"?>
+<p:sld xmlns:a="http://schemas.openxmlformats.org/drawingml/2006/main" xmlns:r="http://schemas.openxmlformats.org/officeDocument/2006/relationships" xmlns:p="http://schemas.openxmlformats.org/presentationml/2006/main">
+  <p:cSld>
+    <p:spTree>
+      <p:nvGrpSpPr>
+        <p:cNvPr id="1" name=""/>
+        <p:cNvGrpSpPr/>
+        <p:nvPr/>
+      </p:nvGrpSpPr>
+      <p:grpSpPr>
+        <a:xfrm>
+          <a:off x="0" y="0"/>
+          <a:ext cx="0" cy="0"/>
+          <a:chOff x="0" y="0"/>
+          <a:chExt cx="0" cy="0"/>
+        </a:xfrm>
+      </p:grpSpPr>
+      <p:sp>
+        <p:nvSpPr>
+          <p:cNvPr id="2" name="Title 1">
+            <a:extLst>
+              <a:ext uri="{FF2B5EF4-FFF2-40B4-BE49-F238E27FC236}">
                 <a16:creationId xmlns:a16="http://schemas.microsoft.com/office/drawing/2014/main" id="{49948647-5005-473A-A255-EB0CB3F2BD2B}"/>
               </a:ext>
             </a:extLst>
@@ -13450,7 +13594,7 @@
 </p:sld>
 </file>
 
-<file path=ppt/slides/slide41.xml><?xml version="1.0" encoding="utf-8"?>
+<file path=ppt/slides/slide42.xml><?xml version="1.0" encoding="utf-8"?>
 <p:sld xmlns:a="http://schemas.openxmlformats.org/drawingml/2006/main" xmlns:r="http://schemas.openxmlformats.org/officeDocument/2006/relationships" xmlns:p="http://schemas.openxmlformats.org/presentationml/2006/main">
   <p:cSld>
     <p:spTree>
@@ -13586,7 +13730,7 @@
           <p:cNvPr id="2" name="Title 1">
             <a:extLst>
               <a:ext uri="{FF2B5EF4-FFF2-40B4-BE49-F238E27FC236}">
-                <a16:creationId xmlns:a16="http://schemas.microsoft.com/office/drawing/2014/main" id="{C9DE59EB-45BB-99D1-5EC6-70347CCB7167}"/>
+                <a16:creationId xmlns:a16="http://schemas.microsoft.com/office/drawing/2014/main" id="{9DB6A9A4-E775-9F31-B5CF-C7C37A8D7CED}"/>
               </a:ext>
             </a:extLst>
           </p:cNvPr>
@@ -13604,7 +13748,7 @@
           <a:p>
             <a:r>
               <a:rPr lang="en-US" dirty="0"/>
-              <a:t>Two categories of applications</a:t>
+              <a:t>How to use c++</a:t>
             </a:r>
           </a:p>
         </p:txBody>
@@ -13614,7 +13758,7 @@
           <p:cNvPr id="3" name="Table Placeholder 2">
             <a:extLst>
               <a:ext uri="{FF2B5EF4-FFF2-40B4-BE49-F238E27FC236}">
-                <a16:creationId xmlns:a16="http://schemas.microsoft.com/office/drawing/2014/main" id="{DC04171D-A5DA-D755-B609-65E5C68F5198}"/>
+                <a16:creationId xmlns:a16="http://schemas.microsoft.com/office/drawing/2014/main" id="{BBF659DF-EC02-C2C5-D30B-DF663A70EA1D}"/>
               </a:ext>
             </a:extLst>
           </p:cNvPr>
@@ -13632,27 +13776,21 @@
           <a:p>
             <a:r>
               <a:rPr lang="en-US" dirty="0"/>
-              <a:t>Applications</a:t>
-            </a:r>
-          </a:p>
-          <a:p>
-            <a:pPr lvl="1"/>
-            <a:r>
-              <a:rPr lang="en-US" dirty="0"/>
-              <a:t>Can run independently, main function is present</a:t>
-            </a:r>
-          </a:p>
-          <a:p>
-            <a:r>
-              <a:rPr lang="en-US" dirty="0"/>
-              <a:t>Libraries</a:t>
-            </a:r>
-          </a:p>
-          <a:p>
-            <a:pPr lvl="1"/>
-            <a:r>
-              <a:rPr lang="en-US" dirty="0"/>
-              <a:t>Cannot run independently must be used with some application.</a:t>
+              <a:t>C plus some extra features  like references, overloading, templates, </a:t>
+            </a:r>
+          </a:p>
+          <a:p>
+            <a:r>
+              <a:rPr lang="en-US" dirty="0"/>
+              <a:t>Object </a:t>
+            </a:r>
+            <a:r>
+              <a:rPr lang="en-US" dirty="0" err="1"/>
+              <a:t>Orientedness</a:t>
+            </a:r>
+            <a:r>
+              <a:rPr lang="en-US" dirty="0"/>
+              <a:t> </a:t>
             </a:r>
           </a:p>
         </p:txBody>
@@ -13660,7 +13798,7 @@
     </p:spTree>
     <p:extLst>
       <p:ext uri="{BB962C8B-B14F-4D97-AF65-F5344CB8AC3E}">
-        <p14:creationId xmlns:p14="http://schemas.microsoft.com/office/powerpoint/2010/main" val="650887347"/>
+        <p14:creationId xmlns:p14="http://schemas.microsoft.com/office/powerpoint/2010/main" val="766457360"/>
       </p:ext>
     </p:extLst>
   </p:cSld>
@@ -13692,7 +13830,7 @@
           <p:cNvPr id="2" name="Title 1">
             <a:extLst>
               <a:ext uri="{FF2B5EF4-FFF2-40B4-BE49-F238E27FC236}">
-                <a16:creationId xmlns:a16="http://schemas.microsoft.com/office/drawing/2014/main" id="{83B192DD-B312-7039-5BAD-3A5F74C95BD2}"/>
+                <a16:creationId xmlns:a16="http://schemas.microsoft.com/office/drawing/2014/main" id="{C9DE59EB-45BB-99D1-5EC6-70347CCB7167}"/>
               </a:ext>
             </a:extLst>
           </p:cNvPr>
@@ -13710,7 +13848,7 @@
           <a:p>
             <a:r>
               <a:rPr lang="en-US" dirty="0"/>
-              <a:t>Location of code</a:t>
+              <a:t>Two categories of applications</a:t>
             </a:r>
           </a:p>
         </p:txBody>
@@ -13720,7 +13858,7 @@
           <p:cNvPr id="3" name="Table Placeholder 2">
             <a:extLst>
               <a:ext uri="{FF2B5EF4-FFF2-40B4-BE49-F238E27FC236}">
-                <a16:creationId xmlns:a16="http://schemas.microsoft.com/office/drawing/2014/main" id="{DD907C7E-ABED-E2A2-007F-3E44F7AFC862}"/>
+                <a16:creationId xmlns:a16="http://schemas.microsoft.com/office/drawing/2014/main" id="{DC04171D-A5DA-D755-B609-65E5C68F5198}"/>
               </a:ext>
             </a:extLst>
           </p:cNvPr>
@@ -13737,31 +13875,28 @@
           <a:lstStyle/>
           <a:p>
             <a:r>
-              <a:rPr lang="en-US" dirty="0">
-                <a:hlinkClick r:id="rId2"/>
-              </a:rPr>
-              <a:t>https://github.com/noteonbg/cplusMay24.git</a:t>
-            </a:r>
-            <a:endParaRPr lang="en-US" dirty="0"/>
+              <a:rPr lang="en-US" dirty="0"/>
+              <a:t>Applications</a:t>
+            </a:r>
           </a:p>
           <a:p>
             <a:pPr lvl="1"/>
             <a:r>
               <a:rPr lang="en-US" dirty="0"/>
-              <a:t>Contains a file called c++notes.txt go thru it.</a:t>
-            </a:r>
-          </a:p>
-          <a:p>
-            <a:r>
-              <a:rPr lang="en-US" dirty="0"/>
-              <a:t>Some reference pdfs</a:t>
+              <a:t>Can run independently, main function is present</a:t>
+            </a:r>
+          </a:p>
+          <a:p>
+            <a:r>
+              <a:rPr lang="en-US" dirty="0"/>
+              <a:t>Libraries</a:t>
             </a:r>
           </a:p>
           <a:p>
             <a:pPr lvl="1"/>
             <a:r>
               <a:rPr lang="en-US" dirty="0"/>
-              <a:t>https://github.com/federico-busato/Modern-CPP-Programming.git</a:t>
+              <a:t>Cannot run independently must be used with some application.</a:t>
             </a:r>
           </a:p>
         </p:txBody>
@@ -13769,7 +13904,7 @@
     </p:spTree>
     <p:extLst>
       <p:ext uri="{BB962C8B-B14F-4D97-AF65-F5344CB8AC3E}">
-        <p14:creationId xmlns:p14="http://schemas.microsoft.com/office/powerpoint/2010/main" val="2697250256"/>
+        <p14:creationId xmlns:p14="http://schemas.microsoft.com/office/powerpoint/2010/main" val="650887347"/>
       </p:ext>
     </p:extLst>
   </p:cSld>
@@ -13801,7 +13936,7 @@
           <p:cNvPr id="2" name="Title 1">
             <a:extLst>
               <a:ext uri="{FF2B5EF4-FFF2-40B4-BE49-F238E27FC236}">
-                <a16:creationId xmlns:a16="http://schemas.microsoft.com/office/drawing/2014/main" id="{55D69DEC-4C09-7915-A6CC-CDC31E8E97F0}"/>
+                <a16:creationId xmlns:a16="http://schemas.microsoft.com/office/drawing/2014/main" id="{489F3A68-5D1D-EEC4-B6A3-0589EF151C47}"/>
               </a:ext>
             </a:extLst>
           </p:cNvPr>
@@ -13817,10 +13952,7 @@
           <a:bodyPr/>
           <a:lstStyle/>
           <a:p>
-            <a:r>
-              <a:rPr lang="en-US" dirty="0"/>
-              <a:t>Basics 1</a:t>
-            </a:r>
+            <a:endParaRPr lang="en-US" dirty="0"/>
           </a:p>
         </p:txBody>
       </p:sp>
@@ -13829,7 +13961,7 @@
           <p:cNvPr id="3" name="Table Placeholder 2">
             <a:extLst>
               <a:ext uri="{FF2B5EF4-FFF2-40B4-BE49-F238E27FC236}">
-                <a16:creationId xmlns:a16="http://schemas.microsoft.com/office/drawing/2014/main" id="{C96171CF-5F2C-64D1-295F-D4EBDA0EAEB2}"/>
+                <a16:creationId xmlns:a16="http://schemas.microsoft.com/office/drawing/2014/main" id="{4E5B15E9-B867-026E-046C-2EE89F3DE5EE}"/>
               </a:ext>
             </a:extLst>
           </p:cNvPr>
@@ -13845,64 +13977,44 @@
           <a:bodyPr/>
           <a:lstStyle/>
           <a:p>
-            <a:r>
-              <a:rPr lang="en-US" dirty="0"/>
-              <a:t>Namespace</a:t>
-            </a:r>
-          </a:p>
-          <a:p>
-            <a:r>
-              <a:rPr lang="en-US" dirty="0"/>
-              <a:t>Class</a:t>
-            </a:r>
-          </a:p>
-          <a:p>
-            <a:r>
-              <a:rPr lang="en-US" dirty="0"/>
-              <a:t>Functions</a:t>
-            </a:r>
-          </a:p>
-          <a:p>
-            <a:pPr lvl="1"/>
-            <a:r>
-              <a:rPr lang="en-US" dirty="0"/>
-              <a:t>Overloading</a:t>
-            </a:r>
-          </a:p>
-          <a:p>
-            <a:pPr lvl="1"/>
-            <a:r>
-              <a:rPr lang="en-US" dirty="0"/>
-              <a:t>Default arguments</a:t>
-            </a:r>
-          </a:p>
-          <a:p>
-            <a:pPr lvl="1"/>
-            <a:r>
-              <a:rPr lang="en-US" dirty="0"/>
-              <a:t>Inline </a:t>
-            </a:r>
-          </a:p>
-          <a:p>
-            <a:pPr lvl="1"/>
-            <a:r>
-              <a:rPr lang="en-US" dirty="0"/>
-              <a:t>Friend</a:t>
-            </a:r>
-          </a:p>
-          <a:p>
-            <a:pPr lvl="1"/>
-            <a:r>
-              <a:rPr lang="en-US" dirty="0"/>
-              <a:t>Operator overloading</a:t>
-            </a:r>
+            <a:endParaRPr lang="en-US" dirty="0"/>
           </a:p>
         </p:txBody>
       </p:sp>
+      <p:pic>
+        <p:nvPicPr>
+          <p:cNvPr id="7" name="Picture 6">
+            <a:extLst>
+              <a:ext uri="{FF2B5EF4-FFF2-40B4-BE49-F238E27FC236}">
+                <a16:creationId xmlns:a16="http://schemas.microsoft.com/office/drawing/2014/main" id="{A31E69F3-EE55-44CA-DA29-2383EC6FFBF5}"/>
+              </a:ext>
+            </a:extLst>
+          </p:cNvPr>
+          <p:cNvPicPr>
+            <a:picLocks noChangeAspect="1"/>
+          </p:cNvPicPr>
+          <p:nvPr/>
+        </p:nvPicPr>
+        <p:blipFill>
+          <a:blip r:embed="rId2"/>
+          <a:stretch>
+            <a:fillRect/>
+          </a:stretch>
+        </p:blipFill>
+        <p:spPr>
+          <a:xfrm>
+            <a:off x="497840" y="335281"/>
+            <a:ext cx="11069320" cy="5708332"/>
+          </a:xfrm>
+          <a:prstGeom prst="rect">
+            <a:avLst/>
+          </a:prstGeom>
+        </p:spPr>
+      </p:pic>
     </p:spTree>
     <p:extLst>
       <p:ext uri="{BB962C8B-B14F-4D97-AF65-F5344CB8AC3E}">
-        <p14:creationId xmlns:p14="http://schemas.microsoft.com/office/powerpoint/2010/main" val="1251229538"/>
+        <p14:creationId xmlns:p14="http://schemas.microsoft.com/office/powerpoint/2010/main" val="63408152"/>
       </p:ext>
     </p:extLst>
   </p:cSld>
@@ -13934,7 +14046,7 @@
           <p:cNvPr id="2" name="Title 1">
             <a:extLst>
               <a:ext uri="{FF2B5EF4-FFF2-40B4-BE49-F238E27FC236}">
-                <a16:creationId xmlns:a16="http://schemas.microsoft.com/office/drawing/2014/main" id="{681488F2-99EE-C8F8-87DC-14B03C022E9B}"/>
+                <a16:creationId xmlns:a16="http://schemas.microsoft.com/office/drawing/2014/main" id="{55D69DEC-4C09-7915-A6CC-CDC31E8E97F0}"/>
               </a:ext>
             </a:extLst>
           </p:cNvPr>
@@ -13952,7 +14064,7 @@
           <a:p>
             <a:r>
               <a:rPr lang="en-US" dirty="0"/>
-              <a:t>Namespace</a:t>
+              <a:t>Basics 1</a:t>
             </a:r>
           </a:p>
         </p:txBody>
@@ -13962,7 +14074,7 @@
           <p:cNvPr id="3" name="Table Placeholder 2">
             <a:extLst>
               <a:ext uri="{FF2B5EF4-FFF2-40B4-BE49-F238E27FC236}">
-                <a16:creationId xmlns:a16="http://schemas.microsoft.com/office/drawing/2014/main" id="{F0ECD7E7-C862-9A47-D175-7EF8CC90A1BA}"/>
+                <a16:creationId xmlns:a16="http://schemas.microsoft.com/office/drawing/2014/main" id="{C96171CF-5F2C-64D1-295F-D4EBDA0EAEB2}"/>
               </a:ext>
             </a:extLst>
           </p:cNvPr>
@@ -13980,29 +14092,54 @@
           <a:p>
             <a:r>
               <a:rPr lang="en-US" dirty="0"/>
-              <a:t>To avoid naming collisions. </a:t>
-            </a:r>
-          </a:p>
-          <a:p>
-            <a:r>
-              <a:rPr lang="en-US" dirty="0"/>
-              <a:t>If person X has got a class called </a:t>
-            </a:r>
-            <a:r>
-              <a:rPr lang="en-US" dirty="0" err="1"/>
-              <a:t>MedicalDevice</a:t>
-            </a:r>
-            <a:r>
-              <a:rPr lang="en-US" dirty="0"/>
-              <a:t> and person Y has also a class called </a:t>
-            </a:r>
-            <a:r>
-              <a:rPr lang="en-US" dirty="0" err="1"/>
-              <a:t>MedicalDevice</a:t>
-            </a:r>
-            <a:r>
-              <a:rPr lang="en-US" dirty="0"/>
-              <a:t> then how to differentiate use the namespace to differentiate  look at a37namespace.cpp</a:t>
+              <a:t>Namespace</a:t>
+            </a:r>
+          </a:p>
+          <a:p>
+            <a:r>
+              <a:rPr lang="en-US" dirty="0"/>
+              <a:t>Class</a:t>
+            </a:r>
+          </a:p>
+          <a:p>
+            <a:r>
+              <a:rPr lang="en-US" dirty="0"/>
+              <a:t>Functions</a:t>
+            </a:r>
+          </a:p>
+          <a:p>
+            <a:pPr lvl="1"/>
+            <a:r>
+              <a:rPr lang="en-US" dirty="0"/>
+              <a:t>Overloading</a:t>
+            </a:r>
+          </a:p>
+          <a:p>
+            <a:pPr lvl="1"/>
+            <a:r>
+              <a:rPr lang="en-US" dirty="0"/>
+              <a:t>Default arguments</a:t>
+            </a:r>
+          </a:p>
+          <a:p>
+            <a:pPr lvl="1"/>
+            <a:r>
+              <a:rPr lang="en-US" dirty="0"/>
+              <a:t>Inline </a:t>
+            </a:r>
+          </a:p>
+          <a:p>
+            <a:pPr lvl="1"/>
+            <a:r>
+              <a:rPr lang="en-US" dirty="0"/>
+              <a:t>Friend</a:t>
+            </a:r>
+          </a:p>
+          <a:p>
+            <a:pPr lvl="1"/>
+            <a:r>
+              <a:rPr lang="en-US" dirty="0"/>
+              <a:t>Operator overloading</a:t>
             </a:r>
           </a:p>
         </p:txBody>
@@ -14010,7 +14147,7 @@
     </p:spTree>
     <p:extLst>
       <p:ext uri="{BB962C8B-B14F-4D97-AF65-F5344CB8AC3E}">
-        <p14:creationId xmlns:p14="http://schemas.microsoft.com/office/powerpoint/2010/main" val="560386510"/>
+        <p14:creationId xmlns:p14="http://schemas.microsoft.com/office/powerpoint/2010/main" val="1251229538"/>
       </p:ext>
     </p:extLst>
   </p:cSld>
@@ -14042,7 +14179,7 @@
           <p:cNvPr id="2" name="Title 1">
             <a:extLst>
               <a:ext uri="{FF2B5EF4-FFF2-40B4-BE49-F238E27FC236}">
-                <a16:creationId xmlns:a16="http://schemas.microsoft.com/office/drawing/2014/main" id="{D81A3A62-80CB-5460-D5DC-E0952508F8C6}"/>
+                <a16:creationId xmlns:a16="http://schemas.microsoft.com/office/drawing/2014/main" id="{681488F2-99EE-C8F8-87DC-14B03C022E9B}"/>
               </a:ext>
             </a:extLst>
           </p:cNvPr>
@@ -14060,7 +14197,7 @@
           <a:p>
             <a:r>
               <a:rPr lang="en-US" dirty="0"/>
-              <a:t>Class</a:t>
+              <a:t>Namespace</a:t>
             </a:r>
           </a:p>
         </p:txBody>
@@ -14070,7 +14207,7 @@
           <p:cNvPr id="3" name="Table Placeholder 2">
             <a:extLst>
               <a:ext uri="{FF2B5EF4-FFF2-40B4-BE49-F238E27FC236}">
-                <a16:creationId xmlns:a16="http://schemas.microsoft.com/office/drawing/2014/main" id="{37EB8ED6-AF4E-1FB2-0E07-17BD250A1D13}"/>
+                <a16:creationId xmlns:a16="http://schemas.microsoft.com/office/drawing/2014/main" id="{F0ECD7E7-C862-9A47-D175-7EF8CC90A1BA}"/>
               </a:ext>
             </a:extLst>
           </p:cNvPr>
@@ -14087,56 +14224,30 @@
           <a:lstStyle/>
           <a:p>
             <a:r>
-              <a:rPr lang="en-US" b="1" dirty="0">
-                <a:solidFill>
-                  <a:srgbClr val="FF0000"/>
-                </a:solidFill>
-              </a:rPr>
-              <a:t>a mechanism to create a new data type in the project</a:t>
-            </a:r>
-            <a:r>
-              <a:rPr lang="en-US" dirty="0"/>
-              <a:t>.</a:t>
-            </a:r>
-          </a:p>
-          <a:p>
-            <a:r>
-              <a:rPr lang="en-US" dirty="0"/>
-              <a:t>For example we have int  which is a data type, now it has got some content  i=3 and some operations i = i *4 , here * can be considered as an operation</a:t>
-            </a:r>
-          </a:p>
-          <a:p>
+              <a:rPr lang="en-US" dirty="0"/>
+              <a:t>To avoid naming collisions. </a:t>
+            </a:r>
+          </a:p>
+          <a:p>
+            <a:r>
+              <a:rPr lang="en-US" dirty="0"/>
+              <a:t>If person X has got a class called </a:t>
+            </a:r>
             <a:r>
               <a:rPr lang="en-US" dirty="0" err="1"/>
-              <a:t>Similary</a:t>
-            </a:r>
-            <a:r>
-              <a:rPr lang="en-US" dirty="0"/>
-              <a:t> class is a data type which project needs to model the domain, example </a:t>
+              <a:t>MedicalDevice</a:t>
+            </a:r>
+            <a:r>
+              <a:rPr lang="en-US" dirty="0"/>
+              <a:t> and person Y has also a class called </a:t>
             </a:r>
             <a:r>
               <a:rPr lang="en-US" dirty="0" err="1"/>
-              <a:t>MedicalDomain</a:t>
-            </a:r>
-            <a:r>
-              <a:rPr lang="en-US" dirty="0"/>
-              <a:t> can contain variables like </a:t>
-            </a:r>
-            <a:r>
-              <a:rPr lang="en-US" dirty="0" err="1"/>
-              <a:t>serialnumber</a:t>
-            </a:r>
-            <a:r>
-              <a:rPr lang="en-US" dirty="0"/>
-              <a:t>, description and </a:t>
-            </a:r>
-            <a:r>
-              <a:rPr lang="en-US" dirty="0" err="1"/>
-              <a:t>manufacterid</a:t>
-            </a:r>
-            <a:r>
-              <a:rPr lang="en-US" dirty="0"/>
-              <a:t> and functions. Look at a03classexample.cpp</a:t>
+              <a:t>MedicalDevice</a:t>
+            </a:r>
+            <a:r>
+              <a:rPr lang="en-US" dirty="0"/>
+              <a:t> then how to differentiate use the namespace to differentiate  look at a37namespace.cpp</a:t>
             </a:r>
           </a:p>
         </p:txBody>
@@ -14144,7 +14255,7 @@
     </p:spTree>
     <p:extLst>
       <p:ext uri="{BB962C8B-B14F-4D97-AF65-F5344CB8AC3E}">
-        <p14:creationId xmlns:p14="http://schemas.microsoft.com/office/powerpoint/2010/main" val="51787693"/>
+        <p14:creationId xmlns:p14="http://schemas.microsoft.com/office/powerpoint/2010/main" val="560386510"/>
       </p:ext>
     </p:extLst>
   </p:cSld>
@@ -14946,35 +15057,6 @@
 </file>
 
 <file path=customXml/item1.xml><?xml version="1.0" encoding="utf-8"?>
-<p:properties xmlns:p="http://schemas.microsoft.com/office/2006/metadata/properties" xmlns:xsi="http://www.w3.org/2001/XMLSchema-instance" xmlns:pc="http://schemas.microsoft.com/office/infopath/2007/PartnerControls">
-  <documentManagement>
-    <Background xmlns="71af3243-3dd4-4a8d-8c0d-dd76da1f02a5">false</Background>
-    <Status xmlns="71af3243-3dd4-4a8d-8c0d-dd76da1f02a5">Not started</Status>
-    <_ip_UnifiedCompliancePolicyUIAction xmlns="http://schemas.microsoft.com/sharepoint/v3" xsi:nil="true"/>
-    <Image xmlns="71af3243-3dd4-4a8d-8c0d-dd76da1f02a5">
-      <Url xsi:nil="true"/>
-      <Description xsi:nil="true"/>
-    </Image>
-    <_ip_UnifiedCompliancePolicyProperties xmlns="http://schemas.microsoft.com/sharepoint/v3" xsi:nil="true"/>
-    <ImageTagsTaxHTField xmlns="71af3243-3dd4-4a8d-8c0d-dd76da1f02a5">
-      <Terms xmlns="http://schemas.microsoft.com/office/infopath/2007/PartnerControls"/>
-    </ImageTagsTaxHTField>
-    <TaxCatchAll xmlns="230e9df3-be65-4c73-a93b-d1236ebd677e" xsi:nil="true"/>
-    <MediaServiceKeyPoints xmlns="71af3243-3dd4-4a8d-8c0d-dd76da1f02a5" xsi:nil="true"/>
-  </documentManagement>
-</p:properties>
-</file>
-
-<file path=customXml/item2.xml><?xml version="1.0" encoding="utf-8"?>
-<?mso-contentType ?>
-<FormTemplates xmlns="http://schemas.microsoft.com/sharepoint/v3/contenttype/forms">
-  <Display>DocumentLibraryForm</Display>
-  <Edit>DocumentLibraryForm</Edit>
-  <New>DocumentLibraryForm</New>
-</FormTemplates>
-</file>
-
-<file path=customXml/item3.xml><?xml version="1.0" encoding="utf-8"?>
 <ct:contentTypeSchema xmlns:ct="http://schemas.microsoft.com/office/2006/metadata/contentType" xmlns:ma="http://schemas.microsoft.com/office/2006/metadata/properties/metaAttributes" ct:_="" ma:_="" ma:contentTypeName="Document" ma:contentTypeID="0x01010079F111ED35F8CC479449609E8A0923A6" ma:contentTypeVersion="28" ma:contentTypeDescription="Create a new document." ma:contentTypeScope="" ma:versionID="60f5a4f2d2b0abadcf532d48ebf9cb71">
   <xsd:schema xmlns:xsd="http://www.w3.org/2001/XMLSchema" xmlns:xs="http://www.w3.org/2001/XMLSchema" xmlns:p="http://schemas.microsoft.com/office/2006/metadata/properties" xmlns:ns1="http://schemas.microsoft.com/sharepoint/v3" xmlns:ns2="71af3243-3dd4-4a8d-8c0d-dd76da1f02a5" xmlns:ns3="16c05727-aa75-4e4a-9b5f-8a80a1165891" xmlns:ns4="230e9df3-be65-4c73-a93b-d1236ebd677e" targetNamespace="http://schemas.microsoft.com/office/2006/metadata/properties" ma:root="true" ma:fieldsID="7dd78129e6a1811f84807ad11c651531" ns1:_="" ns2:_="" ns3:_="" ns4:_="">
     <xsd:import namespace="http://schemas.microsoft.com/sharepoint/v3"/>
@@ -15286,27 +15368,36 @@
 </ct:contentTypeSchema>
 </file>
 
-<file path=customXml/itemProps1.xml><?xml version="1.0" encoding="utf-8"?>
-<ds:datastoreItem xmlns:ds="http://schemas.openxmlformats.org/officeDocument/2006/customXml" ds:itemID="{4F4B194E-8B30-4377-8C59-ECFB902D2A26}">
-  <ds:schemaRefs>
-    <ds:schemaRef ds:uri="http://schemas.microsoft.com/office/2006/metadata/properties"/>
-    <ds:schemaRef ds:uri="http://schemas.microsoft.com/office/infopath/2007/PartnerControls"/>
-    <ds:schemaRef ds:uri="71af3243-3dd4-4a8d-8c0d-dd76da1f02a5"/>
-    <ds:schemaRef ds:uri="http://schemas.microsoft.com/sharepoint/v3"/>
-    <ds:schemaRef ds:uri="230e9df3-be65-4c73-a93b-d1236ebd677e"/>
-  </ds:schemaRefs>
-</ds:datastoreItem>
+<file path=customXml/item2.xml><?xml version="1.0" encoding="utf-8"?>
+<p:properties xmlns:p="http://schemas.microsoft.com/office/2006/metadata/properties" xmlns:xsi="http://www.w3.org/2001/XMLSchema-instance" xmlns:pc="http://schemas.microsoft.com/office/infopath/2007/PartnerControls">
+  <documentManagement>
+    <Background xmlns="71af3243-3dd4-4a8d-8c0d-dd76da1f02a5">false</Background>
+    <Status xmlns="71af3243-3dd4-4a8d-8c0d-dd76da1f02a5">Not started</Status>
+    <_ip_UnifiedCompliancePolicyUIAction xmlns="http://schemas.microsoft.com/sharepoint/v3" xsi:nil="true"/>
+    <Image xmlns="71af3243-3dd4-4a8d-8c0d-dd76da1f02a5">
+      <Url xsi:nil="true"/>
+      <Description xsi:nil="true"/>
+    </Image>
+    <_ip_UnifiedCompliancePolicyProperties xmlns="http://schemas.microsoft.com/sharepoint/v3" xsi:nil="true"/>
+    <ImageTagsTaxHTField xmlns="71af3243-3dd4-4a8d-8c0d-dd76da1f02a5">
+      <Terms xmlns="http://schemas.microsoft.com/office/infopath/2007/PartnerControls"/>
+    </ImageTagsTaxHTField>
+    <TaxCatchAll xmlns="230e9df3-be65-4c73-a93b-d1236ebd677e" xsi:nil="true"/>
+    <MediaServiceKeyPoints xmlns="71af3243-3dd4-4a8d-8c0d-dd76da1f02a5" xsi:nil="true"/>
+  </documentManagement>
+</p:properties>
 </file>
 
-<file path=customXml/itemProps2.xml><?xml version="1.0" encoding="utf-8"?>
-<ds:datastoreItem xmlns:ds="http://schemas.openxmlformats.org/officeDocument/2006/customXml" ds:itemID="{C21FFAC0-05A2-416A-B06C-C248395482CF}">
-  <ds:schemaRefs>
-    <ds:schemaRef ds:uri="http://schemas.microsoft.com/sharepoint/v3/contenttype/forms"/>
-  </ds:schemaRefs>
-</ds:datastoreItem>
+<file path=customXml/item3.xml><?xml version="1.0" encoding="utf-8"?>
+<?mso-contentType ?>
+<FormTemplates xmlns="http://schemas.microsoft.com/sharepoint/v3/contenttype/forms">
+  <Display>DocumentLibraryForm</Display>
+  <Edit>DocumentLibraryForm</Edit>
+  <New>DocumentLibraryForm</New>
+</FormTemplates>
 </file>
 
-<file path=customXml/itemProps3.xml><?xml version="1.0" encoding="utf-8"?>
+<file path=customXml/itemProps1.xml><?xml version="1.0" encoding="utf-8"?>
 <ds:datastoreItem xmlns:ds="http://schemas.openxmlformats.org/officeDocument/2006/customXml" ds:itemID="{92DB9E12-8AC3-4138-BF4D-720A5525AB10}">
   <ds:schemaRefs>
     <ds:schemaRef ds:uri="http://schemas.microsoft.com/office/2006/metadata/contentType"/>
@@ -15327,6 +15418,26 @@
 </ds:datastoreItem>
 </file>
 
+<file path=customXml/itemProps2.xml><?xml version="1.0" encoding="utf-8"?>
+<ds:datastoreItem xmlns:ds="http://schemas.openxmlformats.org/officeDocument/2006/customXml" ds:itemID="{4F4B194E-8B30-4377-8C59-ECFB902D2A26}">
+  <ds:schemaRefs>
+    <ds:schemaRef ds:uri="http://schemas.microsoft.com/office/2006/metadata/properties"/>
+    <ds:schemaRef ds:uri="http://schemas.microsoft.com/office/infopath/2007/PartnerControls"/>
+    <ds:schemaRef ds:uri="71af3243-3dd4-4a8d-8c0d-dd76da1f02a5"/>
+    <ds:schemaRef ds:uri="http://schemas.microsoft.com/sharepoint/v3"/>
+    <ds:schemaRef ds:uri="230e9df3-be65-4c73-a93b-d1236ebd677e"/>
+  </ds:schemaRefs>
+</ds:datastoreItem>
+</file>
+
+<file path=customXml/itemProps3.xml><?xml version="1.0" encoding="utf-8"?>
+<ds:datastoreItem xmlns:ds="http://schemas.openxmlformats.org/officeDocument/2006/customXml" ds:itemID="{C21FFAC0-05A2-416A-B06C-C248395482CF}">
+  <ds:schemaRefs>
+    <ds:schemaRef ds:uri="http://schemas.microsoft.com/sharepoint/v3/contenttype/forms"/>
+  </ds:schemaRefs>
+</ds:datastoreItem>
+</file>
+
 <file path=docMetadata/LabelInfo.xml><?xml version="1.0" encoding="utf-8"?>
 <clbl:labelList xmlns:clbl="http://schemas.microsoft.com/office/2020/mipLabelMetadata"/>
 </file>
--- a/C++.pptx
+++ b/C++.pptx
@@ -5,10 +5,10 @@
     <p:sldMasterId id="2147483658" r:id="rId4"/>
   </p:sldMasterIdLst>
   <p:notesMasterIdLst>
-    <p:notesMasterId r:id="rId47"/>
+    <p:notesMasterId r:id="rId63"/>
   </p:notesMasterIdLst>
   <p:handoutMasterIdLst>
-    <p:handoutMasterId r:id="rId48"/>
+    <p:handoutMasterId r:id="rId64"/>
   </p:handoutMasterIdLst>
   <p:sldIdLst>
     <p:sldId id="410" r:id="rId5"/>
@@ -40,19 +40,35 @@
     <p:sldId id="435" r:id="rId31"/>
     <p:sldId id="436" r:id="rId32"/>
     <p:sldId id="437" r:id="rId33"/>
-    <p:sldId id="438" r:id="rId34"/>
-    <p:sldId id="439" r:id="rId35"/>
-    <p:sldId id="440" r:id="rId36"/>
-    <p:sldId id="441" r:id="rId37"/>
-    <p:sldId id="442" r:id="rId38"/>
-    <p:sldId id="443" r:id="rId39"/>
-    <p:sldId id="444" r:id="rId40"/>
-    <p:sldId id="445" r:id="rId41"/>
-    <p:sldId id="446" r:id="rId42"/>
-    <p:sldId id="447" r:id="rId43"/>
-    <p:sldId id="448" r:id="rId44"/>
-    <p:sldId id="449" r:id="rId45"/>
-    <p:sldId id="398" r:id="rId46"/>
+    <p:sldId id="451" r:id="rId34"/>
+    <p:sldId id="452" r:id="rId35"/>
+    <p:sldId id="438" r:id="rId36"/>
+    <p:sldId id="439" r:id="rId37"/>
+    <p:sldId id="440" r:id="rId38"/>
+    <p:sldId id="441" r:id="rId39"/>
+    <p:sldId id="442" r:id="rId40"/>
+    <p:sldId id="443" r:id="rId41"/>
+    <p:sldId id="444" r:id="rId42"/>
+    <p:sldId id="445" r:id="rId43"/>
+    <p:sldId id="446" r:id="rId44"/>
+    <p:sldId id="447" r:id="rId45"/>
+    <p:sldId id="448" r:id="rId46"/>
+    <p:sldId id="449" r:id="rId47"/>
+    <p:sldId id="453" r:id="rId48"/>
+    <p:sldId id="454" r:id="rId49"/>
+    <p:sldId id="455" r:id="rId50"/>
+    <p:sldId id="456" r:id="rId51"/>
+    <p:sldId id="457" r:id="rId52"/>
+    <p:sldId id="458" r:id="rId53"/>
+    <p:sldId id="459" r:id="rId54"/>
+    <p:sldId id="460" r:id="rId55"/>
+    <p:sldId id="461" r:id="rId56"/>
+    <p:sldId id="462" r:id="rId57"/>
+    <p:sldId id="463" r:id="rId58"/>
+    <p:sldId id="464" r:id="rId59"/>
+    <p:sldId id="465" r:id="rId60"/>
+    <p:sldId id="466" r:id="rId61"/>
+    <p:sldId id="398" r:id="rId62"/>
   </p:sldIdLst>
   <p:sldSz cx="12192000" cy="6858000"/>
   <p:notesSz cx="6858000" cy="9144000"/>
@@ -861,7 +877,7 @@
           <a:p>
             <a:fld id="{A89C7E07-3C67-C64C-8DA0-0404F6303970}" type="slidenum">
               <a:rPr lang="en-US" smtClean="0"/>
-              <a:t>42</a:t>
+              <a:t>58</a:t>
             </a:fld>
             <a:endParaRPr lang="en-US" dirty="0"/>
           </a:p>
@@ -12023,7 +12039,7 @@
           <p:cNvPr id="2" name="Title 1">
             <a:extLst>
               <a:ext uri="{FF2B5EF4-FFF2-40B4-BE49-F238E27FC236}">
-                <a16:creationId xmlns:a16="http://schemas.microsoft.com/office/drawing/2014/main" id="{79516D4B-91B6-7CEF-1F49-A8E91DE7FD97}"/>
+                <a16:creationId xmlns:a16="http://schemas.microsoft.com/office/drawing/2014/main" id="{19CA98E4-6270-FC55-1415-17E30777CEF0}"/>
               </a:ext>
             </a:extLst>
           </p:cNvPr>
@@ -12041,7 +12057,7 @@
           <a:p>
             <a:r>
               <a:rPr lang="en-US" dirty="0"/>
-              <a:t>Need for Inheritance</a:t>
+              <a:t>Copy constructor and overloaded assignment operator</a:t>
             </a:r>
           </a:p>
         </p:txBody>
@@ -12051,7 +12067,7 @@
           <p:cNvPr id="3" name="Table Placeholder 2">
             <a:extLst>
               <a:ext uri="{FF2B5EF4-FFF2-40B4-BE49-F238E27FC236}">
-                <a16:creationId xmlns:a16="http://schemas.microsoft.com/office/drawing/2014/main" id="{F3F3DAEE-DC65-7F57-25D4-B33E53E4F91D}"/>
+                <a16:creationId xmlns:a16="http://schemas.microsoft.com/office/drawing/2014/main" id="{7BB93F7E-A2D8-D251-BA94-BCDA396A7D1B}"/>
               </a:ext>
             </a:extLst>
           </p:cNvPr>
@@ -12069,56 +12085,99 @@
           <a:p>
             <a:r>
               <a:rPr lang="en-US" dirty="0"/>
-              <a:t>Hierarchy creation</a:t>
+              <a:t>Copy constructor is used when</a:t>
             </a:r>
           </a:p>
           <a:p>
             <a:pPr lvl="1"/>
             <a:r>
               <a:rPr lang="en-US" dirty="0"/>
-              <a:t>Generalization</a:t>
+              <a:t>We have an existing object.</a:t>
             </a:r>
           </a:p>
           <a:p>
             <a:pPr lvl="1"/>
             <a:r>
               <a:rPr lang="en-US" dirty="0"/>
-              <a:t>Runtime polymorphism.</a:t>
-            </a:r>
-          </a:p>
-          <a:p>
-            <a:r>
-              <a:rPr lang="en-US" dirty="0"/>
-              <a:t>Terminologies</a:t>
+              <a:t>A new object is being created based on the existing object.</a:t>
             </a:r>
           </a:p>
           <a:p>
             <a:pPr lvl="1"/>
             <a:r>
               <a:rPr lang="en-US" dirty="0"/>
-              <a:t>Base class</a:t>
+              <a:t>Example passing object to a function by value.</a:t>
+            </a:r>
+          </a:p>
+          <a:p>
+            <a:pPr lvl="2"/>
+            <a:r>
+              <a:rPr lang="en-US" dirty="0"/>
+              <a:t>Example f1(m1) here m1 is a </a:t>
+            </a:r>
+            <a:r>
+              <a:rPr lang="en-US" dirty="0" err="1"/>
+              <a:t>MedicalDevice</a:t>
+            </a:r>
+            <a:r>
+              <a:rPr lang="en-US" dirty="0"/>
+              <a:t> object  and assuming f1 input argument is not a reference type,  or another case is </a:t>
+            </a:r>
+            <a:r>
+              <a:rPr lang="en-US" dirty="0" err="1"/>
+              <a:t>MedicalDevice</a:t>
+            </a:r>
+            <a:r>
+              <a:rPr lang="en-US" dirty="0"/>
+              <a:t> m2=m1;, here m1 is existing object and m2 is new object on which the copy constructor is invoked.</a:t>
+            </a:r>
+          </a:p>
+          <a:p>
+            <a:r>
+              <a:rPr lang="en-US" dirty="0"/>
+              <a:t>Overloaded assignment operator is used when</a:t>
             </a:r>
           </a:p>
           <a:p>
             <a:pPr lvl="1"/>
             <a:r>
               <a:rPr lang="en-US" dirty="0"/>
-              <a:t>Derived Class</a:t>
-            </a:r>
-          </a:p>
-          <a:p>
-            <a:pPr lvl="1"/>
-            <a:r>
-              <a:rPr lang="en-US" dirty="0"/>
-              <a:t>Immediate Base class, Immediate Derived class.</a:t>
-            </a:r>
+              <a:t>We already have two existing objects. Example m1 and m2 are objects of </a:t>
+            </a:r>
+            <a:r>
+              <a:rPr lang="en-US" dirty="0" err="1"/>
+              <a:t>Medicaldevice</a:t>
+            </a:r>
+            <a:r>
+              <a:rPr lang="en-US" dirty="0"/>
+              <a:t> and we are trying to </a:t>
+            </a:r>
+            <a:r>
+              <a:rPr lang="en-US" dirty="0" err="1"/>
+              <a:t>assing</a:t>
+            </a:r>
+            <a:r>
+              <a:rPr lang="en-US" dirty="0"/>
+              <a:t> one with the other</a:t>
+            </a:r>
+          </a:p>
+          <a:p>
+            <a:pPr lvl="2"/>
+            <a:r>
+              <a:rPr lang="en-US" dirty="0"/>
+              <a:t>M1 =m2</a:t>
+            </a:r>
+          </a:p>
+          <a:p>
+            <a:pPr lvl="2"/>
+            <a:endParaRPr lang="en-US" dirty="0"/>
           </a:p>
         </p:txBody>
       </p:sp>
     </p:spTree>
     <p:extLst>
       <p:ext uri="{BB962C8B-B14F-4D97-AF65-F5344CB8AC3E}">
-        <p14:creationId xmlns:p14="http://schemas.microsoft.com/office/powerpoint/2010/main" val="1367400194"/>
+        <p14:creationId xmlns:p14="http://schemas.microsoft.com/office/powerpoint/2010/main" val="3325693415"/>
       </p:ext>
     </p:extLst>
   </p:cSld>
@@ -12150,7 +12209,7 @@
           <p:cNvPr id="2" name="Title 1">
             <a:extLst>
               <a:ext uri="{FF2B5EF4-FFF2-40B4-BE49-F238E27FC236}">
-                <a16:creationId xmlns:a16="http://schemas.microsoft.com/office/drawing/2014/main" id="{6FA9FEB7-01E7-D262-E572-2E57BF57CBE7}"/>
+                <a16:creationId xmlns:a16="http://schemas.microsoft.com/office/drawing/2014/main" id="{E5E76938-B6D4-E779-686E-980F7BC2DC26}"/>
               </a:ext>
             </a:extLst>
           </p:cNvPr>
@@ -12167,8 +12226,12 @@
           <a:lstStyle/>
           <a:p>
             <a:r>
-              <a:rPr lang="en-US" dirty="0"/>
-              <a:t>Inheritance</a:t>
+              <a:rPr lang="en-US" dirty="0" err="1"/>
+              <a:t>Behaviour</a:t>
+            </a:r>
+            <a:r>
+              <a:rPr lang="en-US" dirty="0"/>
+              <a:t> of copy constructor</a:t>
             </a:r>
           </a:p>
         </p:txBody>
@@ -12178,7 +12241,7 @@
           <p:cNvPr id="3" name="Table Placeholder 2">
             <a:extLst>
               <a:ext uri="{FF2B5EF4-FFF2-40B4-BE49-F238E27FC236}">
-                <a16:creationId xmlns:a16="http://schemas.microsoft.com/office/drawing/2014/main" id="{E09665D7-37D1-A7AF-5BDF-81E6C731B06D}"/>
+                <a16:creationId xmlns:a16="http://schemas.microsoft.com/office/drawing/2014/main" id="{6F2FAAB9-3D31-56B4-5CB2-B4186CD288F2}"/>
               </a:ext>
             </a:extLst>
           </p:cNvPr>
@@ -12196,62 +12259,39 @@
           <a:p>
             <a:r>
               <a:rPr lang="en-US" dirty="0"/>
-              <a:t>Usually test it by writing  “is a “ between Derived class and Base class example, if we have base class as </a:t>
-            </a:r>
-            <a:r>
-              <a:rPr lang="en-US" dirty="0" err="1"/>
-              <a:t>MedicalDevice</a:t>
-            </a:r>
-            <a:r>
-              <a:rPr lang="en-US" dirty="0"/>
-              <a:t> and derived class as </a:t>
-            </a:r>
-            <a:r>
-              <a:rPr lang="en-US" dirty="0" err="1"/>
-              <a:t>DiagnosticDevice</a:t>
-            </a:r>
-            <a:r>
-              <a:rPr lang="en-US" dirty="0"/>
-              <a:t>   , check “</a:t>
-            </a:r>
-            <a:r>
-              <a:rPr lang="en-US" dirty="0" err="1"/>
-              <a:t>DiagnosticDevice</a:t>
-            </a:r>
-            <a:r>
-              <a:rPr lang="en-US" dirty="0"/>
-              <a:t> is a </a:t>
-            </a:r>
-            <a:r>
-              <a:rPr lang="en-US" dirty="0" err="1"/>
-              <a:t>MedicalDEvice</a:t>
-            </a:r>
-            <a:r>
-              <a:rPr lang="en-US" dirty="0"/>
-              <a:t>”</a:t>
-            </a:r>
-          </a:p>
-          <a:p>
-            <a:r>
-              <a:rPr lang="en-US" dirty="0"/>
-              <a:t>We usually create objects of derived class.</a:t>
-            </a:r>
-          </a:p>
-          <a:p>
-            <a:r>
-              <a:rPr lang="en-US" dirty="0"/>
-              <a:t>Derived class object can access functions of base class and derived class</a:t>
-            </a:r>
-          </a:p>
-          <a:p>
-            <a:endParaRPr lang="en-US" dirty="0"/>
+              <a:t>Compiler given copy constructor works well when we don’t have any dynamic allocation in our Class </a:t>
+            </a:r>
+          </a:p>
+          <a:p>
+            <a:r>
+              <a:rPr lang="en-US" dirty="0"/>
+              <a:t>Same is the case for overloaded assignment operator.</a:t>
+            </a:r>
+          </a:p>
+          <a:p>
+            <a:r>
+              <a:rPr lang="en-US" dirty="0"/>
+              <a:t>In case we have dynamic allocation, then we need to write our own copy constructor or overloaded assignment operator </a:t>
+            </a:r>
+          </a:p>
+          <a:p>
+            <a:r>
+              <a:rPr lang="en-US" dirty="0"/>
+              <a:t>Look at the examples given in the file  a12constructoranddestructor.cpp</a:t>
+            </a:r>
+          </a:p>
+          <a:p>
+            <a:r>
+              <a:rPr lang="en-US" dirty="0"/>
+              <a:t>Look when the class has no dynamic allocation and when the class has got dynamic allocation.</a:t>
+            </a:r>
           </a:p>
         </p:txBody>
       </p:sp>
     </p:spTree>
     <p:extLst>
       <p:ext uri="{BB962C8B-B14F-4D97-AF65-F5344CB8AC3E}">
-        <p14:creationId xmlns:p14="http://schemas.microsoft.com/office/powerpoint/2010/main" val="2349661912"/>
+        <p14:creationId xmlns:p14="http://schemas.microsoft.com/office/powerpoint/2010/main" val="627749288"/>
       </p:ext>
     </p:extLst>
   </p:cSld>
@@ -12283,7 +12323,7 @@
           <p:cNvPr id="2" name="Title 1">
             <a:extLst>
               <a:ext uri="{FF2B5EF4-FFF2-40B4-BE49-F238E27FC236}">
-                <a16:creationId xmlns:a16="http://schemas.microsoft.com/office/drawing/2014/main" id="{FF8AD495-0B39-DF95-7E79-7846618B3A7E}"/>
+                <a16:creationId xmlns:a16="http://schemas.microsoft.com/office/drawing/2014/main" id="{79516D4B-91B6-7CEF-1F49-A8E91DE7FD97}"/>
               </a:ext>
             </a:extLst>
           </p:cNvPr>
@@ -12301,7 +12341,7 @@
           <a:p>
             <a:r>
               <a:rPr lang="en-US" dirty="0"/>
-              <a:t>Inheritance benefit 1</a:t>
+              <a:t>Need for Inheritance</a:t>
             </a:r>
           </a:p>
         </p:txBody>
@@ -12311,7 +12351,7 @@
           <p:cNvPr id="3" name="Table Placeholder 2">
             <a:extLst>
               <a:ext uri="{FF2B5EF4-FFF2-40B4-BE49-F238E27FC236}">
-                <a16:creationId xmlns:a16="http://schemas.microsoft.com/office/drawing/2014/main" id="{A3BAEB07-DBCA-ADA8-1C24-990791AD6A34}"/>
+                <a16:creationId xmlns:a16="http://schemas.microsoft.com/office/drawing/2014/main" id="{F3F3DAEE-DC65-7F57-25D4-B33E53E4F91D}"/>
               </a:ext>
             </a:extLst>
           </p:cNvPr>
@@ -12329,37 +12369,56 @@
           <a:p>
             <a:r>
               <a:rPr lang="en-US" dirty="0"/>
-              <a:t>Add a feature to the base class</a:t>
-            </a:r>
-          </a:p>
-          <a:p>
-            <a:r>
-              <a:rPr lang="en-US" dirty="0"/>
-              <a:t>No need to make any changes in the derived class.</a:t>
-            </a:r>
-          </a:p>
-          <a:p>
-            <a:r>
-              <a:rPr lang="en-US" dirty="0"/>
-              <a:t>All objects of derived class now can access feature added in the base class </a:t>
-            </a:r>
-          </a:p>
-          <a:p>
-            <a:r>
-              <a:rPr lang="en-US" dirty="0"/>
-              <a:t>Look at a33inheritance.cpp</a:t>
+              <a:t>Hierarchy creation</a:t>
             </a:r>
           </a:p>
           <a:p>
             <a:pPr lvl="1"/>
-            <a:endParaRPr lang="en-US" dirty="0"/>
+            <a:r>
+              <a:rPr lang="en-US" dirty="0"/>
+              <a:t>Generalization</a:t>
+            </a:r>
+          </a:p>
+          <a:p>
+            <a:pPr lvl="1"/>
+            <a:r>
+              <a:rPr lang="en-US" dirty="0"/>
+              <a:t>Runtime polymorphism.</a:t>
+            </a:r>
+          </a:p>
+          <a:p>
+            <a:r>
+              <a:rPr lang="en-US" dirty="0"/>
+              <a:t>Terminologies</a:t>
+            </a:r>
+          </a:p>
+          <a:p>
+            <a:pPr lvl="1"/>
+            <a:r>
+              <a:rPr lang="en-US" dirty="0"/>
+              <a:t>Base class</a:t>
+            </a:r>
+          </a:p>
+          <a:p>
+            <a:pPr lvl="1"/>
+            <a:r>
+              <a:rPr lang="en-US" dirty="0"/>
+              <a:t>Derived Class</a:t>
+            </a:r>
+          </a:p>
+          <a:p>
+            <a:pPr lvl="1"/>
+            <a:r>
+              <a:rPr lang="en-US" dirty="0"/>
+              <a:t>Immediate Base class, Immediate Derived class.</a:t>
+            </a:r>
           </a:p>
         </p:txBody>
       </p:sp>
     </p:spTree>
     <p:extLst>
       <p:ext uri="{BB962C8B-B14F-4D97-AF65-F5344CB8AC3E}">
-        <p14:creationId xmlns:p14="http://schemas.microsoft.com/office/powerpoint/2010/main" val="3520001741"/>
+        <p14:creationId xmlns:p14="http://schemas.microsoft.com/office/powerpoint/2010/main" val="1367400194"/>
       </p:ext>
     </p:extLst>
   </p:cSld>
@@ -12391,7 +12450,7 @@
           <p:cNvPr id="2" name="Title 1">
             <a:extLst>
               <a:ext uri="{FF2B5EF4-FFF2-40B4-BE49-F238E27FC236}">
-                <a16:creationId xmlns:a16="http://schemas.microsoft.com/office/drawing/2014/main" id="{9DE8D980-6A01-45D9-9560-0F9C4385E4F8}"/>
+                <a16:creationId xmlns:a16="http://schemas.microsoft.com/office/drawing/2014/main" id="{6FA9FEB7-01E7-D262-E572-2E57BF57CBE7}"/>
               </a:ext>
             </a:extLst>
           </p:cNvPr>
@@ -12409,7 +12468,7 @@
           <a:p>
             <a:r>
               <a:rPr lang="en-US" dirty="0"/>
-              <a:t>Inheritance benefit 2</a:t>
+              <a:t>Inheritance</a:t>
             </a:r>
           </a:p>
         </p:txBody>
@@ -12419,7 +12478,7 @@
           <p:cNvPr id="3" name="Table Placeholder 2">
             <a:extLst>
               <a:ext uri="{FF2B5EF4-FFF2-40B4-BE49-F238E27FC236}">
-                <a16:creationId xmlns:a16="http://schemas.microsoft.com/office/drawing/2014/main" id="{56990725-0458-6BB5-C5EA-DFF411AFA2C7}"/>
+                <a16:creationId xmlns:a16="http://schemas.microsoft.com/office/drawing/2014/main" id="{E09665D7-37D1-A7AF-5BDF-81E6C731B06D}"/>
               </a:ext>
             </a:extLst>
           </p:cNvPr>
@@ -12437,62 +12496,62 @@
           <a:p>
             <a:r>
               <a:rPr lang="en-US" dirty="0"/>
-              <a:t>Runtime Polymorphism.</a:t>
-            </a:r>
-          </a:p>
-          <a:p>
-            <a:pPr lvl="1"/>
+              <a:t>Usually test it by writing  “is a “ between Derived class and Base class example, if we have base class as </a:t>
+            </a:r>
             <a:r>
               <a:rPr lang="en-US" dirty="0" err="1"/>
-              <a:t>Behaviour</a:t>
-            </a:r>
-            <a:r>
-              <a:rPr lang="en-US" dirty="0"/>
-              <a:t> depending on context, example when we say copy in Windows operating system, meaning of copy will change depending on whether you are in notepad, calculator or file explorer.</a:t>
-            </a:r>
-          </a:p>
-          <a:p>
-            <a:pPr lvl="1"/>
-            <a:r>
-              <a:rPr lang="en-US" dirty="0"/>
-              <a:t>Copy in notepad copies text</a:t>
-            </a:r>
-          </a:p>
-          <a:p>
-            <a:pPr lvl="1"/>
-            <a:r>
-              <a:rPr lang="en-US" dirty="0"/>
-              <a:t>Copy in calculator copies result</a:t>
-            </a:r>
-          </a:p>
-          <a:p>
-            <a:pPr lvl="1"/>
-            <a:r>
-              <a:rPr lang="en-US" dirty="0"/>
-              <a:t>Copy in file explorer copies file.</a:t>
-            </a:r>
-          </a:p>
-          <a:p>
-            <a:pPr lvl="1"/>
-            <a:r>
-              <a:rPr lang="en-US" dirty="0"/>
-              <a:t>Implementation possible because of overriding + </a:t>
+              <a:t>MedicalDevice</a:t>
+            </a:r>
+            <a:r>
+              <a:rPr lang="en-US" dirty="0"/>
+              <a:t> and derived class as </a:t>
             </a:r>
             <a:r>
               <a:rPr lang="en-US" dirty="0" err="1"/>
-              <a:t>substitutablity</a:t>
-            </a:r>
-            <a:r>
-              <a:rPr lang="en-US" dirty="0"/>
-              <a:t> </a:t>
-            </a:r>
+              <a:t>DiagnosticDevice</a:t>
+            </a:r>
+            <a:r>
+              <a:rPr lang="en-US" dirty="0"/>
+              <a:t>   , check “</a:t>
+            </a:r>
+            <a:r>
+              <a:rPr lang="en-US" dirty="0" err="1"/>
+              <a:t>DiagnosticDevice</a:t>
+            </a:r>
+            <a:r>
+              <a:rPr lang="en-US" dirty="0"/>
+              <a:t> is a </a:t>
+            </a:r>
+            <a:r>
+              <a:rPr lang="en-US" dirty="0" err="1"/>
+              <a:t>MedicalDEvice</a:t>
+            </a:r>
+            <a:r>
+              <a:rPr lang="en-US" dirty="0"/>
+              <a:t>”</a:t>
+            </a:r>
+          </a:p>
+          <a:p>
+            <a:r>
+              <a:rPr lang="en-US" dirty="0"/>
+              <a:t>We usually create objects of derived class.</a:t>
+            </a:r>
+          </a:p>
+          <a:p>
+            <a:r>
+              <a:rPr lang="en-US" dirty="0"/>
+              <a:t>Derived class object can access functions of base class and derived class</a:t>
+            </a:r>
+          </a:p>
+          <a:p>
+            <a:endParaRPr lang="en-US" dirty="0"/>
           </a:p>
         </p:txBody>
       </p:sp>
     </p:spTree>
     <p:extLst>
       <p:ext uri="{BB962C8B-B14F-4D97-AF65-F5344CB8AC3E}">
-        <p14:creationId xmlns:p14="http://schemas.microsoft.com/office/powerpoint/2010/main" val="1620764332"/>
+        <p14:creationId xmlns:p14="http://schemas.microsoft.com/office/powerpoint/2010/main" val="2349661912"/>
       </p:ext>
     </p:extLst>
   </p:cSld>
@@ -12524,7 +12583,7 @@
           <p:cNvPr id="2" name="Title 1">
             <a:extLst>
               <a:ext uri="{FF2B5EF4-FFF2-40B4-BE49-F238E27FC236}">
-                <a16:creationId xmlns:a16="http://schemas.microsoft.com/office/drawing/2014/main" id="{DE6BB008-4595-153D-9425-C9EA9F1C1E11}"/>
+                <a16:creationId xmlns:a16="http://schemas.microsoft.com/office/drawing/2014/main" id="{FF8AD495-0B39-DF95-7E79-7846618B3A7E}"/>
               </a:ext>
             </a:extLst>
           </p:cNvPr>
@@ -12542,7 +12601,7 @@
           <a:p>
             <a:r>
               <a:rPr lang="en-US" dirty="0"/>
-              <a:t>Overriding</a:t>
+              <a:t>Inheritance benefit 1</a:t>
             </a:r>
           </a:p>
         </p:txBody>
@@ -12552,7 +12611,7 @@
           <p:cNvPr id="3" name="Table Placeholder 2">
             <a:extLst>
               <a:ext uri="{FF2B5EF4-FFF2-40B4-BE49-F238E27FC236}">
-                <a16:creationId xmlns:a16="http://schemas.microsoft.com/office/drawing/2014/main" id="{2C7FF021-4A75-67DA-2647-704D348A72EE}"/>
+                <a16:creationId xmlns:a16="http://schemas.microsoft.com/office/drawing/2014/main" id="{A3BAEB07-DBCA-ADA8-1C24-990791AD6A34}"/>
               </a:ext>
             </a:extLst>
           </p:cNvPr>
@@ -12570,39 +12629,37 @@
           <a:p>
             <a:r>
               <a:rPr lang="en-US" dirty="0"/>
-              <a:t>Function of base class is not acceptable to derived class object</a:t>
-            </a:r>
-          </a:p>
-          <a:p>
-            <a:r>
-              <a:rPr lang="en-US" dirty="0"/>
-              <a:t>Base class owner also feels that this function needs adaptation according to different derived classes</a:t>
-            </a:r>
-          </a:p>
-          <a:p>
-            <a:r>
-              <a:rPr lang="en-US" dirty="0"/>
-              <a:t>So base class owner makes the function as virtual.</a:t>
-            </a:r>
-          </a:p>
-          <a:p>
-            <a:r>
-              <a:rPr lang="en-US" dirty="0"/>
-              <a:t>Derived class writes the same function with new definition.</a:t>
-            </a:r>
-          </a:p>
-          <a:p>
-            <a:r>
-              <a:rPr lang="en-US" dirty="0"/>
-              <a:t>Typically Derived class object will now not be able to access the base class function.</a:t>
-            </a:r>
+              <a:t>Add a feature to the base class</a:t>
+            </a:r>
+          </a:p>
+          <a:p>
+            <a:r>
+              <a:rPr lang="en-US" dirty="0"/>
+              <a:t>No need to make any changes in the derived class.</a:t>
+            </a:r>
+          </a:p>
+          <a:p>
+            <a:r>
+              <a:rPr lang="en-US" dirty="0"/>
+              <a:t>All objects of derived class now can access feature added in the base class </a:t>
+            </a:r>
+          </a:p>
+          <a:p>
+            <a:r>
+              <a:rPr lang="en-US" dirty="0"/>
+              <a:t>Look at a33inheritance.cpp</a:t>
+            </a:r>
+          </a:p>
+          <a:p>
+            <a:pPr lvl="1"/>
+            <a:endParaRPr lang="en-US" dirty="0"/>
           </a:p>
         </p:txBody>
       </p:sp>
     </p:spTree>
     <p:extLst>
       <p:ext uri="{BB962C8B-B14F-4D97-AF65-F5344CB8AC3E}">
-        <p14:creationId xmlns:p14="http://schemas.microsoft.com/office/powerpoint/2010/main" val="877763790"/>
+        <p14:creationId xmlns:p14="http://schemas.microsoft.com/office/powerpoint/2010/main" val="3520001741"/>
       </p:ext>
     </p:extLst>
   </p:cSld>
@@ -12634,7 +12691,7 @@
           <p:cNvPr id="2" name="Title 1">
             <a:extLst>
               <a:ext uri="{FF2B5EF4-FFF2-40B4-BE49-F238E27FC236}">
-                <a16:creationId xmlns:a16="http://schemas.microsoft.com/office/drawing/2014/main" id="{4774BF51-2010-8240-8FA0-AD38947F564E}"/>
+                <a16:creationId xmlns:a16="http://schemas.microsoft.com/office/drawing/2014/main" id="{9DE8D980-6A01-45D9-9560-0F9C4385E4F8}"/>
               </a:ext>
             </a:extLst>
           </p:cNvPr>
@@ -12652,7 +12709,7 @@
           <a:p>
             <a:r>
               <a:rPr lang="en-US" dirty="0"/>
-              <a:t>Substitutability</a:t>
+              <a:t>Inheritance benefit 2</a:t>
             </a:r>
           </a:p>
         </p:txBody>
@@ -12662,7 +12719,7 @@
           <p:cNvPr id="3" name="Table Placeholder 2">
             <a:extLst>
               <a:ext uri="{FF2B5EF4-FFF2-40B4-BE49-F238E27FC236}">
-                <a16:creationId xmlns:a16="http://schemas.microsoft.com/office/drawing/2014/main" id="{649068D1-7CC0-2E6F-1E57-8CAA64D72905}"/>
+                <a16:creationId xmlns:a16="http://schemas.microsoft.com/office/drawing/2014/main" id="{56990725-0458-6BB5-C5EA-DFF411AFA2C7}"/>
               </a:ext>
             </a:extLst>
           </p:cNvPr>
@@ -12680,91 +12737,54 @@
           <a:p>
             <a:r>
               <a:rPr lang="en-US" dirty="0"/>
-              <a:t>Base class pointer can be assigned with any object of the hierarchy</a:t>
-            </a:r>
-          </a:p>
-          <a:p>
-            <a:r>
-              <a:rPr lang="en-US" dirty="0"/>
-              <a:t>Base class </a:t>
-            </a:r>
+              <a:t>Runtime Polymorphism.</a:t>
+            </a:r>
+          </a:p>
+          <a:p>
+            <a:pPr lvl="1"/>
             <a:r>
               <a:rPr lang="en-US" dirty="0" err="1"/>
-              <a:t>ptr</a:t>
-            </a:r>
-            <a:r>
-              <a:rPr lang="en-US" dirty="0"/>
-              <a:t> =new </a:t>
+              <a:t>Behaviour</a:t>
+            </a:r>
+            <a:r>
+              <a:rPr lang="en-US" dirty="0"/>
+              <a:t> depending on context, example when we say copy in Windows operating system, meaning of copy will change depending on whether you are in notepad, calculator or file explorer.</a:t>
+            </a:r>
+          </a:p>
+          <a:p>
+            <a:pPr lvl="1"/>
+            <a:r>
+              <a:rPr lang="en-US" dirty="0"/>
+              <a:t>Copy in notepad copies text</a:t>
+            </a:r>
+          </a:p>
+          <a:p>
+            <a:pPr lvl="1"/>
+            <a:r>
+              <a:rPr lang="en-US" dirty="0"/>
+              <a:t>Copy in calculator copies result</a:t>
+            </a:r>
+          </a:p>
+          <a:p>
+            <a:pPr lvl="1"/>
+            <a:r>
+              <a:rPr lang="en-US" dirty="0"/>
+              <a:t>Copy in file explorer copies file.</a:t>
+            </a:r>
+          </a:p>
+          <a:p>
+            <a:pPr lvl="1"/>
+            <a:r>
+              <a:rPr lang="en-US" dirty="0"/>
+              <a:t>Implementation possible because of overriding + </a:t>
             </a:r>
             <a:r>
               <a:rPr lang="en-US" dirty="0" err="1"/>
-              <a:t>DerivedclassObject</a:t>
-            </a:r>
-            <a:r>
-              <a:rPr lang="en-US" dirty="0"/>
-              <a:t>, possible.</a:t>
-            </a:r>
-          </a:p>
-          <a:p>
-            <a:r>
-              <a:rPr lang="en-US" dirty="0"/>
-              <a:t>Suppose we have </a:t>
-            </a:r>
-            <a:r>
-              <a:rPr lang="en-US" dirty="0" err="1"/>
-              <a:t>MedicalDevice</a:t>
-            </a:r>
-            <a:r>
-              <a:rPr lang="en-US" dirty="0"/>
-              <a:t>, </a:t>
-            </a:r>
-            <a:r>
-              <a:rPr lang="en-US" dirty="0" err="1"/>
-              <a:t>TherupeticDevice</a:t>
-            </a:r>
-            <a:r>
-              <a:rPr lang="en-US" dirty="0"/>
-              <a:t> and </a:t>
-            </a:r>
-            <a:r>
-              <a:rPr lang="en-US" dirty="0" err="1"/>
-              <a:t>DiagnosticDevice</a:t>
-            </a:r>
-            <a:r>
-              <a:rPr lang="en-US" dirty="0"/>
-              <a:t>, as derived classes, it is possible to </a:t>
-            </a:r>
-            <a:r>
-              <a:rPr lang="en-US" dirty="0" err="1"/>
-              <a:t>assing</a:t>
-            </a:r>
-            <a:r>
-              <a:rPr lang="en-US" dirty="0"/>
-              <a:t>  </a:t>
-            </a:r>
-            <a:r>
-              <a:rPr lang="en-US" dirty="0" err="1"/>
-              <a:t>MedicalDevice</a:t>
-            </a:r>
-            <a:r>
-              <a:rPr lang="en-US" dirty="0"/>
-              <a:t> *x =new </a:t>
-            </a:r>
-            <a:r>
-              <a:rPr lang="en-US" dirty="0" err="1"/>
-              <a:t>TherupeticDevice</a:t>
-            </a:r>
-            <a:r>
-              <a:rPr lang="en-US" dirty="0"/>
-              <a:t> or new </a:t>
-            </a:r>
-            <a:r>
-              <a:rPr lang="en-US" dirty="0" err="1"/>
-              <a:t>DiagnosticDevice</a:t>
-            </a:r>
-            <a:r>
-              <a:rPr lang="en-US" dirty="0"/>
-              <a:t>                       </a:t>
+              <a:t>substitutablity</a:t>
+            </a:r>
+            <a:r>
+              <a:rPr lang="en-US" dirty="0"/>
+              <a:t> </a:t>
             </a:r>
           </a:p>
         </p:txBody>
@@ -12772,7 +12792,7 @@
     </p:spTree>
     <p:extLst>
       <p:ext uri="{BB962C8B-B14F-4D97-AF65-F5344CB8AC3E}">
-        <p14:creationId xmlns:p14="http://schemas.microsoft.com/office/powerpoint/2010/main" val="872138406"/>
+        <p14:creationId xmlns:p14="http://schemas.microsoft.com/office/powerpoint/2010/main" val="1620764332"/>
       </p:ext>
     </p:extLst>
   </p:cSld>
@@ -12804,7 +12824,7 @@
           <p:cNvPr id="2" name="Title 1">
             <a:extLst>
               <a:ext uri="{FF2B5EF4-FFF2-40B4-BE49-F238E27FC236}">
-                <a16:creationId xmlns:a16="http://schemas.microsoft.com/office/drawing/2014/main" id="{AA750999-3A0B-A488-3336-1ECE8B4B9CB8}"/>
+                <a16:creationId xmlns:a16="http://schemas.microsoft.com/office/drawing/2014/main" id="{DE6BB008-4595-153D-9425-C9EA9F1C1E11}"/>
               </a:ext>
             </a:extLst>
           </p:cNvPr>
@@ -12822,7 +12842,7 @@
           <a:p>
             <a:r>
               <a:rPr lang="en-US" dirty="0"/>
-              <a:t>Runtime polymorphism is </a:t>
+              <a:t>Overriding</a:t>
             </a:r>
           </a:p>
         </p:txBody>
@@ -12832,7 +12852,7 @@
           <p:cNvPr id="3" name="Table Placeholder 2">
             <a:extLst>
               <a:ext uri="{FF2B5EF4-FFF2-40B4-BE49-F238E27FC236}">
-                <a16:creationId xmlns:a16="http://schemas.microsoft.com/office/drawing/2014/main" id="{47982EFF-DF49-0EDD-4120-A6D19E2F03AF}"/>
+                <a16:creationId xmlns:a16="http://schemas.microsoft.com/office/drawing/2014/main" id="{2C7FF021-4A75-67DA-2647-704D348A72EE}"/>
               </a:ext>
             </a:extLst>
           </p:cNvPr>
@@ -12850,26 +12870,31 @@
           <a:p>
             <a:r>
               <a:rPr lang="en-US" dirty="0"/>
-              <a:t>Virtual function or overridden function call</a:t>
-            </a:r>
-          </a:p>
-          <a:p>
-            <a:r>
-              <a:rPr lang="en-US" dirty="0"/>
-              <a:t>By using base class pointer.</a:t>
-            </a:r>
-          </a:p>
-          <a:p>
-            <a:r>
-              <a:rPr lang="en-US" dirty="0"/>
-              <a:t>Which function gets called depends on which object is assigned to my base class pointer.</a:t>
-            </a:r>
-          </a:p>
-          <a:p>
-            <a:pPr lvl="1"/>
-            <a:r>
-              <a:rPr lang="en-US" dirty="0"/>
-              <a:t>Look at a33inheritance.cpp</a:t>
+              <a:t>Function of base class is not acceptable to derived class object</a:t>
+            </a:r>
+          </a:p>
+          <a:p>
+            <a:r>
+              <a:rPr lang="en-US" dirty="0"/>
+              <a:t>Base class owner also feels that this function needs adaptation according to different derived classes</a:t>
+            </a:r>
+          </a:p>
+          <a:p>
+            <a:r>
+              <a:rPr lang="en-US" dirty="0"/>
+              <a:t>So base class owner makes the function as virtual.</a:t>
+            </a:r>
+          </a:p>
+          <a:p>
+            <a:r>
+              <a:rPr lang="en-US" dirty="0"/>
+              <a:t>Derived class writes the same function with new definition.</a:t>
+            </a:r>
+          </a:p>
+          <a:p>
+            <a:r>
+              <a:rPr lang="en-US" dirty="0"/>
+              <a:t>Typically Derived class object will now not be able to access the base class function.</a:t>
             </a:r>
           </a:p>
         </p:txBody>
@@ -12877,7 +12902,7 @@
     </p:spTree>
     <p:extLst>
       <p:ext uri="{BB962C8B-B14F-4D97-AF65-F5344CB8AC3E}">
-        <p14:creationId xmlns:p14="http://schemas.microsoft.com/office/powerpoint/2010/main" val="3009447903"/>
+        <p14:creationId xmlns:p14="http://schemas.microsoft.com/office/powerpoint/2010/main" val="877763790"/>
       </p:ext>
     </p:extLst>
   </p:cSld>
@@ -12909,7 +12934,7 @@
           <p:cNvPr id="2" name="Title 1">
             <a:extLst>
               <a:ext uri="{FF2B5EF4-FFF2-40B4-BE49-F238E27FC236}">
-                <a16:creationId xmlns:a16="http://schemas.microsoft.com/office/drawing/2014/main" id="{D6A12F97-3C7D-B373-9416-B6E422CA559D}"/>
+                <a16:creationId xmlns:a16="http://schemas.microsoft.com/office/drawing/2014/main" id="{4774BF51-2010-8240-8FA0-AD38947F564E}"/>
               </a:ext>
             </a:extLst>
           </p:cNvPr>
@@ -12927,13 +12952,8 @@
           <a:p>
             <a:r>
               <a:rPr lang="en-US" dirty="0"/>
-              <a:t>RTTI  -- </a:t>
-            </a:r>
-            <a:r>
-              <a:rPr lang="en-US" dirty="0" err="1"/>
-              <a:t>DynamicCast</a:t>
-            </a:r>
-            <a:endParaRPr lang="en-US" dirty="0"/>
+              <a:t>Substitutability</a:t>
+            </a:r>
           </a:p>
         </p:txBody>
       </p:sp>
@@ -12942,7 +12962,7 @@
           <p:cNvPr id="3" name="Table Placeholder 2">
             <a:extLst>
               <a:ext uri="{FF2B5EF4-FFF2-40B4-BE49-F238E27FC236}">
-                <a16:creationId xmlns:a16="http://schemas.microsoft.com/office/drawing/2014/main" id="{3A1105B6-698F-8EB0-D0D7-C84A75FA636D}"/>
+                <a16:creationId xmlns:a16="http://schemas.microsoft.com/office/drawing/2014/main" id="{649068D1-7CC0-2E6F-1E57-8CAA64D72905}"/>
               </a:ext>
             </a:extLst>
           </p:cNvPr>
@@ -12958,67 +12978,101 @@
           <a:bodyPr/>
           <a:lstStyle/>
           <a:p>
-            <a:pPr marL="457200" indent="-457200"/>
-            <a:r>
-              <a:rPr lang="en-US" dirty="0"/>
-              <a:t>During runtime polymorphism we have a base class pointer</a:t>
-            </a:r>
-          </a:p>
-          <a:p>
-            <a:pPr marL="457200" indent="-457200"/>
-            <a:r>
-              <a:rPr lang="en-US" dirty="0"/>
-              <a:t>Using this we cannot call exclusive functions of the derived class.</a:t>
-            </a:r>
-          </a:p>
-          <a:p>
-            <a:pPr marL="457200" indent="-457200"/>
-            <a:r>
-              <a:rPr lang="en-US" dirty="0"/>
-              <a:t>Need to typecast base pointer to derived class pointer.</a:t>
-            </a:r>
-          </a:p>
-          <a:p>
-            <a:pPr marL="457200" indent="-457200"/>
-            <a:r>
-              <a:rPr lang="en-US" dirty="0"/>
-              <a:t>But we don’t know what type of object base class pointer points to hence need to check.</a:t>
-            </a:r>
-          </a:p>
-          <a:p>
-            <a:pPr marL="457200" indent="-457200"/>
-            <a:r>
-              <a:rPr lang="en-US" dirty="0"/>
-              <a:t>Doing this is called RTTI, mechanism is </a:t>
+            <a:r>
+              <a:rPr lang="en-US" dirty="0"/>
+              <a:t>Base class pointer can be assigned with any object of the hierarchy</a:t>
+            </a:r>
+          </a:p>
+          <a:p>
+            <a:r>
+              <a:rPr lang="en-US" dirty="0"/>
+              <a:t>Base class </a:t>
             </a:r>
             <a:r>
               <a:rPr lang="en-US" dirty="0" err="1"/>
-              <a:t>dynamic_cast</a:t>
-            </a:r>
-            <a:r>
-              <a:rPr lang="en-US" dirty="0"/>
-              <a:t> in c++</a:t>
-            </a:r>
-          </a:p>
-          <a:p>
-            <a:pPr marL="457200" indent="-457200"/>
-            <a:r>
-              <a:rPr lang="en-US" dirty="0"/>
-              <a:t>Look at a33inheritance.cpp</a:t>
-            </a:r>
-          </a:p>
-          <a:p>
-            <a:pPr marL="0" indent="0">
-              <a:buNone/>
-            </a:pPr>
-            <a:endParaRPr lang="en-US" dirty="0"/>
+              <a:t>ptr</a:t>
+            </a:r>
+            <a:r>
+              <a:rPr lang="en-US" dirty="0"/>
+              <a:t> =new </a:t>
+            </a:r>
+            <a:r>
+              <a:rPr lang="en-US" dirty="0" err="1"/>
+              <a:t>DerivedclassObject</a:t>
+            </a:r>
+            <a:r>
+              <a:rPr lang="en-US" dirty="0"/>
+              <a:t>, possible.</a:t>
+            </a:r>
+          </a:p>
+          <a:p>
+            <a:r>
+              <a:rPr lang="en-US" dirty="0"/>
+              <a:t>Suppose we have </a:t>
+            </a:r>
+            <a:r>
+              <a:rPr lang="en-US" dirty="0" err="1"/>
+              <a:t>MedicalDevice</a:t>
+            </a:r>
+            <a:r>
+              <a:rPr lang="en-US" dirty="0"/>
+              <a:t>, </a:t>
+            </a:r>
+            <a:r>
+              <a:rPr lang="en-US" dirty="0" err="1"/>
+              <a:t>TherupeticDevice</a:t>
+            </a:r>
+            <a:r>
+              <a:rPr lang="en-US" dirty="0"/>
+              <a:t> and </a:t>
+            </a:r>
+            <a:r>
+              <a:rPr lang="en-US" dirty="0" err="1"/>
+              <a:t>DiagnosticDevice</a:t>
+            </a:r>
+            <a:r>
+              <a:rPr lang="en-US" dirty="0"/>
+              <a:t>, as derived classes, it is possible to </a:t>
+            </a:r>
+            <a:r>
+              <a:rPr lang="en-US" dirty="0" err="1"/>
+              <a:t>assing</a:t>
+            </a:r>
+            <a:r>
+              <a:rPr lang="en-US" dirty="0"/>
+              <a:t>  </a:t>
+            </a:r>
+            <a:r>
+              <a:rPr lang="en-US" dirty="0" err="1"/>
+              <a:t>MedicalDevice</a:t>
+            </a:r>
+            <a:r>
+              <a:rPr lang="en-US" dirty="0"/>
+              <a:t> *x =new </a:t>
+            </a:r>
+            <a:r>
+              <a:rPr lang="en-US" dirty="0" err="1"/>
+              <a:t>TherupeticDevice</a:t>
+            </a:r>
+            <a:r>
+              <a:rPr lang="en-US" dirty="0"/>
+              <a:t> or new </a:t>
+            </a:r>
+            <a:r>
+              <a:rPr lang="en-US" dirty="0" err="1"/>
+              <a:t>DiagnosticDevice</a:t>
+            </a:r>
+            <a:r>
+              <a:rPr lang="en-US" dirty="0"/>
+              <a:t>                       </a:t>
+            </a:r>
           </a:p>
         </p:txBody>
       </p:sp>
     </p:spTree>
     <p:extLst>
       <p:ext uri="{BB962C8B-B14F-4D97-AF65-F5344CB8AC3E}">
-        <p14:creationId xmlns:p14="http://schemas.microsoft.com/office/powerpoint/2010/main" val="1029407423"/>
+        <p14:creationId xmlns:p14="http://schemas.microsoft.com/office/powerpoint/2010/main" val="872138406"/>
       </p:ext>
     </p:extLst>
   </p:cSld>
@@ -13050,7 +13104,7 @@
           <p:cNvPr id="2" name="Title 1">
             <a:extLst>
               <a:ext uri="{FF2B5EF4-FFF2-40B4-BE49-F238E27FC236}">
-                <a16:creationId xmlns:a16="http://schemas.microsoft.com/office/drawing/2014/main" id="{0517AC65-BF03-C9E9-B9E1-A81782EF9A20}"/>
+                <a16:creationId xmlns:a16="http://schemas.microsoft.com/office/drawing/2014/main" id="{AA750999-3A0B-A488-3336-1ECE8B4B9CB8}"/>
               </a:ext>
             </a:extLst>
           </p:cNvPr>
@@ -13068,7 +13122,7 @@
           <a:p>
             <a:r>
               <a:rPr lang="en-US" dirty="0"/>
-              <a:t>Functions in inheritance</a:t>
+              <a:t>Runtime polymorphism is </a:t>
             </a:r>
           </a:p>
         </p:txBody>
@@ -13078,7 +13132,7 @@
           <p:cNvPr id="3" name="Table Placeholder 2">
             <a:extLst>
               <a:ext uri="{FF2B5EF4-FFF2-40B4-BE49-F238E27FC236}">
-                <a16:creationId xmlns:a16="http://schemas.microsoft.com/office/drawing/2014/main" id="{E3250942-2BCD-E68B-E4AD-3B42859DCE0D}"/>
+                <a16:creationId xmlns:a16="http://schemas.microsoft.com/office/drawing/2014/main" id="{47982EFF-DF49-0EDD-4120-A6D19E2F03AF}"/>
               </a:ext>
             </a:extLst>
           </p:cNvPr>
@@ -13096,40 +13150,26 @@
           <a:p>
             <a:r>
               <a:rPr lang="en-US" dirty="0"/>
-              <a:t>Non virtual function</a:t>
+              <a:t>Virtual function or overridden function call</a:t>
+            </a:r>
+          </a:p>
+          <a:p>
+            <a:r>
+              <a:rPr lang="en-US" dirty="0"/>
+              <a:t>By using base class pointer.</a:t>
+            </a:r>
+          </a:p>
+          <a:p>
+            <a:r>
+              <a:rPr lang="en-US" dirty="0"/>
+              <a:t>Which function gets called depends on which object is assigned to my base class pointer.</a:t>
             </a:r>
           </a:p>
           <a:p>
             <a:pPr lvl="1"/>
             <a:r>
               <a:rPr lang="en-US" dirty="0"/>
-              <a:t>Should not be overridden</a:t>
-            </a:r>
-          </a:p>
-          <a:p>
-            <a:r>
-              <a:rPr lang="en-US" dirty="0"/>
-              <a:t>Virtual function</a:t>
-            </a:r>
-          </a:p>
-          <a:p>
-            <a:pPr lvl="1"/>
-            <a:r>
-              <a:rPr lang="en-US" dirty="0"/>
-              <a:t>May be overridden</a:t>
-            </a:r>
-          </a:p>
-          <a:p>
-            <a:r>
-              <a:rPr lang="en-US" dirty="0"/>
-              <a:t>Pure virtual function</a:t>
-            </a:r>
-          </a:p>
-          <a:p>
-            <a:pPr lvl="1"/>
-            <a:r>
-              <a:rPr lang="en-US" dirty="0"/>
-              <a:t>Must be overridden</a:t>
+              <a:t>Look at a33inheritance.cpp</a:t>
             </a:r>
           </a:p>
         </p:txBody>
@@ -13137,7 +13177,7 @@
     </p:spTree>
     <p:extLst>
       <p:ext uri="{BB962C8B-B14F-4D97-AF65-F5344CB8AC3E}">
-        <p14:creationId xmlns:p14="http://schemas.microsoft.com/office/powerpoint/2010/main" val="788232516"/>
+        <p14:creationId xmlns:p14="http://schemas.microsoft.com/office/powerpoint/2010/main" val="3009447903"/>
       </p:ext>
     </p:extLst>
   </p:cSld>
@@ -13169,7 +13209,7 @@
           <p:cNvPr id="2" name="Title 1">
             <a:extLst>
               <a:ext uri="{FF2B5EF4-FFF2-40B4-BE49-F238E27FC236}">
-                <a16:creationId xmlns:a16="http://schemas.microsoft.com/office/drawing/2014/main" id="{43F8485B-34E3-B0AB-D718-400CFFCFC22A}"/>
+                <a16:creationId xmlns:a16="http://schemas.microsoft.com/office/drawing/2014/main" id="{D6A12F97-3C7D-B373-9416-B6E422CA559D}"/>
               </a:ext>
             </a:extLst>
           </p:cNvPr>
@@ -13187,16 +13227,13 @@
           <a:p>
             <a:r>
               <a:rPr lang="en-US" dirty="0"/>
-              <a:t>Constructor </a:t>
+              <a:t>RTTI  -- </a:t>
             </a:r>
             <a:r>
               <a:rPr lang="en-US" dirty="0" err="1"/>
-              <a:t>behaviour</a:t>
-            </a:r>
-            <a:r>
-              <a:rPr lang="en-US" dirty="0"/>
-              <a:t> during inheritance</a:t>
-            </a:r>
+              <a:t>DynamicCast</a:t>
+            </a:r>
+            <a:endParaRPr lang="en-US" dirty="0"/>
           </a:p>
         </p:txBody>
       </p:sp>
@@ -13205,7 +13242,7 @@
           <p:cNvPr id="3" name="Table Placeholder 2">
             <a:extLst>
               <a:ext uri="{FF2B5EF4-FFF2-40B4-BE49-F238E27FC236}">
-                <a16:creationId xmlns:a16="http://schemas.microsoft.com/office/drawing/2014/main" id="{3DD6128D-4358-7AC1-070F-4C1A69D2C806}"/>
+                <a16:creationId xmlns:a16="http://schemas.microsoft.com/office/drawing/2014/main" id="{3A1105B6-698F-8EB0-D0D7-C84A75FA636D}"/>
               </a:ext>
             </a:extLst>
           </p:cNvPr>
@@ -13221,46 +13258,67 @@
           <a:bodyPr/>
           <a:lstStyle/>
           <a:p>
-            <a:r>
-              <a:rPr lang="en-US" dirty="0"/>
-              <a:t>Derived class object is getting created then</a:t>
-            </a:r>
-          </a:p>
-          <a:p>
-            <a:pPr lvl="1"/>
-            <a:r>
-              <a:rPr lang="en-US" dirty="0"/>
-              <a:t>Call of base class constructor</a:t>
-            </a:r>
-          </a:p>
-          <a:p>
-            <a:pPr lvl="1"/>
-            <a:r>
-              <a:rPr lang="en-US" dirty="0"/>
-              <a:t>Call of derived class constructor</a:t>
-            </a:r>
-          </a:p>
-          <a:p>
-            <a:pPr lvl="1"/>
-            <a:r>
-              <a:rPr lang="en-US" dirty="0"/>
-              <a:t>If the base class has got some parametrized constructor we need to call it </a:t>
+            <a:pPr marL="457200" indent="-457200"/>
+            <a:r>
+              <a:rPr lang="en-US" dirty="0"/>
+              <a:t>During runtime polymorphism we have a base class pointer</a:t>
+            </a:r>
+          </a:p>
+          <a:p>
+            <a:pPr marL="457200" indent="-457200"/>
+            <a:r>
+              <a:rPr lang="en-US" dirty="0"/>
+              <a:t>Using this we cannot call exclusive functions of the derived class.</a:t>
+            </a:r>
+          </a:p>
+          <a:p>
+            <a:pPr marL="457200" indent="-457200"/>
+            <a:r>
+              <a:rPr lang="en-US" dirty="0"/>
+              <a:t>Need to typecast base pointer to derived class pointer.</a:t>
+            </a:r>
+          </a:p>
+          <a:p>
+            <a:pPr marL="457200" indent="-457200"/>
+            <a:r>
+              <a:rPr lang="en-US" dirty="0"/>
+              <a:t>But we don’t know what type of object base class pointer points to hence need to check.</a:t>
+            </a:r>
+          </a:p>
+          <a:p>
+            <a:pPr marL="457200" indent="-457200"/>
+            <a:r>
+              <a:rPr lang="en-US" dirty="0"/>
+              <a:t>Doing this is called RTTI, mechanism is </a:t>
             </a:r>
             <a:r>
               <a:rPr lang="en-US" dirty="0" err="1"/>
-              <a:t>explicity</a:t>
-            </a:r>
-            <a:r>
-              <a:rPr lang="en-US" dirty="0"/>
-              <a:t> in the derived class constructor.</a:t>
-            </a:r>
+              <a:t>dynamic_cast</a:t>
+            </a:r>
+            <a:r>
+              <a:rPr lang="en-US" dirty="0"/>
+              <a:t> in c++</a:t>
+            </a:r>
+          </a:p>
+          <a:p>
+            <a:pPr marL="457200" indent="-457200"/>
+            <a:r>
+              <a:rPr lang="en-US" dirty="0"/>
+              <a:t>Look at a33inheritance.cpp</a:t>
+            </a:r>
+          </a:p>
+          <a:p>
+            <a:pPr marL="0" indent="0">
+              <a:buNone/>
+            </a:pPr>
+            <a:endParaRPr lang="en-US" dirty="0"/>
           </a:p>
         </p:txBody>
       </p:sp>
     </p:spTree>
     <p:extLst>
       <p:ext uri="{BB962C8B-B14F-4D97-AF65-F5344CB8AC3E}">
-        <p14:creationId xmlns:p14="http://schemas.microsoft.com/office/powerpoint/2010/main" val="2919546028"/>
+        <p14:creationId xmlns:p14="http://schemas.microsoft.com/office/powerpoint/2010/main" val="1029407423"/>
       </p:ext>
     </p:extLst>
   </p:cSld>
@@ -13390,7 +13448,7 @@
           <p:cNvPr id="2" name="Title 1">
             <a:extLst>
               <a:ext uri="{FF2B5EF4-FFF2-40B4-BE49-F238E27FC236}">
-                <a16:creationId xmlns:a16="http://schemas.microsoft.com/office/drawing/2014/main" id="{DC29B955-C0B2-7D24-10E0-5DC4875D3F1F}"/>
+                <a16:creationId xmlns:a16="http://schemas.microsoft.com/office/drawing/2014/main" id="{0517AC65-BF03-C9E9-B9E1-A81782EF9A20}"/>
               </a:ext>
             </a:extLst>
           </p:cNvPr>
@@ -13408,13 +13466,8 @@
           <a:p>
             <a:r>
               <a:rPr lang="en-US" dirty="0"/>
-              <a:t>Destructor </a:t>
-            </a:r>
-            <a:r>
-              <a:rPr lang="en-US" dirty="0" err="1"/>
-              <a:t>behaviour</a:t>
-            </a:r>
-            <a:endParaRPr lang="en-US" dirty="0"/>
+              <a:t>Functions in inheritance</a:t>
+            </a:r>
           </a:p>
         </p:txBody>
       </p:sp>
@@ -13423,7 +13476,7 @@
           <p:cNvPr id="3" name="Table Placeholder 2">
             <a:extLst>
               <a:ext uri="{FF2B5EF4-FFF2-40B4-BE49-F238E27FC236}">
-                <a16:creationId xmlns:a16="http://schemas.microsoft.com/office/drawing/2014/main" id="{9D0B5359-09ED-15FE-436B-5E94E3F61693}"/>
+                <a16:creationId xmlns:a16="http://schemas.microsoft.com/office/drawing/2014/main" id="{E3250942-2BCD-E68B-E4AD-3B42859DCE0D}"/>
               </a:ext>
             </a:extLst>
           </p:cNvPr>
@@ -13441,35 +13494,40 @@
           <a:p>
             <a:r>
               <a:rPr lang="en-US" dirty="0"/>
-              <a:t>When derived class object is removed from memory</a:t>
+              <a:t>Non virtual function</a:t>
             </a:r>
           </a:p>
           <a:p>
             <a:pPr lvl="1"/>
             <a:r>
               <a:rPr lang="en-US" dirty="0"/>
-              <a:t>Destructor of derived class</a:t>
+              <a:t>Should not be overridden</a:t>
+            </a:r>
+          </a:p>
+          <a:p>
+            <a:r>
+              <a:rPr lang="en-US" dirty="0"/>
+              <a:t>Virtual function</a:t>
             </a:r>
           </a:p>
           <a:p>
             <a:pPr lvl="1"/>
             <a:r>
               <a:rPr lang="en-US" dirty="0"/>
-              <a:t>Destructor of base class.</a:t>
+              <a:t>May be overridden</a:t>
+            </a:r>
+          </a:p>
+          <a:p>
+            <a:r>
+              <a:rPr lang="en-US" dirty="0"/>
+              <a:t>Pure virtual function</a:t>
             </a:r>
           </a:p>
           <a:p>
             <a:pPr lvl="1"/>
             <a:r>
               <a:rPr lang="en-US" dirty="0"/>
-              <a:t>If your pointer is of type base class, during runtime polymorphism</a:t>
-            </a:r>
-          </a:p>
-          <a:p>
-            <a:pPr lvl="2"/>
-            <a:r>
-              <a:rPr lang="en-US" dirty="0"/>
-              <a:t>Ensure base class destructor is made virtual, else derived class destructor will not get called.</a:t>
+              <a:t>Must be overridden</a:t>
             </a:r>
           </a:p>
         </p:txBody>
@@ -13477,7 +13535,7 @@
     </p:spTree>
     <p:extLst>
       <p:ext uri="{BB962C8B-B14F-4D97-AF65-F5344CB8AC3E}">
-        <p14:creationId xmlns:p14="http://schemas.microsoft.com/office/powerpoint/2010/main" val="196415511"/>
+        <p14:creationId xmlns:p14="http://schemas.microsoft.com/office/powerpoint/2010/main" val="788232516"/>
       </p:ext>
     </p:extLst>
   </p:cSld>
@@ -13509,7 +13567,7 @@
           <p:cNvPr id="2" name="Title 1">
             <a:extLst>
               <a:ext uri="{FF2B5EF4-FFF2-40B4-BE49-F238E27FC236}">
-                <a16:creationId xmlns:a16="http://schemas.microsoft.com/office/drawing/2014/main" id="{49948647-5005-473A-A255-EB0CB3F2BD2B}"/>
+                <a16:creationId xmlns:a16="http://schemas.microsoft.com/office/drawing/2014/main" id="{43F8485B-34E3-B0AB-D718-400CFFCFC22A}"/>
               </a:ext>
             </a:extLst>
           </p:cNvPr>
@@ -13527,7 +13585,15 @@
           <a:p>
             <a:r>
               <a:rPr lang="en-US" dirty="0"/>
-              <a:t>Templates</a:t>
+              <a:t>Constructor </a:t>
+            </a:r>
+            <a:r>
+              <a:rPr lang="en-US" dirty="0" err="1"/>
+              <a:t>behaviour</a:t>
+            </a:r>
+            <a:r>
+              <a:rPr lang="en-US" dirty="0"/>
+              <a:t> during inheritance</a:t>
             </a:r>
           </a:p>
         </p:txBody>
@@ -13537,7 +13603,7 @@
           <p:cNvPr id="3" name="Table Placeholder 2">
             <a:extLst>
               <a:ext uri="{FF2B5EF4-FFF2-40B4-BE49-F238E27FC236}">
-                <a16:creationId xmlns:a16="http://schemas.microsoft.com/office/drawing/2014/main" id="{7BE43C08-0328-AE2F-EBCD-A68DA7843C5B}"/>
+                <a16:creationId xmlns:a16="http://schemas.microsoft.com/office/drawing/2014/main" id="{3DD6128D-4358-7AC1-070F-4C1A69D2C806}"/>
               </a:ext>
             </a:extLst>
           </p:cNvPr>
@@ -13555,28 +13621,36 @@
           <a:p>
             <a:r>
               <a:rPr lang="en-US" dirty="0"/>
-              <a:t>Data type independent way of writing classes or functions.</a:t>
+              <a:t>Derived class object is getting created then</a:t>
             </a:r>
           </a:p>
           <a:p>
             <a:pPr lvl="1"/>
             <a:r>
               <a:rPr lang="en-US" dirty="0"/>
-              <a:t>Template function or class is created</a:t>
+              <a:t>Call of base class constructor</a:t>
             </a:r>
           </a:p>
           <a:p>
             <a:pPr lvl="1"/>
             <a:r>
               <a:rPr lang="en-US" dirty="0"/>
-              <a:t>While using them, we call it as template initialization.</a:t>
+              <a:t>Call of derived class constructor</a:t>
             </a:r>
           </a:p>
           <a:p>
             <a:pPr lvl="1"/>
             <a:r>
               <a:rPr lang="en-US" dirty="0"/>
-              <a:t>Look at a39templateclass.cpp</a:t>
+              <a:t>If the base class has got some parametrized constructor we need to call it </a:t>
+            </a:r>
+            <a:r>
+              <a:rPr lang="en-US" dirty="0" err="1"/>
+              <a:t>explicity</a:t>
+            </a:r>
+            <a:r>
+              <a:rPr lang="en-US" dirty="0"/>
+              <a:t> in the derived class constructor.</a:t>
             </a:r>
           </a:p>
         </p:txBody>
@@ -13584,7 +13658,7 @@
     </p:spTree>
     <p:extLst>
       <p:ext uri="{BB962C8B-B14F-4D97-AF65-F5344CB8AC3E}">
-        <p14:creationId xmlns:p14="http://schemas.microsoft.com/office/powerpoint/2010/main" val="2975571640"/>
+        <p14:creationId xmlns:p14="http://schemas.microsoft.com/office/powerpoint/2010/main" val="2919546028"/>
       </p:ext>
     </p:extLst>
   </p:cSld>
@@ -13616,81 +13690,86 @@
           <p:cNvPr id="2" name="Title 1">
             <a:extLst>
               <a:ext uri="{FF2B5EF4-FFF2-40B4-BE49-F238E27FC236}">
-                <a16:creationId xmlns:a16="http://schemas.microsoft.com/office/drawing/2014/main" id="{F810C1B7-6E4E-3DEE-50C0-1CA3B14303EE}"/>
-              </a:ext>
-            </a:extLst>
-          </p:cNvPr>
-          <p:cNvSpPr>
-            <a:spLocks noGrp="1"/>
-          </p:cNvSpPr>
-          <p:nvPr>
-            <p:ph type="ctrTitle"/>
-          </p:nvPr>
-        </p:nvSpPr>
-        <p:spPr>
-          <a:xfrm>
-            <a:off x="594360" y="411479"/>
-            <a:ext cx="5486400" cy="3291840"/>
-          </a:xfrm>
-        </p:spPr>
+                <a16:creationId xmlns:a16="http://schemas.microsoft.com/office/drawing/2014/main" id="{DC29B955-C0B2-7D24-10E0-5DC4875D3F1F}"/>
+              </a:ext>
+            </a:extLst>
+          </p:cNvPr>
+          <p:cNvSpPr>
+            <a:spLocks noGrp="1"/>
+          </p:cNvSpPr>
+          <p:nvPr>
+            <p:ph type="title"/>
+          </p:nvPr>
+        </p:nvSpPr>
+        <p:spPr/>
         <p:txBody>
           <a:bodyPr/>
           <a:lstStyle/>
           <a:p>
             <a:r>
               <a:rPr lang="en-US" dirty="0"/>
-              <a:t>Thank you</a:t>
-            </a:r>
-          </a:p>
-        </p:txBody>
-      </p:sp>
-      <p:sp>
-        <p:nvSpPr>
-          <p:cNvPr id="3" name="Text Placeholder 2">
-            <a:extLst>
-              <a:ext uri="{FF2B5EF4-FFF2-40B4-BE49-F238E27FC236}">
-                <a16:creationId xmlns:a16="http://schemas.microsoft.com/office/drawing/2014/main" id="{8BE734F0-2DDD-AF70-F13D-F9E4C1929411}"/>
-              </a:ext>
-            </a:extLst>
-          </p:cNvPr>
-          <p:cNvSpPr>
-            <a:spLocks noGrp="1"/>
-          </p:cNvSpPr>
-          <p:nvPr>
-            <p:ph type="body" sz="quarter" idx="11"/>
-          </p:nvPr>
-        </p:nvSpPr>
-        <p:spPr>
-          <a:xfrm>
-            <a:off x="594360" y="4549552"/>
-            <a:ext cx="5486400" cy="1645920"/>
-          </a:xfrm>
-        </p:spPr>
+              <a:t>Destructor </a:t>
+            </a:r>
+            <a:r>
+              <a:rPr lang="en-US" dirty="0" err="1"/>
+              <a:t>behaviour</a:t>
+            </a:r>
+            <a:endParaRPr lang="en-US" dirty="0"/>
+          </a:p>
+        </p:txBody>
+      </p:sp>
+      <p:sp>
+        <p:nvSpPr>
+          <p:cNvPr id="3" name="Table Placeholder 2">
+            <a:extLst>
+              <a:ext uri="{FF2B5EF4-FFF2-40B4-BE49-F238E27FC236}">
+                <a16:creationId xmlns:a16="http://schemas.microsoft.com/office/drawing/2014/main" id="{9D0B5359-09ED-15FE-436B-5E94E3F61693}"/>
+              </a:ext>
+            </a:extLst>
+          </p:cNvPr>
+          <p:cNvSpPr>
+            <a:spLocks noGrp="1"/>
+          </p:cNvSpPr>
+          <p:nvPr>
+            <p:ph type="tbl" sz="quarter" idx="10"/>
+          </p:nvPr>
+        </p:nvSpPr>
+        <p:spPr/>
         <p:txBody>
           <a:bodyPr/>
           <a:lstStyle/>
           <a:p>
             <a:r>
               <a:rPr lang="en-US" dirty="0"/>
-              <a:t>Brita Tamm</a:t>
-            </a:r>
-          </a:p>
-          <a:p>
-            <a:r>
-              <a:rPr lang="en-US" dirty="0"/>
-              <a:t>502-555-0152</a:t>
-            </a:r>
-          </a:p>
-          <a:p>
-            <a:r>
-              <a:rPr lang="en-US" dirty="0"/>
-              <a:t>brita@firstupconsultants.com</a:t>
-            </a:r>
-          </a:p>
-          <a:p>
-            <a:r>
-              <a:rPr lang="en-US" dirty="0"/>
-              <a:t>www.firstupconsultants.com</a:t>
+              <a:t>When derived class object is removed from memory</a:t>
+            </a:r>
+          </a:p>
+          <a:p>
+            <a:pPr lvl="1"/>
+            <a:r>
+              <a:rPr lang="en-US" dirty="0"/>
+              <a:t>Destructor of derived class</a:t>
+            </a:r>
+          </a:p>
+          <a:p>
+            <a:pPr lvl="1"/>
+            <a:r>
+              <a:rPr lang="en-US" dirty="0"/>
+              <a:t>Destructor of base class.</a:t>
+            </a:r>
+          </a:p>
+          <a:p>
+            <a:pPr lvl="1"/>
+            <a:r>
+              <a:rPr lang="en-US" dirty="0"/>
+              <a:t>If your pointer is of type base class, during runtime polymorphism</a:t>
+            </a:r>
+          </a:p>
+          <a:p>
+            <a:pPr lvl="2"/>
+            <a:r>
+              <a:rPr lang="en-US" dirty="0"/>
+              <a:t>Ensure base class destructor is made virtual, else derived class destructor will not get called.</a:t>
             </a:r>
           </a:p>
         </p:txBody>
@@ -13698,7 +13777,846 @@
     </p:spTree>
     <p:extLst>
       <p:ext uri="{BB962C8B-B14F-4D97-AF65-F5344CB8AC3E}">
-        <p14:creationId xmlns:p14="http://schemas.microsoft.com/office/powerpoint/2010/main" val="4261132419"/>
+        <p14:creationId xmlns:p14="http://schemas.microsoft.com/office/powerpoint/2010/main" val="196415511"/>
+      </p:ext>
+    </p:extLst>
+  </p:cSld>
+  <p:clrMapOvr>
+    <a:masterClrMapping/>
+  </p:clrMapOvr>
+</p:sld>
+</file>
+
+<file path=ppt/slides/slide43.xml><?xml version="1.0" encoding="utf-8"?>
+<p:sld xmlns:a="http://schemas.openxmlformats.org/drawingml/2006/main" xmlns:r="http://schemas.openxmlformats.org/officeDocument/2006/relationships" xmlns:p="http://schemas.openxmlformats.org/presentationml/2006/main">
+  <p:cSld>
+    <p:spTree>
+      <p:nvGrpSpPr>
+        <p:cNvPr id="1" name=""/>
+        <p:cNvGrpSpPr/>
+        <p:nvPr/>
+      </p:nvGrpSpPr>
+      <p:grpSpPr>
+        <a:xfrm>
+          <a:off x="0" y="0"/>
+          <a:ext cx="0" cy="0"/>
+          <a:chOff x="0" y="0"/>
+          <a:chExt cx="0" cy="0"/>
+        </a:xfrm>
+      </p:grpSpPr>
+      <p:sp>
+        <p:nvSpPr>
+          <p:cNvPr id="2" name="Title 1">
+            <a:extLst>
+              <a:ext uri="{FF2B5EF4-FFF2-40B4-BE49-F238E27FC236}">
+                <a16:creationId xmlns:a16="http://schemas.microsoft.com/office/drawing/2014/main" id="{49948647-5005-473A-A255-EB0CB3F2BD2B}"/>
+              </a:ext>
+            </a:extLst>
+          </p:cNvPr>
+          <p:cNvSpPr>
+            <a:spLocks noGrp="1"/>
+          </p:cNvSpPr>
+          <p:nvPr>
+            <p:ph type="title"/>
+          </p:nvPr>
+        </p:nvSpPr>
+        <p:spPr/>
+        <p:txBody>
+          <a:bodyPr/>
+          <a:lstStyle/>
+          <a:p>
+            <a:r>
+              <a:rPr lang="en-US" dirty="0"/>
+              <a:t>Templates</a:t>
+            </a:r>
+          </a:p>
+        </p:txBody>
+      </p:sp>
+      <p:sp>
+        <p:nvSpPr>
+          <p:cNvPr id="3" name="Table Placeholder 2">
+            <a:extLst>
+              <a:ext uri="{FF2B5EF4-FFF2-40B4-BE49-F238E27FC236}">
+                <a16:creationId xmlns:a16="http://schemas.microsoft.com/office/drawing/2014/main" id="{7BE43C08-0328-AE2F-EBCD-A68DA7843C5B}"/>
+              </a:ext>
+            </a:extLst>
+          </p:cNvPr>
+          <p:cNvSpPr>
+            <a:spLocks noGrp="1"/>
+          </p:cNvSpPr>
+          <p:nvPr>
+            <p:ph type="tbl" sz="quarter" idx="10"/>
+          </p:nvPr>
+        </p:nvSpPr>
+        <p:spPr/>
+        <p:txBody>
+          <a:bodyPr/>
+          <a:lstStyle/>
+          <a:p>
+            <a:r>
+              <a:rPr lang="en-US" dirty="0"/>
+              <a:t>Data type independent way of writing classes or functions.</a:t>
+            </a:r>
+          </a:p>
+          <a:p>
+            <a:pPr lvl="1"/>
+            <a:r>
+              <a:rPr lang="en-US" dirty="0"/>
+              <a:t>Template function or class is created</a:t>
+            </a:r>
+          </a:p>
+          <a:p>
+            <a:pPr lvl="1"/>
+            <a:r>
+              <a:rPr lang="en-US" dirty="0"/>
+              <a:t>While using them, we call it as template initialization.</a:t>
+            </a:r>
+          </a:p>
+          <a:p>
+            <a:pPr lvl="1"/>
+            <a:r>
+              <a:rPr lang="en-US" dirty="0"/>
+              <a:t>Look at a39templateclass.cpp</a:t>
+            </a:r>
+          </a:p>
+        </p:txBody>
+      </p:sp>
+    </p:spTree>
+    <p:extLst>
+      <p:ext uri="{BB962C8B-B14F-4D97-AF65-F5344CB8AC3E}">
+        <p14:creationId xmlns:p14="http://schemas.microsoft.com/office/powerpoint/2010/main" val="2975571640"/>
+      </p:ext>
+    </p:extLst>
+  </p:cSld>
+  <p:clrMapOvr>
+    <a:masterClrMapping/>
+  </p:clrMapOvr>
+</p:sld>
+</file>
+
+<file path=ppt/slides/slide44.xml><?xml version="1.0" encoding="utf-8"?>
+<p:sld xmlns:a="http://schemas.openxmlformats.org/drawingml/2006/main" xmlns:r="http://schemas.openxmlformats.org/officeDocument/2006/relationships" xmlns:p="http://schemas.openxmlformats.org/presentationml/2006/main">
+  <p:cSld>
+    <p:spTree>
+      <p:nvGrpSpPr>
+        <p:cNvPr id="1" name=""/>
+        <p:cNvGrpSpPr/>
+        <p:nvPr/>
+      </p:nvGrpSpPr>
+      <p:grpSpPr>
+        <a:xfrm>
+          <a:off x="0" y="0"/>
+          <a:ext cx="0" cy="0"/>
+          <a:chOff x="0" y="0"/>
+          <a:chExt cx="0" cy="0"/>
+        </a:xfrm>
+      </p:grpSpPr>
+      <p:sp>
+        <p:nvSpPr>
+          <p:cNvPr id="2" name="Title 1">
+            <a:extLst>
+              <a:ext uri="{FF2B5EF4-FFF2-40B4-BE49-F238E27FC236}">
+                <a16:creationId xmlns:a16="http://schemas.microsoft.com/office/drawing/2014/main" id="{99E107EA-60A9-86F9-5730-AB03C0F93265}"/>
+              </a:ext>
+            </a:extLst>
+          </p:cNvPr>
+          <p:cNvSpPr>
+            <a:spLocks noGrp="1"/>
+          </p:cNvSpPr>
+          <p:nvPr>
+            <p:ph type="title"/>
+          </p:nvPr>
+        </p:nvSpPr>
+        <p:spPr/>
+        <p:txBody>
+          <a:bodyPr/>
+          <a:lstStyle/>
+          <a:p>
+            <a:r>
+              <a:rPr lang="en-US" dirty="0"/>
+              <a:t>Exception handling</a:t>
+            </a:r>
+          </a:p>
+        </p:txBody>
+      </p:sp>
+      <p:sp>
+        <p:nvSpPr>
+          <p:cNvPr id="3" name="Table Placeholder 2">
+            <a:extLst>
+              <a:ext uri="{FF2B5EF4-FFF2-40B4-BE49-F238E27FC236}">
+                <a16:creationId xmlns:a16="http://schemas.microsoft.com/office/drawing/2014/main" id="{F339E5D5-619D-4C64-654D-FC37B7B2DD3A}"/>
+              </a:ext>
+            </a:extLst>
+          </p:cNvPr>
+          <p:cNvSpPr>
+            <a:spLocks noGrp="1"/>
+          </p:cNvSpPr>
+          <p:nvPr>
+            <p:ph type="tbl" sz="quarter" idx="10"/>
+          </p:nvPr>
+        </p:nvSpPr>
+        <p:spPr/>
+        <p:txBody>
+          <a:bodyPr/>
+          <a:lstStyle/>
+          <a:p>
+            <a:r>
+              <a:rPr lang="en-US" dirty="0"/>
+              <a:t>Focus on the function.</a:t>
+            </a:r>
+          </a:p>
+          <a:p>
+            <a:r>
+              <a:rPr lang="en-US" dirty="0"/>
+              <a:t>Advantage is we have a block try, where normal flow of code executes.</a:t>
+            </a:r>
+          </a:p>
+          <a:p>
+            <a:r>
+              <a:rPr lang="en-US" dirty="0"/>
+              <a:t>We can catch block where error rectification flow happens.</a:t>
+            </a:r>
+          </a:p>
+          <a:p>
+            <a:r>
+              <a:rPr lang="en-US" dirty="0"/>
+              <a:t>Most important thing is to remember where the function where exception occurs do we know context or not.</a:t>
+            </a:r>
+          </a:p>
+          <a:p>
+            <a:pPr lvl="1"/>
+            <a:r>
+              <a:rPr lang="en-US" dirty="0"/>
+              <a:t>If we know context, then we can handle the problem and solve it.</a:t>
+            </a:r>
+          </a:p>
+          <a:p>
+            <a:pPr lvl="1"/>
+            <a:r>
+              <a:rPr lang="en-US" dirty="0"/>
+              <a:t>In case we don’t know context allow exception to propagate and allow the caller of the function to handle it.</a:t>
+            </a:r>
+          </a:p>
+        </p:txBody>
+      </p:sp>
+    </p:spTree>
+    <p:extLst>
+      <p:ext uri="{BB962C8B-B14F-4D97-AF65-F5344CB8AC3E}">
+        <p14:creationId xmlns:p14="http://schemas.microsoft.com/office/powerpoint/2010/main" val="3882764724"/>
+      </p:ext>
+    </p:extLst>
+  </p:cSld>
+  <p:clrMapOvr>
+    <a:masterClrMapping/>
+  </p:clrMapOvr>
+</p:sld>
+</file>
+
+<file path=ppt/slides/slide45.xml><?xml version="1.0" encoding="utf-8"?>
+<p:sld xmlns:a="http://schemas.openxmlformats.org/drawingml/2006/main" xmlns:r="http://schemas.openxmlformats.org/officeDocument/2006/relationships" xmlns:p="http://schemas.openxmlformats.org/presentationml/2006/main">
+  <p:cSld>
+    <p:spTree>
+      <p:nvGrpSpPr>
+        <p:cNvPr id="1" name=""/>
+        <p:cNvGrpSpPr/>
+        <p:nvPr/>
+      </p:nvGrpSpPr>
+      <p:grpSpPr>
+        <a:xfrm>
+          <a:off x="0" y="0"/>
+          <a:ext cx="0" cy="0"/>
+          <a:chOff x="0" y="0"/>
+          <a:chExt cx="0" cy="0"/>
+        </a:xfrm>
+      </p:grpSpPr>
+      <p:sp>
+        <p:nvSpPr>
+          <p:cNvPr id="2" name="Title 1">
+            <a:extLst>
+              <a:ext uri="{FF2B5EF4-FFF2-40B4-BE49-F238E27FC236}">
+                <a16:creationId xmlns:a16="http://schemas.microsoft.com/office/drawing/2014/main" id="{A71507BE-8AB0-EB23-F79F-7243CEF9A93C}"/>
+              </a:ext>
+            </a:extLst>
+          </p:cNvPr>
+          <p:cNvSpPr>
+            <a:spLocks noGrp="1"/>
+          </p:cNvSpPr>
+          <p:nvPr>
+            <p:ph type="title"/>
+          </p:nvPr>
+        </p:nvSpPr>
+        <p:spPr/>
+        <p:txBody>
+          <a:bodyPr/>
+          <a:lstStyle/>
+          <a:p>
+            <a:r>
+              <a:rPr lang="en-US" dirty="0"/>
+              <a:t>Exception handling </a:t>
+            </a:r>
+          </a:p>
+        </p:txBody>
+      </p:sp>
+      <p:sp>
+        <p:nvSpPr>
+          <p:cNvPr id="3" name="Table Placeholder 2">
+            <a:extLst>
+              <a:ext uri="{FF2B5EF4-FFF2-40B4-BE49-F238E27FC236}">
+                <a16:creationId xmlns:a16="http://schemas.microsoft.com/office/drawing/2014/main" id="{A102AAC3-57B7-BD3B-6867-759A4F30BAED}"/>
+              </a:ext>
+            </a:extLst>
+          </p:cNvPr>
+          <p:cNvSpPr>
+            <a:spLocks noGrp="1"/>
+          </p:cNvSpPr>
+          <p:nvPr>
+            <p:ph type="tbl" sz="quarter" idx="10"/>
+          </p:nvPr>
+        </p:nvSpPr>
+        <p:spPr/>
+        <p:txBody>
+          <a:bodyPr/>
+          <a:lstStyle/>
+          <a:p>
+            <a:r>
+              <a:rPr lang="en-US" dirty="0"/>
+              <a:t>Inside if some line is causing trouble an exception object is thrown</a:t>
+            </a:r>
+          </a:p>
+          <a:p>
+            <a:r>
+              <a:rPr lang="en-US" dirty="0"/>
+              <a:t>If our code is inside a try block then we can write a catch block where reference of the exception can be caught.</a:t>
+            </a:r>
+          </a:p>
+          <a:p>
+            <a:r>
+              <a:rPr lang="en-US" dirty="0"/>
+              <a:t>If we did not handle the exception, exception goes to the caller  of the function where that function  needs to decide what to do with the exception.</a:t>
+            </a:r>
+            <a:br>
+              <a:rPr lang="en-US" dirty="0"/>
+            </a:br>
+            <a:r>
+              <a:rPr lang="en-US" dirty="0"/>
+              <a:t>Look at a40exception.cpp</a:t>
+            </a:r>
+          </a:p>
+          <a:p>
+            <a:endParaRPr lang="en-US" dirty="0"/>
+          </a:p>
+        </p:txBody>
+      </p:sp>
+    </p:spTree>
+    <p:extLst>
+      <p:ext uri="{BB962C8B-B14F-4D97-AF65-F5344CB8AC3E}">
+        <p14:creationId xmlns:p14="http://schemas.microsoft.com/office/powerpoint/2010/main" val="631572781"/>
+      </p:ext>
+    </p:extLst>
+  </p:cSld>
+  <p:clrMapOvr>
+    <a:masterClrMapping/>
+  </p:clrMapOvr>
+</p:sld>
+</file>
+
+<file path=ppt/slides/slide46.xml><?xml version="1.0" encoding="utf-8"?>
+<p:sld xmlns:a="http://schemas.openxmlformats.org/drawingml/2006/main" xmlns:r="http://schemas.openxmlformats.org/officeDocument/2006/relationships" xmlns:p="http://schemas.openxmlformats.org/presentationml/2006/main">
+  <p:cSld>
+    <p:spTree>
+      <p:nvGrpSpPr>
+        <p:cNvPr id="1" name=""/>
+        <p:cNvGrpSpPr/>
+        <p:nvPr/>
+      </p:nvGrpSpPr>
+      <p:grpSpPr>
+        <a:xfrm>
+          <a:off x="0" y="0"/>
+          <a:ext cx="0" cy="0"/>
+          <a:chOff x="0" y="0"/>
+          <a:chExt cx="0" cy="0"/>
+        </a:xfrm>
+      </p:grpSpPr>
+      <p:sp>
+        <p:nvSpPr>
+          <p:cNvPr id="2" name="Title 1">
+            <a:extLst>
+              <a:ext uri="{FF2B5EF4-FFF2-40B4-BE49-F238E27FC236}">
+                <a16:creationId xmlns:a16="http://schemas.microsoft.com/office/drawing/2014/main" id="{E27161BB-B688-FD9E-63E1-5C23FFE373E8}"/>
+              </a:ext>
+            </a:extLst>
+          </p:cNvPr>
+          <p:cNvSpPr>
+            <a:spLocks noGrp="1"/>
+          </p:cNvSpPr>
+          <p:nvPr>
+            <p:ph type="title"/>
+          </p:nvPr>
+        </p:nvSpPr>
+        <p:spPr/>
+        <p:txBody>
+          <a:bodyPr/>
+          <a:lstStyle/>
+          <a:p>
+            <a:r>
+              <a:rPr lang="en-US" dirty="0"/>
+              <a:t>STL – standard template library</a:t>
+            </a:r>
+          </a:p>
+        </p:txBody>
+      </p:sp>
+      <p:sp>
+        <p:nvSpPr>
+          <p:cNvPr id="3" name="Table Placeholder 2">
+            <a:extLst>
+              <a:ext uri="{FF2B5EF4-FFF2-40B4-BE49-F238E27FC236}">
+                <a16:creationId xmlns:a16="http://schemas.microsoft.com/office/drawing/2014/main" id="{A178EAE3-2199-6555-14ED-0E941B82C104}"/>
+              </a:ext>
+            </a:extLst>
+          </p:cNvPr>
+          <p:cNvSpPr>
+            <a:spLocks noGrp="1"/>
+          </p:cNvSpPr>
+          <p:nvPr>
+            <p:ph type="tbl" sz="quarter" idx="10"/>
+          </p:nvPr>
+        </p:nvSpPr>
+        <p:spPr/>
+        <p:txBody>
+          <a:bodyPr/>
+          <a:lstStyle/>
+          <a:p>
+            <a:r>
+              <a:rPr lang="en-US" dirty="0"/>
+              <a:t>This is a datastructure and algorithm library</a:t>
+            </a:r>
+          </a:p>
+          <a:p>
+            <a:r>
+              <a:rPr lang="en-US" dirty="0"/>
+              <a:t>We get ready made </a:t>
+            </a:r>
+            <a:r>
+              <a:rPr lang="en-US" dirty="0" err="1"/>
+              <a:t>Datastructures</a:t>
+            </a:r>
+            <a:r>
+              <a:rPr lang="en-US" dirty="0"/>
+              <a:t> like Vector, Map </a:t>
+            </a:r>
+          </a:p>
+          <a:p>
+            <a:r>
+              <a:rPr lang="en-US" dirty="0"/>
+              <a:t>We get ready made algorithms like copy , find…</a:t>
+            </a:r>
+          </a:p>
+          <a:p>
+            <a:r>
+              <a:rPr lang="en-US" dirty="0"/>
+              <a:t>There are lot of other options than STL to consider in c++</a:t>
+            </a:r>
+          </a:p>
+          <a:p>
+            <a:r>
+              <a:rPr lang="en-US" dirty="0"/>
+              <a:t>See whether we know basics of </a:t>
+            </a:r>
+            <a:r>
+              <a:rPr lang="en-US" dirty="0" err="1"/>
+              <a:t>Datastructures</a:t>
+            </a:r>
+            <a:r>
+              <a:rPr lang="en-US" dirty="0"/>
+              <a:t> and use whichever library the project prefers.</a:t>
+            </a:r>
+          </a:p>
+        </p:txBody>
+      </p:sp>
+    </p:spTree>
+    <p:extLst>
+      <p:ext uri="{BB962C8B-B14F-4D97-AF65-F5344CB8AC3E}">
+        <p14:creationId xmlns:p14="http://schemas.microsoft.com/office/powerpoint/2010/main" val="3274851723"/>
+      </p:ext>
+    </p:extLst>
+  </p:cSld>
+  <p:clrMapOvr>
+    <a:masterClrMapping/>
+  </p:clrMapOvr>
+</p:sld>
+</file>
+
+<file path=ppt/slides/slide47.xml><?xml version="1.0" encoding="utf-8"?>
+<p:sld xmlns:a="http://schemas.openxmlformats.org/drawingml/2006/main" xmlns:r="http://schemas.openxmlformats.org/officeDocument/2006/relationships" xmlns:p="http://schemas.openxmlformats.org/presentationml/2006/main">
+  <p:cSld>
+    <p:spTree>
+      <p:nvGrpSpPr>
+        <p:cNvPr id="1" name=""/>
+        <p:cNvGrpSpPr/>
+        <p:nvPr/>
+      </p:nvGrpSpPr>
+      <p:grpSpPr>
+        <a:xfrm>
+          <a:off x="0" y="0"/>
+          <a:ext cx="0" cy="0"/>
+          <a:chOff x="0" y="0"/>
+          <a:chExt cx="0" cy="0"/>
+        </a:xfrm>
+      </p:grpSpPr>
+      <p:sp>
+        <p:nvSpPr>
+          <p:cNvPr id="2" name="Title 1">
+            <a:extLst>
+              <a:ext uri="{FF2B5EF4-FFF2-40B4-BE49-F238E27FC236}">
+                <a16:creationId xmlns:a16="http://schemas.microsoft.com/office/drawing/2014/main" id="{35EFDF22-BA9E-3775-523F-CE8BA37561A7}"/>
+              </a:ext>
+            </a:extLst>
+          </p:cNvPr>
+          <p:cNvSpPr>
+            <a:spLocks noGrp="1"/>
+          </p:cNvSpPr>
+          <p:nvPr>
+            <p:ph type="title"/>
+          </p:nvPr>
+        </p:nvSpPr>
+        <p:spPr/>
+        <p:txBody>
+          <a:bodyPr/>
+          <a:lstStyle/>
+          <a:p>
+            <a:r>
+              <a:rPr lang="en-US" dirty="0"/>
+              <a:t>Datastructure basics.</a:t>
+            </a:r>
+          </a:p>
+        </p:txBody>
+      </p:sp>
+      <p:sp>
+        <p:nvSpPr>
+          <p:cNvPr id="3" name="Table Placeholder 2">
+            <a:extLst>
+              <a:ext uri="{FF2B5EF4-FFF2-40B4-BE49-F238E27FC236}">
+                <a16:creationId xmlns:a16="http://schemas.microsoft.com/office/drawing/2014/main" id="{D89C1409-08F6-45DF-639B-79F81D4E0056}"/>
+              </a:ext>
+            </a:extLst>
+          </p:cNvPr>
+          <p:cNvSpPr>
+            <a:spLocks noGrp="1"/>
+          </p:cNvSpPr>
+          <p:nvPr>
+            <p:ph type="tbl" sz="quarter" idx="10"/>
+          </p:nvPr>
+        </p:nvSpPr>
+        <p:spPr/>
+        <p:txBody>
+          <a:bodyPr/>
+          <a:lstStyle/>
+          <a:p>
+            <a:r>
+              <a:rPr lang="en-US" dirty="0"/>
+              <a:t>Datastructure means</a:t>
+            </a:r>
+          </a:p>
+          <a:p>
+            <a:pPr lvl="1"/>
+            <a:r>
+              <a:rPr lang="en-US" dirty="0"/>
+              <a:t>Group of things.</a:t>
+            </a:r>
+          </a:p>
+          <a:p>
+            <a:pPr lvl="1"/>
+            <a:r>
+              <a:rPr lang="en-US" dirty="0"/>
+              <a:t>We have some operations in mind</a:t>
+            </a:r>
+          </a:p>
+          <a:p>
+            <a:pPr lvl="1"/>
+            <a:r>
+              <a:rPr lang="en-US" dirty="0"/>
+              <a:t>We pick one from the library.</a:t>
+            </a:r>
+          </a:p>
+          <a:p>
+            <a:r>
+              <a:rPr lang="en-US" dirty="0"/>
+              <a:t>Key thing is to know operations which we want</a:t>
+            </a:r>
+          </a:p>
+          <a:p>
+            <a:r>
+              <a:rPr lang="en-US" dirty="0"/>
+              <a:t>Broadly you can classify it as </a:t>
+            </a:r>
+          </a:p>
+          <a:p>
+            <a:pPr lvl="1"/>
+            <a:r>
+              <a:rPr lang="en-US" dirty="0"/>
+              <a:t>Linear DS  ( normal notebook) – Array, Vector</a:t>
+            </a:r>
+          </a:p>
+          <a:p>
+            <a:pPr lvl="1"/>
+            <a:r>
+              <a:rPr lang="en-US" dirty="0"/>
+              <a:t>Non Linear DS( indexed notebook ) – Map, Set .. Which will usable if we are planning to search or sort </a:t>
+            </a:r>
+            <a:r>
+              <a:rPr lang="en-US" dirty="0" err="1"/>
+              <a:t>fequently</a:t>
+            </a:r>
+            <a:endParaRPr lang="en-US" dirty="0"/>
+          </a:p>
+        </p:txBody>
+      </p:sp>
+    </p:spTree>
+    <p:extLst>
+      <p:ext uri="{BB962C8B-B14F-4D97-AF65-F5344CB8AC3E}">
+        <p14:creationId xmlns:p14="http://schemas.microsoft.com/office/powerpoint/2010/main" val="2130410462"/>
+      </p:ext>
+    </p:extLst>
+  </p:cSld>
+  <p:clrMapOvr>
+    <a:masterClrMapping/>
+  </p:clrMapOvr>
+</p:sld>
+</file>
+
+<file path=ppt/slides/slide48.xml><?xml version="1.0" encoding="utf-8"?>
+<p:sld xmlns:a="http://schemas.openxmlformats.org/drawingml/2006/main" xmlns:r="http://schemas.openxmlformats.org/officeDocument/2006/relationships" xmlns:p="http://schemas.openxmlformats.org/presentationml/2006/main">
+  <p:cSld>
+    <p:spTree>
+      <p:nvGrpSpPr>
+        <p:cNvPr id="1" name=""/>
+        <p:cNvGrpSpPr/>
+        <p:nvPr/>
+      </p:nvGrpSpPr>
+      <p:grpSpPr>
+        <a:xfrm>
+          <a:off x="0" y="0"/>
+          <a:ext cx="0" cy="0"/>
+          <a:chOff x="0" y="0"/>
+          <a:chExt cx="0" cy="0"/>
+        </a:xfrm>
+      </p:grpSpPr>
+      <p:sp>
+        <p:nvSpPr>
+          <p:cNvPr id="2" name="Title 1">
+            <a:extLst>
+              <a:ext uri="{FF2B5EF4-FFF2-40B4-BE49-F238E27FC236}">
+                <a16:creationId xmlns:a16="http://schemas.microsoft.com/office/drawing/2014/main" id="{9EE1E3A8-E7B0-E688-319A-ABC43DBC96F4}"/>
+              </a:ext>
+            </a:extLst>
+          </p:cNvPr>
+          <p:cNvSpPr>
+            <a:spLocks noGrp="1"/>
+          </p:cNvSpPr>
+          <p:nvPr>
+            <p:ph type="title"/>
+          </p:nvPr>
+        </p:nvSpPr>
+        <p:spPr/>
+        <p:txBody>
+          <a:bodyPr/>
+          <a:lstStyle/>
+          <a:p>
+            <a:r>
+              <a:rPr lang="en-US" dirty="0"/>
+              <a:t>Learning </a:t>
+            </a:r>
+            <a:r>
+              <a:rPr lang="en-US" dirty="0" err="1"/>
+              <a:t>Datastructures</a:t>
+            </a:r>
+            <a:endParaRPr lang="en-US" dirty="0"/>
+          </a:p>
+        </p:txBody>
+      </p:sp>
+      <p:sp>
+        <p:nvSpPr>
+          <p:cNvPr id="3" name="Table Placeholder 2">
+            <a:extLst>
+              <a:ext uri="{FF2B5EF4-FFF2-40B4-BE49-F238E27FC236}">
+                <a16:creationId xmlns:a16="http://schemas.microsoft.com/office/drawing/2014/main" id="{E4468834-2F57-9AC4-6316-4A3565D8D38C}"/>
+              </a:ext>
+            </a:extLst>
+          </p:cNvPr>
+          <p:cNvSpPr>
+            <a:spLocks noGrp="1"/>
+          </p:cNvSpPr>
+          <p:nvPr>
+            <p:ph type="tbl" sz="quarter" idx="10"/>
+          </p:nvPr>
+        </p:nvSpPr>
+        <p:spPr/>
+        <p:txBody>
+          <a:bodyPr/>
+          <a:lstStyle/>
+          <a:p>
+            <a:pPr marL="457200" indent="-457200"/>
+            <a:r>
+              <a:rPr lang="en-US" dirty="0"/>
+              <a:t>Picking one from the library, </a:t>
+            </a:r>
+          </a:p>
+          <a:p>
+            <a:pPr marL="457200" indent="-457200"/>
+            <a:r>
+              <a:rPr lang="en-US" dirty="0"/>
+              <a:t>Knowing what operations we want.</a:t>
+            </a:r>
+          </a:p>
+          <a:p>
+            <a:pPr marL="457200" indent="-457200"/>
+            <a:r>
+              <a:rPr lang="en-US" dirty="0"/>
+              <a:t>Respecting other person  design.</a:t>
+            </a:r>
+          </a:p>
+          <a:p>
+            <a:pPr marL="914400" lvl="1" indent="-457200"/>
+            <a:r>
+              <a:rPr lang="en-US" dirty="0"/>
+              <a:t>Datastructure will force us to define some function for searching, for example, we have to learn how to write that function only then DS will work</a:t>
+            </a:r>
+          </a:p>
+          <a:p>
+            <a:pPr marL="914400" lvl="1" indent="-457200"/>
+            <a:r>
+              <a:rPr lang="en-US" dirty="0"/>
+              <a:t>If we are making our class </a:t>
+            </a:r>
+            <a:r>
+              <a:rPr lang="en-US" dirty="0" err="1"/>
+              <a:t>MedicalDevice</a:t>
+            </a:r>
+            <a:r>
+              <a:rPr lang="en-US" dirty="0"/>
+              <a:t> into the Vector check out what all conditions it needs to meet to be inside the Vector.</a:t>
+            </a:r>
+          </a:p>
+          <a:p>
+            <a:pPr marL="914400" lvl="1" indent="-457200"/>
+            <a:endParaRPr lang="en-US" dirty="0"/>
+          </a:p>
+        </p:txBody>
+      </p:sp>
+    </p:spTree>
+    <p:extLst>
+      <p:ext uri="{BB962C8B-B14F-4D97-AF65-F5344CB8AC3E}">
+        <p14:creationId xmlns:p14="http://schemas.microsoft.com/office/powerpoint/2010/main" val="1386435155"/>
+      </p:ext>
+    </p:extLst>
+  </p:cSld>
+  <p:clrMapOvr>
+    <a:masterClrMapping/>
+  </p:clrMapOvr>
+</p:sld>
+</file>
+
+<file path=ppt/slides/slide49.xml><?xml version="1.0" encoding="utf-8"?>
+<p:sld xmlns:a="http://schemas.openxmlformats.org/drawingml/2006/main" xmlns:r="http://schemas.openxmlformats.org/officeDocument/2006/relationships" xmlns:p="http://schemas.openxmlformats.org/presentationml/2006/main">
+  <p:cSld>
+    <p:spTree>
+      <p:nvGrpSpPr>
+        <p:cNvPr id="1" name=""/>
+        <p:cNvGrpSpPr/>
+        <p:nvPr/>
+      </p:nvGrpSpPr>
+      <p:grpSpPr>
+        <a:xfrm>
+          <a:off x="0" y="0"/>
+          <a:ext cx="0" cy="0"/>
+          <a:chOff x="0" y="0"/>
+          <a:chExt cx="0" cy="0"/>
+        </a:xfrm>
+      </p:grpSpPr>
+      <p:sp>
+        <p:nvSpPr>
+          <p:cNvPr id="2" name="Title 1">
+            <a:extLst>
+              <a:ext uri="{FF2B5EF4-FFF2-40B4-BE49-F238E27FC236}">
+                <a16:creationId xmlns:a16="http://schemas.microsoft.com/office/drawing/2014/main" id="{865C552B-DF24-E15A-7A04-5CAF99DA4631}"/>
+              </a:ext>
+            </a:extLst>
+          </p:cNvPr>
+          <p:cNvSpPr>
+            <a:spLocks noGrp="1"/>
+          </p:cNvSpPr>
+          <p:nvPr>
+            <p:ph type="title"/>
+          </p:nvPr>
+        </p:nvSpPr>
+        <p:spPr/>
+        <p:txBody>
+          <a:bodyPr/>
+          <a:lstStyle/>
+          <a:p>
+            <a:r>
+              <a:rPr lang="en-US" dirty="0"/>
+              <a:t>Vector</a:t>
+            </a:r>
+          </a:p>
+        </p:txBody>
+      </p:sp>
+      <p:sp>
+        <p:nvSpPr>
+          <p:cNvPr id="3" name="Table Placeholder 2">
+            <a:extLst>
+              <a:ext uri="{FF2B5EF4-FFF2-40B4-BE49-F238E27FC236}">
+                <a16:creationId xmlns:a16="http://schemas.microsoft.com/office/drawing/2014/main" id="{BB2C7ACD-A039-7EE0-6384-041D6ED25AF0}"/>
+              </a:ext>
+            </a:extLst>
+          </p:cNvPr>
+          <p:cNvSpPr>
+            <a:spLocks noGrp="1"/>
+          </p:cNvSpPr>
+          <p:nvPr>
+            <p:ph type="tbl" sz="quarter" idx="10"/>
+          </p:nvPr>
+        </p:nvSpPr>
+        <p:spPr/>
+        <p:txBody>
+          <a:bodyPr/>
+          <a:lstStyle/>
+          <a:p>
+            <a:r>
+              <a:rPr lang="en-US" dirty="0"/>
+              <a:t>Growable array</a:t>
+            </a:r>
+          </a:p>
+          <a:p>
+            <a:r>
+              <a:rPr lang="en-US" dirty="0"/>
+              <a:t>Iterate thru the entire array</a:t>
+            </a:r>
+          </a:p>
+          <a:p>
+            <a:r>
+              <a:rPr lang="en-US" dirty="0"/>
+              <a:t>Occasionally search in the array</a:t>
+            </a:r>
+          </a:p>
+          <a:p>
+            <a:r>
+              <a:rPr lang="en-US" dirty="0"/>
+              <a:t>Remember it is a linear datastructure.</a:t>
+            </a:r>
+          </a:p>
+          <a:p>
+            <a:r>
+              <a:rPr lang="en-US" dirty="0"/>
+              <a:t>Look at a42vector.cpp and a43vector.cpp</a:t>
+            </a:r>
+          </a:p>
+        </p:txBody>
+      </p:sp>
+    </p:spTree>
+    <p:extLst>
+      <p:ext uri="{BB962C8B-B14F-4D97-AF65-F5344CB8AC3E}">
+        <p14:creationId xmlns:p14="http://schemas.microsoft.com/office/powerpoint/2010/main" val="62702"/>
       </p:ext>
     </p:extLst>
   </p:cSld>
@@ -13799,6 +14717,1132 @@
     <p:extLst>
       <p:ext uri="{BB962C8B-B14F-4D97-AF65-F5344CB8AC3E}">
         <p14:creationId xmlns:p14="http://schemas.microsoft.com/office/powerpoint/2010/main" val="766457360"/>
+      </p:ext>
+    </p:extLst>
+  </p:cSld>
+  <p:clrMapOvr>
+    <a:masterClrMapping/>
+  </p:clrMapOvr>
+</p:sld>
+</file>
+
+<file path=ppt/slides/slide50.xml><?xml version="1.0" encoding="utf-8"?>
+<p:sld xmlns:a="http://schemas.openxmlformats.org/drawingml/2006/main" xmlns:r="http://schemas.openxmlformats.org/officeDocument/2006/relationships" xmlns:p="http://schemas.openxmlformats.org/presentationml/2006/main">
+  <p:cSld>
+    <p:spTree>
+      <p:nvGrpSpPr>
+        <p:cNvPr id="1" name=""/>
+        <p:cNvGrpSpPr/>
+        <p:nvPr/>
+      </p:nvGrpSpPr>
+      <p:grpSpPr>
+        <a:xfrm>
+          <a:off x="0" y="0"/>
+          <a:ext cx="0" cy="0"/>
+          <a:chOff x="0" y="0"/>
+          <a:chExt cx="0" cy="0"/>
+        </a:xfrm>
+      </p:grpSpPr>
+      <p:sp>
+        <p:nvSpPr>
+          <p:cNvPr id="2" name="Title 1">
+            <a:extLst>
+              <a:ext uri="{FF2B5EF4-FFF2-40B4-BE49-F238E27FC236}">
+                <a16:creationId xmlns:a16="http://schemas.microsoft.com/office/drawing/2014/main" id="{27808A3D-5380-136C-65B3-FA5FBECF552D}"/>
+              </a:ext>
+            </a:extLst>
+          </p:cNvPr>
+          <p:cNvSpPr>
+            <a:spLocks noGrp="1"/>
+          </p:cNvSpPr>
+          <p:nvPr>
+            <p:ph type="title"/>
+          </p:nvPr>
+        </p:nvSpPr>
+        <p:spPr/>
+        <p:txBody>
+          <a:bodyPr/>
+          <a:lstStyle/>
+          <a:p>
+            <a:r>
+              <a:rPr lang="en-US"/>
+              <a:t>Map</a:t>
+            </a:r>
+          </a:p>
+        </p:txBody>
+      </p:sp>
+      <p:sp>
+        <p:nvSpPr>
+          <p:cNvPr id="3" name="Table Placeholder 2">
+            <a:extLst>
+              <a:ext uri="{FF2B5EF4-FFF2-40B4-BE49-F238E27FC236}">
+                <a16:creationId xmlns:a16="http://schemas.microsoft.com/office/drawing/2014/main" id="{8F892D7F-08DC-F197-AB12-8EB766AA57D9}"/>
+              </a:ext>
+            </a:extLst>
+          </p:cNvPr>
+          <p:cNvSpPr>
+            <a:spLocks noGrp="1"/>
+          </p:cNvSpPr>
+          <p:nvPr>
+            <p:ph type="tbl" sz="quarter" idx="10"/>
+          </p:nvPr>
+        </p:nvSpPr>
+        <p:spPr/>
+        <p:txBody>
+          <a:bodyPr/>
+          <a:lstStyle/>
+          <a:p>
+            <a:r>
+              <a:rPr lang="en-US" dirty="0"/>
+              <a:t>Non linear Datastructure</a:t>
+            </a:r>
+          </a:p>
+          <a:p>
+            <a:r>
+              <a:rPr lang="en-US" dirty="0"/>
+              <a:t>Dictionary operations</a:t>
+            </a:r>
+          </a:p>
+          <a:p>
+            <a:pPr lvl="1"/>
+            <a:r>
+              <a:rPr lang="en-US" dirty="0"/>
+              <a:t>Put key and value</a:t>
+            </a:r>
+          </a:p>
+          <a:p>
+            <a:pPr lvl="1"/>
+            <a:r>
+              <a:rPr lang="en-US" dirty="0"/>
+              <a:t>Get value specifying key</a:t>
+            </a:r>
+          </a:p>
+          <a:p>
+            <a:pPr lvl="1"/>
+            <a:r>
+              <a:rPr lang="en-US" dirty="0"/>
+              <a:t>Iterate thru the Map</a:t>
+            </a:r>
+          </a:p>
+          <a:p>
+            <a:pPr lvl="1"/>
+            <a:r>
+              <a:rPr lang="en-US" dirty="0"/>
+              <a:t>Think of what other operations.</a:t>
+            </a:r>
+          </a:p>
+          <a:p>
+            <a:pPr lvl="1"/>
+            <a:r>
+              <a:rPr lang="en-US" dirty="0"/>
+              <a:t>Look at a47mapexample.cpp</a:t>
+            </a:r>
+          </a:p>
+        </p:txBody>
+      </p:sp>
+    </p:spTree>
+    <p:extLst>
+      <p:ext uri="{BB962C8B-B14F-4D97-AF65-F5344CB8AC3E}">
+        <p14:creationId xmlns:p14="http://schemas.microsoft.com/office/powerpoint/2010/main" val="614292357"/>
+      </p:ext>
+    </p:extLst>
+  </p:cSld>
+  <p:clrMapOvr>
+    <a:masterClrMapping/>
+  </p:clrMapOvr>
+</p:sld>
+</file>
+
+<file path=ppt/slides/slide51.xml><?xml version="1.0" encoding="utf-8"?>
+<p:sld xmlns:a="http://schemas.openxmlformats.org/drawingml/2006/main" xmlns:r="http://schemas.openxmlformats.org/officeDocument/2006/relationships" xmlns:p="http://schemas.openxmlformats.org/presentationml/2006/main">
+  <p:cSld>
+    <p:spTree>
+      <p:nvGrpSpPr>
+        <p:cNvPr id="1" name=""/>
+        <p:cNvGrpSpPr/>
+        <p:nvPr/>
+      </p:nvGrpSpPr>
+      <p:grpSpPr>
+        <a:xfrm>
+          <a:off x="0" y="0"/>
+          <a:ext cx="0" cy="0"/>
+          <a:chOff x="0" y="0"/>
+          <a:chExt cx="0" cy="0"/>
+        </a:xfrm>
+      </p:grpSpPr>
+      <p:sp>
+        <p:nvSpPr>
+          <p:cNvPr id="2" name="Title 1">
+            <a:extLst>
+              <a:ext uri="{FF2B5EF4-FFF2-40B4-BE49-F238E27FC236}">
+                <a16:creationId xmlns:a16="http://schemas.microsoft.com/office/drawing/2014/main" id="{4A965467-94D9-BC25-2C9E-65C371DB97B7}"/>
+              </a:ext>
+            </a:extLst>
+          </p:cNvPr>
+          <p:cNvSpPr>
+            <a:spLocks noGrp="1"/>
+          </p:cNvSpPr>
+          <p:nvPr>
+            <p:ph type="title"/>
+          </p:nvPr>
+        </p:nvSpPr>
+        <p:spPr/>
+        <p:txBody>
+          <a:bodyPr/>
+          <a:lstStyle/>
+          <a:p>
+            <a:r>
+              <a:rPr lang="en-US" dirty="0"/>
+              <a:t>STL summary</a:t>
+            </a:r>
+          </a:p>
+        </p:txBody>
+      </p:sp>
+      <p:sp>
+        <p:nvSpPr>
+          <p:cNvPr id="3" name="Table Placeholder 2">
+            <a:extLst>
+              <a:ext uri="{FF2B5EF4-FFF2-40B4-BE49-F238E27FC236}">
+                <a16:creationId xmlns:a16="http://schemas.microsoft.com/office/drawing/2014/main" id="{E09BADCE-04BA-F78D-0DCE-7BB8CEC19A45}"/>
+              </a:ext>
+            </a:extLst>
+          </p:cNvPr>
+          <p:cNvSpPr>
+            <a:spLocks noGrp="1"/>
+          </p:cNvSpPr>
+          <p:nvPr>
+            <p:ph type="tbl" sz="quarter" idx="10"/>
+          </p:nvPr>
+        </p:nvSpPr>
+        <p:spPr/>
+        <p:txBody>
+          <a:bodyPr/>
+          <a:lstStyle/>
+          <a:p>
+            <a:r>
+              <a:rPr lang="en-US" dirty="0"/>
+              <a:t>Containers</a:t>
+            </a:r>
+          </a:p>
+          <a:p>
+            <a:pPr lvl="1"/>
+            <a:r>
+              <a:rPr lang="en-US" dirty="0"/>
+              <a:t>List</a:t>
+            </a:r>
+          </a:p>
+          <a:p>
+            <a:pPr lvl="1"/>
+            <a:r>
+              <a:rPr lang="en-US" dirty="0"/>
+              <a:t>Vector</a:t>
+            </a:r>
+          </a:p>
+          <a:p>
+            <a:pPr lvl="1"/>
+            <a:r>
+              <a:rPr lang="en-US" dirty="0"/>
+              <a:t>Map</a:t>
+            </a:r>
+          </a:p>
+          <a:p>
+            <a:pPr lvl="1"/>
+            <a:r>
+              <a:rPr lang="en-US" dirty="0"/>
+              <a:t>Set</a:t>
+            </a:r>
+          </a:p>
+          <a:p>
+            <a:r>
+              <a:rPr lang="en-US" dirty="0"/>
+              <a:t>Algorithms</a:t>
+            </a:r>
+          </a:p>
+          <a:p>
+            <a:pPr lvl="1"/>
+            <a:r>
+              <a:rPr lang="en-US" dirty="0"/>
+              <a:t>Sort</a:t>
+            </a:r>
+          </a:p>
+          <a:p>
+            <a:pPr lvl="1"/>
+            <a:r>
+              <a:rPr lang="en-US" dirty="0"/>
+              <a:t>Find</a:t>
+            </a:r>
+          </a:p>
+          <a:p>
+            <a:pPr lvl="1"/>
+            <a:r>
+              <a:rPr lang="en-US" dirty="0"/>
+              <a:t>copy</a:t>
+            </a:r>
+          </a:p>
+          <a:p>
+            <a:pPr lvl="1"/>
+            <a:endParaRPr lang="en-US" dirty="0"/>
+          </a:p>
+        </p:txBody>
+      </p:sp>
+    </p:spTree>
+    <p:extLst>
+      <p:ext uri="{BB962C8B-B14F-4D97-AF65-F5344CB8AC3E}">
+        <p14:creationId xmlns:p14="http://schemas.microsoft.com/office/powerpoint/2010/main" val="1711812452"/>
+      </p:ext>
+    </p:extLst>
+  </p:cSld>
+  <p:clrMapOvr>
+    <a:masterClrMapping/>
+  </p:clrMapOvr>
+</p:sld>
+</file>
+
+<file path=ppt/slides/slide52.xml><?xml version="1.0" encoding="utf-8"?>
+<p:sld xmlns:a="http://schemas.openxmlformats.org/drawingml/2006/main" xmlns:r="http://schemas.openxmlformats.org/officeDocument/2006/relationships" xmlns:p="http://schemas.openxmlformats.org/presentationml/2006/main">
+  <p:cSld>
+    <p:spTree>
+      <p:nvGrpSpPr>
+        <p:cNvPr id="1" name=""/>
+        <p:cNvGrpSpPr/>
+        <p:nvPr/>
+      </p:nvGrpSpPr>
+      <p:grpSpPr>
+        <a:xfrm>
+          <a:off x="0" y="0"/>
+          <a:ext cx="0" cy="0"/>
+          <a:chOff x="0" y="0"/>
+          <a:chExt cx="0" cy="0"/>
+        </a:xfrm>
+      </p:grpSpPr>
+      <p:sp>
+        <p:nvSpPr>
+          <p:cNvPr id="2" name="Title 1">
+            <a:extLst>
+              <a:ext uri="{FF2B5EF4-FFF2-40B4-BE49-F238E27FC236}">
+                <a16:creationId xmlns:a16="http://schemas.microsoft.com/office/drawing/2014/main" id="{0758D642-62EF-F405-4979-E43A605B73DB}"/>
+              </a:ext>
+            </a:extLst>
+          </p:cNvPr>
+          <p:cNvSpPr>
+            <a:spLocks noGrp="1"/>
+          </p:cNvSpPr>
+          <p:nvPr>
+            <p:ph type="title"/>
+          </p:nvPr>
+        </p:nvSpPr>
+        <p:spPr/>
+        <p:txBody>
+          <a:bodyPr/>
+          <a:lstStyle/>
+          <a:p>
+            <a:r>
+              <a:rPr lang="en-US" dirty="0"/>
+              <a:t>STL </a:t>
+            </a:r>
+          </a:p>
+        </p:txBody>
+      </p:sp>
+      <p:sp>
+        <p:nvSpPr>
+          <p:cNvPr id="3" name="Table Placeholder 2">
+            <a:extLst>
+              <a:ext uri="{FF2B5EF4-FFF2-40B4-BE49-F238E27FC236}">
+                <a16:creationId xmlns:a16="http://schemas.microsoft.com/office/drawing/2014/main" id="{1CDF5443-DEB9-C668-9662-44344C4935CC}"/>
+              </a:ext>
+            </a:extLst>
+          </p:cNvPr>
+          <p:cNvSpPr>
+            <a:spLocks noGrp="1"/>
+          </p:cNvSpPr>
+          <p:nvPr>
+            <p:ph type="tbl" sz="quarter" idx="10"/>
+          </p:nvPr>
+        </p:nvSpPr>
+        <p:spPr/>
+        <p:txBody>
+          <a:bodyPr/>
+          <a:lstStyle/>
+          <a:p>
+            <a:r>
+              <a:rPr lang="en-US" dirty="0"/>
+              <a:t>Iterators</a:t>
+            </a:r>
+          </a:p>
+          <a:p>
+            <a:pPr lvl="1"/>
+            <a:r>
+              <a:rPr lang="en-US" dirty="0"/>
+              <a:t>Ability to navigate thru </a:t>
+            </a:r>
+            <a:r>
+              <a:rPr lang="en-US" dirty="0" err="1"/>
+              <a:t>datastructures</a:t>
+            </a:r>
+            <a:r>
+              <a:rPr lang="en-US" dirty="0"/>
+              <a:t>.</a:t>
+            </a:r>
+          </a:p>
+          <a:p>
+            <a:r>
+              <a:rPr lang="en-US" dirty="0"/>
+              <a:t>Functors</a:t>
+            </a:r>
+          </a:p>
+          <a:p>
+            <a:pPr lvl="1"/>
+            <a:r>
+              <a:rPr lang="en-US" dirty="0"/>
+              <a:t>Objects that behave like functions.</a:t>
+            </a:r>
+          </a:p>
+          <a:p>
+            <a:r>
+              <a:rPr lang="en-US" dirty="0"/>
+              <a:t>Utilities</a:t>
+            </a:r>
+          </a:p>
+          <a:p>
+            <a:pPr lvl="1"/>
+            <a:r>
+              <a:rPr lang="en-US" dirty="0"/>
+              <a:t>Move, pair…</a:t>
+            </a:r>
+          </a:p>
+        </p:txBody>
+      </p:sp>
+    </p:spTree>
+    <p:extLst>
+      <p:ext uri="{BB962C8B-B14F-4D97-AF65-F5344CB8AC3E}">
+        <p14:creationId xmlns:p14="http://schemas.microsoft.com/office/powerpoint/2010/main" val="155511533"/>
+      </p:ext>
+    </p:extLst>
+  </p:cSld>
+  <p:clrMapOvr>
+    <a:masterClrMapping/>
+  </p:clrMapOvr>
+</p:sld>
+</file>
+
+<file path=ppt/slides/slide53.xml><?xml version="1.0" encoding="utf-8"?>
+<p:sld xmlns:a="http://schemas.openxmlformats.org/drawingml/2006/main" xmlns:r="http://schemas.openxmlformats.org/officeDocument/2006/relationships" xmlns:p="http://schemas.openxmlformats.org/presentationml/2006/main">
+  <p:cSld>
+    <p:spTree>
+      <p:nvGrpSpPr>
+        <p:cNvPr id="1" name=""/>
+        <p:cNvGrpSpPr/>
+        <p:nvPr/>
+      </p:nvGrpSpPr>
+      <p:grpSpPr>
+        <a:xfrm>
+          <a:off x="0" y="0"/>
+          <a:ext cx="0" cy="0"/>
+          <a:chOff x="0" y="0"/>
+          <a:chExt cx="0" cy="0"/>
+        </a:xfrm>
+      </p:grpSpPr>
+      <p:sp>
+        <p:nvSpPr>
+          <p:cNvPr id="2" name="Title 1">
+            <a:extLst>
+              <a:ext uri="{FF2B5EF4-FFF2-40B4-BE49-F238E27FC236}">
+                <a16:creationId xmlns:a16="http://schemas.microsoft.com/office/drawing/2014/main" id="{BF7FE329-023F-D8C6-C9B3-49A66FA8463B}"/>
+              </a:ext>
+            </a:extLst>
+          </p:cNvPr>
+          <p:cNvSpPr>
+            <a:spLocks noGrp="1"/>
+          </p:cNvSpPr>
+          <p:nvPr>
+            <p:ph type="title"/>
+          </p:nvPr>
+        </p:nvSpPr>
+        <p:spPr/>
+        <p:txBody>
+          <a:bodyPr/>
+          <a:lstStyle/>
+          <a:p>
+            <a:r>
+              <a:rPr lang="en-US" dirty="0"/>
+              <a:t>Move constructor and </a:t>
+            </a:r>
+            <a:r>
+              <a:rPr lang="en-US" dirty="0" err="1"/>
+              <a:t>Rvalue</a:t>
+            </a:r>
+            <a:r>
+              <a:rPr lang="en-US" dirty="0"/>
+              <a:t> references</a:t>
+            </a:r>
+          </a:p>
+        </p:txBody>
+      </p:sp>
+      <p:sp>
+        <p:nvSpPr>
+          <p:cNvPr id="3" name="Table Placeholder 2">
+            <a:extLst>
+              <a:ext uri="{FF2B5EF4-FFF2-40B4-BE49-F238E27FC236}">
+                <a16:creationId xmlns:a16="http://schemas.microsoft.com/office/drawing/2014/main" id="{FF726C92-4B8C-6CFD-C01C-A7BB1086E570}"/>
+              </a:ext>
+            </a:extLst>
+          </p:cNvPr>
+          <p:cNvSpPr>
+            <a:spLocks noGrp="1"/>
+          </p:cNvSpPr>
+          <p:nvPr>
+            <p:ph type="tbl" sz="quarter" idx="10"/>
+          </p:nvPr>
+        </p:nvSpPr>
+        <p:spPr/>
+        <p:txBody>
+          <a:bodyPr/>
+          <a:lstStyle/>
+          <a:p>
+            <a:r>
+              <a:rPr lang="en-US" dirty="0"/>
+              <a:t>Int &amp;&amp;x =20; here x is called </a:t>
+            </a:r>
+            <a:r>
+              <a:rPr lang="en-US" dirty="0" err="1"/>
+              <a:t>rvalue</a:t>
+            </a:r>
+            <a:r>
+              <a:rPr lang="en-US" dirty="0"/>
+              <a:t> references.</a:t>
+            </a:r>
+          </a:p>
+          <a:p>
+            <a:r>
+              <a:rPr lang="en-US" dirty="0"/>
+              <a:t>Std::move function to move content from a temporary variable to another variable.</a:t>
+            </a:r>
+          </a:p>
+          <a:p>
+            <a:pPr lvl="1"/>
+            <a:r>
+              <a:rPr lang="en-US" dirty="0"/>
+              <a:t>Look at a59moveconstructor.cpp and a59move.cpp</a:t>
+            </a:r>
+          </a:p>
+          <a:p>
+            <a:endParaRPr lang="en-US" dirty="0"/>
+          </a:p>
+        </p:txBody>
+      </p:sp>
+    </p:spTree>
+    <p:extLst>
+      <p:ext uri="{BB962C8B-B14F-4D97-AF65-F5344CB8AC3E}">
+        <p14:creationId xmlns:p14="http://schemas.microsoft.com/office/powerpoint/2010/main" val="298333973"/>
+      </p:ext>
+    </p:extLst>
+  </p:cSld>
+  <p:clrMapOvr>
+    <a:masterClrMapping/>
+  </p:clrMapOvr>
+</p:sld>
+</file>
+
+<file path=ppt/slides/slide54.xml><?xml version="1.0" encoding="utf-8"?>
+<p:sld xmlns:a="http://schemas.openxmlformats.org/drawingml/2006/main" xmlns:r="http://schemas.openxmlformats.org/officeDocument/2006/relationships" xmlns:p="http://schemas.openxmlformats.org/presentationml/2006/main">
+  <p:cSld>
+    <p:spTree>
+      <p:nvGrpSpPr>
+        <p:cNvPr id="1" name=""/>
+        <p:cNvGrpSpPr/>
+        <p:nvPr/>
+      </p:nvGrpSpPr>
+      <p:grpSpPr>
+        <a:xfrm>
+          <a:off x="0" y="0"/>
+          <a:ext cx="0" cy="0"/>
+          <a:chOff x="0" y="0"/>
+          <a:chExt cx="0" cy="0"/>
+        </a:xfrm>
+      </p:grpSpPr>
+      <p:sp>
+        <p:nvSpPr>
+          <p:cNvPr id="2" name="Title 1">
+            <a:extLst>
+              <a:ext uri="{FF2B5EF4-FFF2-40B4-BE49-F238E27FC236}">
+                <a16:creationId xmlns:a16="http://schemas.microsoft.com/office/drawing/2014/main" id="{89EB86A1-4D51-D0D8-1F36-66A3BAC80484}"/>
+              </a:ext>
+            </a:extLst>
+          </p:cNvPr>
+          <p:cNvSpPr>
+            <a:spLocks noGrp="1"/>
+          </p:cNvSpPr>
+          <p:nvPr>
+            <p:ph type="title"/>
+          </p:nvPr>
+        </p:nvSpPr>
+        <p:spPr/>
+        <p:txBody>
+          <a:bodyPr/>
+          <a:lstStyle/>
+          <a:p>
+            <a:r>
+              <a:rPr lang="en-US" dirty="0"/>
+              <a:t>Lamda expression</a:t>
+            </a:r>
+          </a:p>
+        </p:txBody>
+      </p:sp>
+      <p:sp>
+        <p:nvSpPr>
+          <p:cNvPr id="3" name="Table Placeholder 2">
+            <a:extLst>
+              <a:ext uri="{FF2B5EF4-FFF2-40B4-BE49-F238E27FC236}">
+                <a16:creationId xmlns:a16="http://schemas.microsoft.com/office/drawing/2014/main" id="{DE1FE404-229A-41DB-0B8C-897EB0B0FD48}"/>
+              </a:ext>
+            </a:extLst>
+          </p:cNvPr>
+          <p:cNvSpPr>
+            <a:spLocks noGrp="1"/>
+          </p:cNvSpPr>
+          <p:nvPr>
+            <p:ph type="tbl" sz="quarter" idx="10"/>
+          </p:nvPr>
+        </p:nvSpPr>
+        <p:spPr/>
+        <p:txBody>
+          <a:bodyPr/>
+          <a:lstStyle/>
+          <a:p>
+            <a:r>
+              <a:rPr lang="en-US" dirty="0"/>
+              <a:t>Ability to pass lines of code to a function</a:t>
+            </a:r>
+          </a:p>
+          <a:p>
+            <a:pPr marL="402336" lvl="1" indent="0">
+              <a:buNone/>
+            </a:pPr>
+            <a:r>
+              <a:rPr lang="en-US" dirty="0"/>
+              <a:t>Lambda function signature : </a:t>
+            </a:r>
+          </a:p>
+          <a:p>
+            <a:pPr marL="402336" lvl="1" indent="0">
+              <a:buNone/>
+            </a:pPr>
+            <a:r>
+              <a:rPr lang="en-US" dirty="0"/>
+              <a:t>                                [capture list] (parameters) -&gt;return type{</a:t>
+            </a:r>
+          </a:p>
+          <a:p>
+            <a:pPr marL="402336" lvl="1" indent="0">
+              <a:buNone/>
+            </a:pPr>
+            <a:r>
+              <a:rPr lang="en-US" dirty="0"/>
+              <a:t>                                        // Function body</a:t>
+            </a:r>
+          </a:p>
+          <a:p>
+            <a:pPr marL="402336" lvl="1" indent="0">
+              <a:buNone/>
+            </a:pPr>
+            <a:r>
+              <a:rPr lang="en-US" dirty="0"/>
+              <a:t>                                }</a:t>
+            </a:r>
+          </a:p>
+          <a:p>
+            <a:pPr marL="402336" lvl="1" indent="0">
+              <a:buNone/>
+            </a:pPr>
+            <a:r>
+              <a:rPr lang="en-US" dirty="0"/>
+              <a:t>    capture list contains variables from outside the function, parameters are input and , essentially we are passing a function like a input argument.</a:t>
+            </a:r>
+          </a:p>
+        </p:txBody>
+      </p:sp>
+    </p:spTree>
+    <p:extLst>
+      <p:ext uri="{BB962C8B-B14F-4D97-AF65-F5344CB8AC3E}">
+        <p14:creationId xmlns:p14="http://schemas.microsoft.com/office/powerpoint/2010/main" val="3661603995"/>
+      </p:ext>
+    </p:extLst>
+  </p:cSld>
+  <p:clrMapOvr>
+    <a:masterClrMapping/>
+  </p:clrMapOvr>
+</p:sld>
+</file>
+
+<file path=ppt/slides/slide55.xml><?xml version="1.0" encoding="utf-8"?>
+<p:sld xmlns:a="http://schemas.openxmlformats.org/drawingml/2006/main" xmlns:r="http://schemas.openxmlformats.org/officeDocument/2006/relationships" xmlns:p="http://schemas.openxmlformats.org/presentationml/2006/main">
+  <p:cSld>
+    <p:spTree>
+      <p:nvGrpSpPr>
+        <p:cNvPr id="1" name=""/>
+        <p:cNvGrpSpPr/>
+        <p:nvPr/>
+      </p:nvGrpSpPr>
+      <p:grpSpPr>
+        <a:xfrm>
+          <a:off x="0" y="0"/>
+          <a:ext cx="0" cy="0"/>
+          <a:chOff x="0" y="0"/>
+          <a:chExt cx="0" cy="0"/>
+        </a:xfrm>
+      </p:grpSpPr>
+      <p:sp>
+        <p:nvSpPr>
+          <p:cNvPr id="2" name="Title 1">
+            <a:extLst>
+              <a:ext uri="{FF2B5EF4-FFF2-40B4-BE49-F238E27FC236}">
+                <a16:creationId xmlns:a16="http://schemas.microsoft.com/office/drawing/2014/main" id="{2F1334AB-A7DF-B02E-F328-46099D690298}"/>
+              </a:ext>
+            </a:extLst>
+          </p:cNvPr>
+          <p:cNvSpPr>
+            <a:spLocks noGrp="1"/>
+          </p:cNvSpPr>
+          <p:nvPr>
+            <p:ph type="title"/>
+          </p:nvPr>
+        </p:nvSpPr>
+        <p:spPr/>
+        <p:txBody>
+          <a:bodyPr/>
+          <a:lstStyle/>
+          <a:p>
+            <a:r>
+              <a:rPr lang="en-US" dirty="0"/>
+              <a:t>C++ 11 features.</a:t>
+            </a:r>
+          </a:p>
+        </p:txBody>
+      </p:sp>
+      <p:sp>
+        <p:nvSpPr>
+          <p:cNvPr id="3" name="Table Placeholder 2">
+            <a:extLst>
+              <a:ext uri="{FF2B5EF4-FFF2-40B4-BE49-F238E27FC236}">
+                <a16:creationId xmlns:a16="http://schemas.microsoft.com/office/drawing/2014/main" id="{B6246E3F-32F6-0CC7-AE14-E11CF8DF297B}"/>
+              </a:ext>
+            </a:extLst>
+          </p:cNvPr>
+          <p:cNvSpPr>
+            <a:spLocks noGrp="1"/>
+          </p:cNvSpPr>
+          <p:nvPr>
+            <p:ph type="tbl" sz="quarter" idx="10"/>
+          </p:nvPr>
+        </p:nvSpPr>
+        <p:spPr/>
+        <p:txBody>
+          <a:bodyPr/>
+          <a:lstStyle/>
+          <a:p>
+            <a:r>
+              <a:rPr lang="en-US" dirty="0"/>
+              <a:t>Auto</a:t>
+            </a:r>
+          </a:p>
+          <a:p>
+            <a:r>
+              <a:rPr lang="en-US" dirty="0"/>
+              <a:t>Lambda Expressions</a:t>
+            </a:r>
+          </a:p>
+          <a:p>
+            <a:r>
+              <a:rPr lang="en-US" dirty="0"/>
+              <a:t>Smart Pointers</a:t>
+            </a:r>
+          </a:p>
+          <a:p>
+            <a:r>
+              <a:rPr lang="en-US" dirty="0"/>
+              <a:t>Concurrency Support</a:t>
+            </a:r>
+          </a:p>
+          <a:p>
+            <a:r>
+              <a:rPr lang="en-US" dirty="0"/>
+              <a:t>R-value references</a:t>
+            </a:r>
+          </a:p>
+          <a:p>
+            <a:r>
+              <a:rPr lang="en-US" dirty="0"/>
+              <a:t>Changes in STL</a:t>
+            </a:r>
+          </a:p>
+          <a:p>
+            <a:r>
+              <a:rPr lang="en-US" dirty="0" err="1"/>
+              <a:t>Constexpr</a:t>
+            </a:r>
+            <a:r>
+              <a:rPr lang="en-US" dirty="0"/>
+              <a:t> </a:t>
+            </a:r>
+          </a:p>
+          <a:p>
+            <a:r>
+              <a:rPr lang="en-US" dirty="0" err="1"/>
+              <a:t>nullptr</a:t>
+            </a:r>
+            <a:endParaRPr lang="en-US" dirty="0"/>
+          </a:p>
+        </p:txBody>
+      </p:sp>
+    </p:spTree>
+    <p:extLst>
+      <p:ext uri="{BB962C8B-B14F-4D97-AF65-F5344CB8AC3E}">
+        <p14:creationId xmlns:p14="http://schemas.microsoft.com/office/powerpoint/2010/main" val="3639062399"/>
+      </p:ext>
+    </p:extLst>
+  </p:cSld>
+  <p:clrMapOvr>
+    <a:masterClrMapping/>
+  </p:clrMapOvr>
+</p:sld>
+</file>
+
+<file path=ppt/slides/slide56.xml><?xml version="1.0" encoding="utf-8"?>
+<p:sld xmlns:a="http://schemas.openxmlformats.org/drawingml/2006/main" xmlns:r="http://schemas.openxmlformats.org/officeDocument/2006/relationships" xmlns:p="http://schemas.openxmlformats.org/presentationml/2006/main">
+  <p:cSld>
+    <p:spTree>
+      <p:nvGrpSpPr>
+        <p:cNvPr id="1" name=""/>
+        <p:cNvGrpSpPr/>
+        <p:nvPr/>
+      </p:nvGrpSpPr>
+      <p:grpSpPr>
+        <a:xfrm>
+          <a:off x="0" y="0"/>
+          <a:ext cx="0" cy="0"/>
+          <a:chOff x="0" y="0"/>
+          <a:chExt cx="0" cy="0"/>
+        </a:xfrm>
+      </p:grpSpPr>
+      <p:sp>
+        <p:nvSpPr>
+          <p:cNvPr id="2" name="Title 1">
+            <a:extLst>
+              <a:ext uri="{FF2B5EF4-FFF2-40B4-BE49-F238E27FC236}">
+                <a16:creationId xmlns:a16="http://schemas.microsoft.com/office/drawing/2014/main" id="{2BED6DFA-7EC3-58B4-3422-7F95CC800F44}"/>
+              </a:ext>
+            </a:extLst>
+          </p:cNvPr>
+          <p:cNvSpPr>
+            <a:spLocks noGrp="1"/>
+          </p:cNvSpPr>
+          <p:nvPr>
+            <p:ph type="title"/>
+          </p:nvPr>
+        </p:nvSpPr>
+        <p:spPr/>
+        <p:txBody>
+          <a:bodyPr/>
+          <a:lstStyle/>
+          <a:p>
+            <a:r>
+              <a:rPr lang="en-US" dirty="0"/>
+              <a:t>C++ 17 features.</a:t>
+            </a:r>
+          </a:p>
+        </p:txBody>
+      </p:sp>
+      <p:sp>
+        <p:nvSpPr>
+          <p:cNvPr id="3" name="Table Placeholder 2">
+            <a:extLst>
+              <a:ext uri="{FF2B5EF4-FFF2-40B4-BE49-F238E27FC236}">
+                <a16:creationId xmlns:a16="http://schemas.microsoft.com/office/drawing/2014/main" id="{ED763DF0-EC13-4412-47FB-8AC1B948D720}"/>
+              </a:ext>
+            </a:extLst>
+          </p:cNvPr>
+          <p:cNvSpPr>
+            <a:spLocks noGrp="1"/>
+          </p:cNvSpPr>
+          <p:nvPr>
+            <p:ph type="tbl" sz="quarter" idx="10"/>
+          </p:nvPr>
+        </p:nvSpPr>
+        <p:spPr/>
+        <p:txBody>
+          <a:bodyPr/>
+          <a:lstStyle/>
+          <a:p>
+            <a:r>
+              <a:rPr lang="en-US" dirty="0"/>
+              <a:t>Structured Bindings</a:t>
+            </a:r>
+          </a:p>
+          <a:p>
+            <a:r>
+              <a:rPr lang="en-US" dirty="0" err="1"/>
+              <a:t>Constexpr</a:t>
+            </a:r>
+            <a:r>
+              <a:rPr lang="en-US" dirty="0"/>
+              <a:t> with if condition</a:t>
+            </a:r>
+          </a:p>
+          <a:p>
+            <a:r>
+              <a:rPr lang="en-US" dirty="0"/>
+              <a:t>Std::optional</a:t>
+            </a:r>
+          </a:p>
+          <a:p>
+            <a:r>
+              <a:rPr lang="en-US" dirty="0"/>
+              <a:t>Filesystem Library</a:t>
+            </a:r>
+          </a:p>
+          <a:p>
+            <a:endParaRPr lang="en-US" dirty="0"/>
+          </a:p>
+        </p:txBody>
+      </p:sp>
+    </p:spTree>
+    <p:extLst>
+      <p:ext uri="{BB962C8B-B14F-4D97-AF65-F5344CB8AC3E}">
+        <p14:creationId xmlns:p14="http://schemas.microsoft.com/office/powerpoint/2010/main" val="3740736237"/>
+      </p:ext>
+    </p:extLst>
+  </p:cSld>
+  <p:clrMapOvr>
+    <a:masterClrMapping/>
+  </p:clrMapOvr>
+</p:sld>
+</file>
+
+<file path=ppt/slides/slide57.xml><?xml version="1.0" encoding="utf-8"?>
+<p:sld xmlns:a="http://schemas.openxmlformats.org/drawingml/2006/main" xmlns:r="http://schemas.openxmlformats.org/officeDocument/2006/relationships" xmlns:p="http://schemas.openxmlformats.org/presentationml/2006/main">
+  <p:cSld>
+    <p:spTree>
+      <p:nvGrpSpPr>
+        <p:cNvPr id="1" name=""/>
+        <p:cNvGrpSpPr/>
+        <p:nvPr/>
+      </p:nvGrpSpPr>
+      <p:grpSpPr>
+        <a:xfrm>
+          <a:off x="0" y="0"/>
+          <a:ext cx="0" cy="0"/>
+          <a:chOff x="0" y="0"/>
+          <a:chExt cx="0" cy="0"/>
+        </a:xfrm>
+      </p:grpSpPr>
+      <p:sp>
+        <p:nvSpPr>
+          <p:cNvPr id="2" name="Title 1">
+            <a:extLst>
+              <a:ext uri="{FF2B5EF4-FFF2-40B4-BE49-F238E27FC236}">
+                <a16:creationId xmlns:a16="http://schemas.microsoft.com/office/drawing/2014/main" id="{68BE8AD1-DAED-29D6-B9ED-FE702A3F065B}"/>
+              </a:ext>
+            </a:extLst>
+          </p:cNvPr>
+          <p:cNvSpPr>
+            <a:spLocks noGrp="1"/>
+          </p:cNvSpPr>
+          <p:nvPr>
+            <p:ph type="title"/>
+          </p:nvPr>
+        </p:nvSpPr>
+        <p:spPr/>
+        <p:txBody>
+          <a:bodyPr/>
+          <a:lstStyle/>
+          <a:p>
+            <a:r>
+              <a:rPr lang="en-US" dirty="0"/>
+              <a:t>C++ 20 features</a:t>
+            </a:r>
+          </a:p>
+        </p:txBody>
+      </p:sp>
+      <p:sp>
+        <p:nvSpPr>
+          <p:cNvPr id="3" name="Table Placeholder 2">
+            <a:extLst>
+              <a:ext uri="{FF2B5EF4-FFF2-40B4-BE49-F238E27FC236}">
+                <a16:creationId xmlns:a16="http://schemas.microsoft.com/office/drawing/2014/main" id="{A461E034-0265-EF19-A8D0-F1762F3C9B7F}"/>
+              </a:ext>
+            </a:extLst>
+          </p:cNvPr>
+          <p:cNvSpPr>
+            <a:spLocks noGrp="1"/>
+          </p:cNvSpPr>
+          <p:nvPr>
+            <p:ph type="tbl" sz="quarter" idx="10"/>
+          </p:nvPr>
+        </p:nvSpPr>
+        <p:spPr/>
+        <p:txBody>
+          <a:bodyPr/>
+          <a:lstStyle/>
+          <a:p>
+            <a:r>
+              <a:rPr lang="en-US" dirty="0"/>
+              <a:t>Concepts Library apply restrictions on templates.</a:t>
+            </a:r>
+          </a:p>
+          <a:p>
+            <a:r>
+              <a:rPr lang="en-US" dirty="0"/>
+              <a:t>Ranges Library</a:t>
+            </a:r>
+          </a:p>
+          <a:p>
+            <a:pPr lvl="1"/>
+            <a:r>
+              <a:rPr lang="en-US" dirty="0"/>
+              <a:t>std::vector&lt;int&gt; numbers = {1, 2, 3, 4};</a:t>
+            </a:r>
+          </a:p>
+          <a:p>
+            <a:pPr lvl="1"/>
+            <a:r>
+              <a:rPr lang="en-US" dirty="0"/>
+              <a:t>        auto </a:t>
+            </a:r>
+            <a:r>
+              <a:rPr lang="en-US" dirty="0" err="1"/>
+              <a:t>even_numbers</a:t>
+            </a:r>
+            <a:r>
+              <a:rPr lang="en-US" dirty="0"/>
+              <a:t> = numbers | std::views::filter([](int n) { return n % 2 == 0; });</a:t>
+            </a:r>
+          </a:p>
+          <a:p>
+            <a:r>
+              <a:rPr lang="en-US" dirty="0"/>
+              <a:t>Modules</a:t>
+            </a:r>
+          </a:p>
+        </p:txBody>
+      </p:sp>
+    </p:spTree>
+    <p:extLst>
+      <p:ext uri="{BB962C8B-B14F-4D97-AF65-F5344CB8AC3E}">
+        <p14:creationId xmlns:p14="http://schemas.microsoft.com/office/powerpoint/2010/main" val="3986578585"/>
+      </p:ext>
+    </p:extLst>
+  </p:cSld>
+  <p:clrMapOvr>
+    <a:masterClrMapping/>
+  </p:clrMapOvr>
+</p:sld>
+</file>
+
+<file path=ppt/slides/slide58.xml><?xml version="1.0" encoding="utf-8"?>
+<p:sld xmlns:a="http://schemas.openxmlformats.org/drawingml/2006/main" xmlns:r="http://schemas.openxmlformats.org/officeDocument/2006/relationships" xmlns:p="http://schemas.openxmlformats.org/presentationml/2006/main">
+  <p:cSld>
+    <p:spTree>
+      <p:nvGrpSpPr>
+        <p:cNvPr id="1" name=""/>
+        <p:cNvGrpSpPr/>
+        <p:nvPr/>
+      </p:nvGrpSpPr>
+      <p:grpSpPr>
+        <a:xfrm>
+          <a:off x="0" y="0"/>
+          <a:ext cx="0" cy="0"/>
+          <a:chOff x="0" y="0"/>
+          <a:chExt cx="0" cy="0"/>
+        </a:xfrm>
+      </p:grpSpPr>
+      <p:sp>
+        <p:nvSpPr>
+          <p:cNvPr id="2" name="Title 1">
+            <a:extLst>
+              <a:ext uri="{FF2B5EF4-FFF2-40B4-BE49-F238E27FC236}">
+                <a16:creationId xmlns:a16="http://schemas.microsoft.com/office/drawing/2014/main" id="{F810C1B7-6E4E-3DEE-50C0-1CA3B14303EE}"/>
+              </a:ext>
+            </a:extLst>
+          </p:cNvPr>
+          <p:cNvSpPr>
+            <a:spLocks noGrp="1"/>
+          </p:cNvSpPr>
+          <p:nvPr>
+            <p:ph type="ctrTitle"/>
+          </p:nvPr>
+        </p:nvSpPr>
+        <p:spPr>
+          <a:xfrm>
+            <a:off x="594360" y="411479"/>
+            <a:ext cx="5486400" cy="3291840"/>
+          </a:xfrm>
+        </p:spPr>
+        <p:txBody>
+          <a:bodyPr/>
+          <a:lstStyle/>
+          <a:p>
+            <a:r>
+              <a:rPr lang="en-US" dirty="0"/>
+              <a:t>Thank you</a:t>
+            </a:r>
+          </a:p>
+        </p:txBody>
+      </p:sp>
+      <p:sp>
+        <p:nvSpPr>
+          <p:cNvPr id="3" name="Text Placeholder 2">
+            <a:extLst>
+              <a:ext uri="{FF2B5EF4-FFF2-40B4-BE49-F238E27FC236}">
+                <a16:creationId xmlns:a16="http://schemas.microsoft.com/office/drawing/2014/main" id="{8BE734F0-2DDD-AF70-F13D-F9E4C1929411}"/>
+              </a:ext>
+            </a:extLst>
+          </p:cNvPr>
+          <p:cNvSpPr>
+            <a:spLocks noGrp="1"/>
+          </p:cNvSpPr>
+          <p:nvPr>
+            <p:ph type="body" sz="quarter" idx="11"/>
+          </p:nvPr>
+        </p:nvSpPr>
+        <p:spPr>
+          <a:xfrm>
+            <a:off x="594360" y="4549552"/>
+            <a:ext cx="5486400" cy="1645920"/>
+          </a:xfrm>
+        </p:spPr>
+        <p:txBody>
+          <a:bodyPr/>
+          <a:lstStyle/>
+          <a:p>
+            <a:r>
+              <a:rPr lang="en-US" dirty="0"/>
+              <a:t>Brita Tamm</a:t>
+            </a:r>
+          </a:p>
+          <a:p>
+            <a:r>
+              <a:rPr lang="en-US" dirty="0"/>
+              <a:t>502-555-0152</a:t>
+            </a:r>
+          </a:p>
+          <a:p>
+            <a:r>
+              <a:rPr lang="en-US" dirty="0"/>
+              <a:t>brita@firstupconsultants.com</a:t>
+            </a:r>
+          </a:p>
+          <a:p>
+            <a:r>
+              <a:rPr lang="en-US" dirty="0"/>
+              <a:t>www.firstupconsultants.com</a:t>
+            </a:r>
+          </a:p>
+        </p:txBody>
+      </p:sp>
+    </p:spTree>
+    <p:extLst>
+      <p:ext uri="{BB962C8B-B14F-4D97-AF65-F5344CB8AC3E}">
+        <p14:creationId xmlns:p14="http://schemas.microsoft.com/office/powerpoint/2010/main" val="4261132419"/>
       </p:ext>
     </p:extLst>
   </p:cSld>
@@ -15057,6 +17101,15 @@
 </file>
 
 <file path=customXml/item1.xml><?xml version="1.0" encoding="utf-8"?>
+<?mso-contentType ?>
+<FormTemplates xmlns="http://schemas.microsoft.com/sharepoint/v3/contenttype/forms">
+  <Display>DocumentLibraryForm</Display>
+  <Edit>DocumentLibraryForm</Edit>
+  <New>DocumentLibraryForm</New>
+</FormTemplates>
+</file>
+
+<file path=customXml/item2.xml><?xml version="1.0" encoding="utf-8"?>
 <ct:contentTypeSchema xmlns:ct="http://schemas.microsoft.com/office/2006/metadata/contentType" xmlns:ma="http://schemas.microsoft.com/office/2006/metadata/properties/metaAttributes" ct:_="" ma:_="" ma:contentTypeName="Document" ma:contentTypeID="0x01010079F111ED35F8CC479449609E8A0923A6" ma:contentTypeVersion="28" ma:contentTypeDescription="Create a new document." ma:contentTypeScope="" ma:versionID="60f5a4f2d2b0abadcf532d48ebf9cb71">
   <xsd:schema xmlns:xsd="http://www.w3.org/2001/XMLSchema" xmlns:xs="http://www.w3.org/2001/XMLSchema" xmlns:p="http://schemas.microsoft.com/office/2006/metadata/properties" xmlns:ns1="http://schemas.microsoft.com/sharepoint/v3" xmlns:ns2="71af3243-3dd4-4a8d-8c0d-dd76da1f02a5" xmlns:ns3="16c05727-aa75-4e4a-9b5f-8a80a1165891" xmlns:ns4="230e9df3-be65-4c73-a93b-d1236ebd677e" targetNamespace="http://schemas.microsoft.com/office/2006/metadata/properties" ma:root="true" ma:fieldsID="7dd78129e6a1811f84807ad11c651531" ns1:_="" ns2:_="" ns3:_="" ns4:_="">
     <xsd:import namespace="http://schemas.microsoft.com/sharepoint/v3"/>
@@ -15368,7 +17421,7 @@
 </ct:contentTypeSchema>
 </file>
 
-<file path=customXml/item2.xml><?xml version="1.0" encoding="utf-8"?>
+<file path=customXml/item3.xml><?xml version="1.0" encoding="utf-8"?>
 <p:properties xmlns:p="http://schemas.microsoft.com/office/2006/metadata/properties" xmlns:xsi="http://www.w3.org/2001/XMLSchema-instance" xmlns:pc="http://schemas.microsoft.com/office/infopath/2007/PartnerControls">
   <documentManagement>
     <Background xmlns="71af3243-3dd4-4a8d-8c0d-dd76da1f02a5">false</Background>
@@ -15388,16 +17441,15 @@
 </p:properties>
 </file>
 
-<file path=customXml/item3.xml><?xml version="1.0" encoding="utf-8"?>
-<?mso-contentType ?>
-<FormTemplates xmlns="http://schemas.microsoft.com/sharepoint/v3/contenttype/forms">
-  <Display>DocumentLibraryForm</Display>
-  <Edit>DocumentLibraryForm</Edit>
-  <New>DocumentLibraryForm</New>
-</FormTemplates>
+<file path=customXml/itemProps1.xml><?xml version="1.0" encoding="utf-8"?>
+<ds:datastoreItem xmlns:ds="http://schemas.openxmlformats.org/officeDocument/2006/customXml" ds:itemID="{C21FFAC0-05A2-416A-B06C-C248395482CF}">
+  <ds:schemaRefs>
+    <ds:schemaRef ds:uri="http://schemas.microsoft.com/sharepoint/v3/contenttype/forms"/>
+  </ds:schemaRefs>
+</ds:datastoreItem>
 </file>
 
-<file path=customXml/itemProps1.xml><?xml version="1.0" encoding="utf-8"?>
+<file path=customXml/itemProps2.xml><?xml version="1.0" encoding="utf-8"?>
 <ds:datastoreItem xmlns:ds="http://schemas.openxmlformats.org/officeDocument/2006/customXml" ds:itemID="{92DB9E12-8AC3-4138-BF4D-720A5525AB10}">
   <ds:schemaRefs>
     <ds:schemaRef ds:uri="http://schemas.microsoft.com/office/2006/metadata/contentType"/>
@@ -15418,7 +17470,7 @@
 </ds:datastoreItem>
 </file>
 
-<file path=customXml/itemProps2.xml><?xml version="1.0" encoding="utf-8"?>
+<file path=customXml/itemProps3.xml><?xml version="1.0" encoding="utf-8"?>
 <ds:datastoreItem xmlns:ds="http://schemas.openxmlformats.org/officeDocument/2006/customXml" ds:itemID="{4F4B194E-8B30-4377-8C59-ECFB902D2A26}">
   <ds:schemaRefs>
     <ds:schemaRef ds:uri="http://schemas.microsoft.com/office/2006/metadata/properties"/>
@@ -15430,14 +17482,6 @@
 </ds:datastoreItem>
 </file>
 
-<file path=customXml/itemProps3.xml><?xml version="1.0" encoding="utf-8"?>
-<ds:datastoreItem xmlns:ds="http://schemas.openxmlformats.org/officeDocument/2006/customXml" ds:itemID="{C21FFAC0-05A2-416A-B06C-C248395482CF}">
-  <ds:schemaRefs>
-    <ds:schemaRef ds:uri="http://schemas.microsoft.com/sharepoint/v3/contenttype/forms"/>
-  </ds:schemaRefs>
-</ds:datastoreItem>
-</file>
-
 <file path=docMetadata/LabelInfo.xml><?xml version="1.0" encoding="utf-8"?>
 <clbl:labelList xmlns:clbl="http://schemas.microsoft.com/office/2020/mipLabelMetadata"/>
 </file>